--- a/pdf/life_expectancy.pptx
+++ b/pdf/life_expectancy.pptx
@@ -6,15 +6,17 @@
   </p:sldMasterIdLst>
   <p:sldIdLst>
     <p:sldId id="258" r:id="rId2"/>
-    <p:sldId id="257" r:id="rId3"/>
-    <p:sldId id="260" r:id="rId4"/>
-    <p:sldId id="259" r:id="rId5"/>
-    <p:sldId id="261" r:id="rId6"/>
-    <p:sldId id="262" r:id="rId7"/>
-    <p:sldId id="263" r:id="rId8"/>
-    <p:sldId id="264" r:id="rId9"/>
-    <p:sldId id="265" r:id="rId10"/>
-    <p:sldId id="266" r:id="rId11"/>
+    <p:sldId id="268" r:id="rId3"/>
+    <p:sldId id="257" r:id="rId4"/>
+    <p:sldId id="267" r:id="rId5"/>
+    <p:sldId id="260" r:id="rId6"/>
+    <p:sldId id="259" r:id="rId7"/>
+    <p:sldId id="261" r:id="rId8"/>
+    <p:sldId id="262" r:id="rId9"/>
+    <p:sldId id="263" r:id="rId10"/>
+    <p:sldId id="264" r:id="rId11"/>
+    <p:sldId id="265" r:id="rId12"/>
+    <p:sldId id="266" r:id="rId13"/>
   </p:sldIdLst>
   <p:sldSz cx="12192000" cy="6858000"/>
   <p:notesSz cx="6858000" cy="9144000"/>
@@ -113,6 +115,11 @@
       </a:defRPr>
     </a:lvl9pPr>
   </p:defaultTextStyle>
+  <p:extLst>
+    <p:ext uri="{EFAFB233-063F-42B5-8137-9DF3F51BA10A}">
+      <p15:sldGuideLst xmlns:p15="http://schemas.microsoft.com/office/powerpoint/2012/main"/>
+    </p:ext>
+  </p:extLst>
 </p:presentation>
 </file>
 
@@ -867,7 +874,7 @@
 <dgm:dataModel xmlns:dgm="http://schemas.openxmlformats.org/drawingml/2006/diagram" xmlns:a="http://schemas.openxmlformats.org/drawingml/2006/main">
   <dgm:ptLst>
     <dgm:pt modelId="{A810F982-B794-422B-B049-DA04ED097E05}" type="doc">
-      <dgm:prSet loTypeId="urn:microsoft.com/office/officeart/2005/8/layout/cycle2" loCatId="cycle" qsTypeId="urn:microsoft.com/office/officeart/2005/8/quickstyle/simple1" qsCatId="simple" csTypeId="urn:microsoft.com/office/officeart/2005/8/colors/accent1_2" csCatId="accent1" phldr="0"/>
+      <dgm:prSet loTypeId="urn:microsoft.com/office/officeart/2005/8/layout/cycle2" loCatId="cycle" qsTypeId="urn:microsoft.com/office/officeart/2005/8/quickstyle/simple4" qsCatId="simple" csTypeId="urn:microsoft.com/office/officeart/2005/8/colors/accent1_2" csCatId="accent1" phldr="1"/>
       <dgm:spPr/>
       <dgm:t>
         <a:bodyPr/>
@@ -878,13 +885,113 @@
       </dgm:t>
     </dgm:pt>
     <dgm:pt modelId="{E09BF9EF-37AD-47A9-9B2F-89ECFA9D58A6}">
-      <dgm:prSet phldrT="[Text]" phldr="1"/>
-      <dgm:spPr/>
+      <dgm:prSet phldrT="[Text]" custT="1"/>
+      <dgm:spPr>
+        <a:effectLst>
+          <a:outerShdw blurRad="50800" dist="38100" dir="2700000" algn="tl" rotWithShape="0">
+            <a:prstClr val="black">
+              <a:alpha val="40000"/>
+            </a:prstClr>
+          </a:outerShdw>
+        </a:effectLst>
+      </dgm:spPr>
       <dgm:t>
         <a:bodyPr/>
         <a:lstStyle/>
         <a:p>
-          <a:endParaRPr lang="pt-BR"/>
+          <a:r>
+            <a:rPr lang="it-IT" sz="1800" b="1" i="1" u="none" cap="none" spc="0" dirty="0" err="1">
+              <a:ln w="0"/>
+              <a:solidFill>
+                <a:schemeClr val="bg1"/>
+              </a:solidFill>
+              <a:effectLst>
+                <a:outerShdw blurRad="38100" dist="19050" dir="2700000" algn="tl" rotWithShape="0">
+                  <a:schemeClr val="dk1">
+                    <a:alpha val="40000"/>
+                  </a:schemeClr>
+                </a:outerShdw>
+              </a:effectLst>
+            </a:rPr>
+            <a:t>Coleta</a:t>
+          </a:r>
+          <a:r>
+            <a:rPr lang="it-IT" sz="1800" b="1" i="1" u="none" cap="none" spc="0" dirty="0">
+              <a:ln w="0"/>
+              <a:solidFill>
+                <a:schemeClr val="bg1"/>
+              </a:solidFill>
+              <a:effectLst>
+                <a:outerShdw blurRad="38100" dist="19050" dir="2700000" algn="tl" rotWithShape="0">
+                  <a:schemeClr val="dk1">
+                    <a:alpha val="40000"/>
+                  </a:schemeClr>
+                </a:outerShdw>
+              </a:effectLst>
+            </a:rPr>
+            <a:t> </a:t>
+          </a:r>
+          <a:r>
+            <a:rPr lang="it-IT" sz="1800" b="1" i="1" u="none" cap="none" spc="0" dirty="0" err="1">
+              <a:ln w="0"/>
+              <a:solidFill>
+                <a:schemeClr val="bg1"/>
+              </a:solidFill>
+              <a:effectLst>
+                <a:outerShdw blurRad="38100" dist="19050" dir="2700000" algn="tl" rotWithShape="0">
+                  <a:schemeClr val="dk1">
+                    <a:alpha val="40000"/>
+                  </a:schemeClr>
+                </a:outerShdw>
+              </a:effectLst>
+            </a:rPr>
+            <a:t>dos</a:t>
+          </a:r>
+          <a:r>
+            <a:rPr lang="it-IT" sz="1800" b="1" i="1" u="none" cap="none" spc="0" dirty="0">
+              <a:ln w="0"/>
+              <a:solidFill>
+                <a:schemeClr val="bg1"/>
+              </a:solidFill>
+              <a:effectLst>
+                <a:outerShdw blurRad="38100" dist="19050" dir="2700000" algn="tl" rotWithShape="0">
+                  <a:schemeClr val="dk1">
+                    <a:alpha val="40000"/>
+                  </a:schemeClr>
+                </a:outerShdw>
+              </a:effectLst>
+            </a:rPr>
+            <a:t> </a:t>
+          </a:r>
+          <a:r>
+            <a:rPr lang="it-IT" sz="1800" b="1" i="1" u="none" cap="none" spc="0" dirty="0" err="1">
+              <a:ln w="0"/>
+              <a:solidFill>
+                <a:schemeClr val="bg1"/>
+              </a:solidFill>
+              <a:effectLst>
+                <a:outerShdw blurRad="38100" dist="19050" dir="2700000" algn="tl" rotWithShape="0">
+                  <a:schemeClr val="dk1">
+                    <a:alpha val="40000"/>
+                  </a:schemeClr>
+                </a:outerShdw>
+              </a:effectLst>
+            </a:rPr>
+            <a:t>dados</a:t>
+          </a:r>
+          <a:endParaRPr lang="pt-BR" sz="1800" b="1" i="1" u="none" cap="none" spc="0" dirty="0">
+            <a:ln w="0"/>
+            <a:solidFill>
+              <a:schemeClr val="bg1"/>
+            </a:solidFill>
+            <a:effectLst>
+              <a:outerShdw blurRad="38100" dist="19050" dir="2700000" algn="tl" rotWithShape="0">
+                <a:schemeClr val="dk1">
+                  <a:alpha val="40000"/>
+                </a:schemeClr>
+              </a:outerShdw>
+            </a:effectLst>
+          </a:endParaRPr>
         </a:p>
       </dgm:t>
     </dgm:pt>
@@ -895,7 +1002,19 @@
         <a:bodyPr/>
         <a:lstStyle/>
         <a:p>
-          <a:endParaRPr lang="pt-BR"/>
+          <a:endParaRPr lang="pt-BR" b="0" cap="none" spc="0">
+            <a:ln w="0"/>
+            <a:solidFill>
+              <a:schemeClr val="tx1"/>
+            </a:solidFill>
+            <a:effectLst>
+              <a:outerShdw blurRad="38100" dist="19050" dir="2700000" algn="tl" rotWithShape="0">
+                <a:schemeClr val="dk1">
+                  <a:alpha val="40000"/>
+                </a:schemeClr>
+              </a:outerShdw>
+            </a:effectLst>
+          </a:endParaRPr>
         </a:p>
       </dgm:t>
     </dgm:pt>
@@ -906,18 +1025,45 @@
         <a:bodyPr/>
         <a:lstStyle/>
         <a:p>
-          <a:endParaRPr lang="pt-BR"/>
+          <a:endParaRPr lang="pt-BR" b="0" cap="none" spc="0">
+            <a:ln w="0"/>
+            <a:solidFill>
+              <a:schemeClr val="tx1"/>
+            </a:solidFill>
+            <a:effectLst>
+              <a:outerShdw blurRad="38100" dist="19050" dir="2700000" algn="tl" rotWithShape="0">
+                <a:schemeClr val="dk1">
+                  <a:alpha val="40000"/>
+                </a:schemeClr>
+              </a:outerShdw>
+            </a:effectLst>
+          </a:endParaRPr>
         </a:p>
       </dgm:t>
     </dgm:pt>
     <dgm:pt modelId="{EBA23F8A-63AA-436A-94D4-36E2C127105C}">
-      <dgm:prSet phldrT="[Text]" phldr="1"/>
+      <dgm:prSet phldrT="[Text]" custT="1"/>
       <dgm:spPr/>
       <dgm:t>
         <a:bodyPr/>
         <a:lstStyle/>
         <a:p>
-          <a:endParaRPr lang="pt-BR"/>
+          <a:r>
+            <a:rPr lang="pt-BR" sz="1000" b="0" cap="none" spc="0" dirty="0">
+              <a:ln w="0"/>
+              <a:solidFill>
+                <a:schemeClr val="tx1"/>
+              </a:solidFill>
+              <a:effectLst>
+                <a:outerShdw blurRad="38100" dist="19050" dir="2700000" algn="tl" rotWithShape="0">
+                  <a:schemeClr val="dk1">
+                    <a:alpha val="40000"/>
+                  </a:schemeClr>
+                </a:outerShdw>
+              </a:effectLst>
+            </a:rPr>
+            <a:t>Processamento/Tratamento de Dados</a:t>
+          </a:r>
         </a:p>
       </dgm:t>
     </dgm:pt>
@@ -928,7 +1074,19 @@
         <a:bodyPr/>
         <a:lstStyle/>
         <a:p>
-          <a:endParaRPr lang="pt-BR"/>
+          <a:endParaRPr lang="pt-BR" b="0" cap="none" spc="0">
+            <a:ln w="0"/>
+            <a:solidFill>
+              <a:schemeClr val="tx1"/>
+            </a:solidFill>
+            <a:effectLst>
+              <a:outerShdw blurRad="38100" dist="19050" dir="2700000" algn="tl" rotWithShape="0">
+                <a:schemeClr val="dk1">
+                  <a:alpha val="40000"/>
+                </a:schemeClr>
+              </a:outerShdw>
+            </a:effectLst>
+          </a:endParaRPr>
         </a:p>
       </dgm:t>
     </dgm:pt>
@@ -939,18 +1097,45 @@
         <a:bodyPr/>
         <a:lstStyle/>
         <a:p>
-          <a:endParaRPr lang="pt-BR"/>
+          <a:endParaRPr lang="pt-BR" b="0" cap="none" spc="0">
+            <a:ln w="0"/>
+            <a:solidFill>
+              <a:schemeClr val="tx1"/>
+            </a:solidFill>
+            <a:effectLst>
+              <a:outerShdw blurRad="38100" dist="19050" dir="2700000" algn="tl" rotWithShape="0">
+                <a:schemeClr val="dk1">
+                  <a:alpha val="40000"/>
+                </a:schemeClr>
+              </a:outerShdw>
+            </a:effectLst>
+          </a:endParaRPr>
         </a:p>
       </dgm:t>
     </dgm:pt>
     <dgm:pt modelId="{09A09577-3AD7-43C0-A150-E8CDFE371C64}">
-      <dgm:prSet phldrT="[Text]" phldr="1"/>
+      <dgm:prSet phldrT="[Text]"/>
       <dgm:spPr/>
       <dgm:t>
         <a:bodyPr/>
         <a:lstStyle/>
         <a:p>
-          <a:endParaRPr lang="pt-BR"/>
+          <a:r>
+            <a:rPr lang="pt-BR" b="0" cap="none" spc="0" dirty="0">
+              <a:ln w="0"/>
+              <a:solidFill>
+                <a:schemeClr val="tx1"/>
+              </a:solidFill>
+              <a:effectLst>
+                <a:outerShdw blurRad="38100" dist="19050" dir="2700000" algn="tl" rotWithShape="0">
+                  <a:schemeClr val="dk1">
+                    <a:alpha val="40000"/>
+                  </a:schemeClr>
+                </a:outerShdw>
+              </a:effectLst>
+            </a:rPr>
+            <a:t>Análise e Exploração dos Dados</a:t>
+          </a:r>
         </a:p>
       </dgm:t>
     </dgm:pt>
@@ -961,7 +1146,19 @@
         <a:bodyPr/>
         <a:lstStyle/>
         <a:p>
-          <a:endParaRPr lang="pt-BR"/>
+          <a:endParaRPr lang="pt-BR" b="0" cap="none" spc="0">
+            <a:ln w="0"/>
+            <a:solidFill>
+              <a:schemeClr val="tx1"/>
+            </a:solidFill>
+            <a:effectLst>
+              <a:outerShdw blurRad="38100" dist="19050" dir="2700000" algn="tl" rotWithShape="0">
+                <a:schemeClr val="dk1">
+                  <a:alpha val="40000"/>
+                </a:schemeClr>
+              </a:outerShdw>
+            </a:effectLst>
+          </a:endParaRPr>
         </a:p>
       </dgm:t>
     </dgm:pt>
@@ -972,18 +1169,45 @@
         <a:bodyPr/>
         <a:lstStyle/>
         <a:p>
-          <a:endParaRPr lang="pt-BR"/>
+          <a:endParaRPr lang="pt-BR" b="0" cap="none" spc="0">
+            <a:ln w="0"/>
+            <a:solidFill>
+              <a:schemeClr val="tx1"/>
+            </a:solidFill>
+            <a:effectLst>
+              <a:outerShdw blurRad="38100" dist="19050" dir="2700000" algn="tl" rotWithShape="0">
+                <a:schemeClr val="dk1">
+                  <a:alpha val="40000"/>
+                </a:schemeClr>
+              </a:outerShdw>
+            </a:effectLst>
+          </a:endParaRPr>
         </a:p>
       </dgm:t>
     </dgm:pt>
     <dgm:pt modelId="{9F0897C6-10A8-4C61-B150-E9C811BCE2F1}">
-      <dgm:prSet phldrT="[Text]" phldr="1"/>
+      <dgm:prSet phldrT="[Text]"/>
       <dgm:spPr/>
       <dgm:t>
         <a:bodyPr/>
         <a:lstStyle/>
         <a:p>
-          <a:endParaRPr lang="pt-BR"/>
+          <a:r>
+            <a:rPr lang="pt-BR" b="0" cap="none" spc="0" dirty="0">
+              <a:ln w="0"/>
+              <a:solidFill>
+                <a:schemeClr val="tx1"/>
+              </a:solidFill>
+              <a:effectLst>
+                <a:outerShdw blurRad="38100" dist="19050" dir="2700000" algn="tl" rotWithShape="0">
+                  <a:schemeClr val="dk1">
+                    <a:alpha val="40000"/>
+                  </a:schemeClr>
+                </a:outerShdw>
+              </a:effectLst>
+            </a:rPr>
+            <a:t>Criação de Modelos de Machine Learning</a:t>
+          </a:r>
         </a:p>
       </dgm:t>
     </dgm:pt>
@@ -994,7 +1218,19 @@
         <a:bodyPr/>
         <a:lstStyle/>
         <a:p>
-          <a:endParaRPr lang="pt-BR"/>
+          <a:endParaRPr lang="pt-BR" b="0" cap="none" spc="0">
+            <a:ln w="0"/>
+            <a:solidFill>
+              <a:schemeClr val="tx1"/>
+            </a:solidFill>
+            <a:effectLst>
+              <a:outerShdw blurRad="38100" dist="19050" dir="2700000" algn="tl" rotWithShape="0">
+                <a:schemeClr val="dk1">
+                  <a:alpha val="40000"/>
+                </a:schemeClr>
+              </a:outerShdw>
+            </a:effectLst>
+          </a:endParaRPr>
         </a:p>
       </dgm:t>
     </dgm:pt>
@@ -1005,18 +1241,45 @@
         <a:bodyPr/>
         <a:lstStyle/>
         <a:p>
-          <a:endParaRPr lang="pt-BR"/>
+          <a:endParaRPr lang="pt-BR" b="0" cap="none" spc="0">
+            <a:ln w="0"/>
+            <a:solidFill>
+              <a:schemeClr val="tx1"/>
+            </a:solidFill>
+            <a:effectLst>
+              <a:outerShdw blurRad="38100" dist="19050" dir="2700000" algn="tl" rotWithShape="0">
+                <a:schemeClr val="dk1">
+                  <a:alpha val="40000"/>
+                </a:schemeClr>
+              </a:outerShdw>
+            </a:effectLst>
+          </a:endParaRPr>
         </a:p>
       </dgm:t>
     </dgm:pt>
     <dgm:pt modelId="{6D3CCE90-9792-43B4-AE86-1B77C6224D5B}">
-      <dgm:prSet phldrT="[Text]" phldr="1"/>
+      <dgm:prSet phldrT="[Text]"/>
       <dgm:spPr/>
       <dgm:t>
         <a:bodyPr/>
         <a:lstStyle/>
         <a:p>
-          <a:endParaRPr lang="pt-BR"/>
+          <a:r>
+            <a:rPr lang="pt-BR" b="0" cap="none" spc="0" dirty="0">
+              <a:ln w="0"/>
+              <a:solidFill>
+                <a:schemeClr val="tx1"/>
+              </a:solidFill>
+              <a:effectLst>
+                <a:outerShdw blurRad="38100" dist="19050" dir="2700000" algn="tl" rotWithShape="0">
+                  <a:schemeClr val="dk1">
+                    <a:alpha val="40000"/>
+                  </a:schemeClr>
+                </a:outerShdw>
+              </a:effectLst>
+            </a:rPr>
+            <a:t>Interpretação dos Resultados</a:t>
+          </a:r>
         </a:p>
       </dgm:t>
     </dgm:pt>
@@ -1027,7 +1290,19 @@
         <a:bodyPr/>
         <a:lstStyle/>
         <a:p>
-          <a:endParaRPr lang="pt-BR"/>
+          <a:endParaRPr lang="pt-BR" b="0" cap="none" spc="0">
+            <a:ln w="0"/>
+            <a:solidFill>
+              <a:schemeClr val="tx1"/>
+            </a:solidFill>
+            <a:effectLst>
+              <a:outerShdw blurRad="38100" dist="19050" dir="2700000" algn="tl" rotWithShape="0">
+                <a:schemeClr val="dk1">
+                  <a:alpha val="40000"/>
+                </a:schemeClr>
+              </a:outerShdw>
+            </a:effectLst>
+          </a:endParaRPr>
         </a:p>
       </dgm:t>
     </dgm:pt>
@@ -1038,7 +1313,91 @@
         <a:bodyPr/>
         <a:lstStyle/>
         <a:p>
-          <a:endParaRPr lang="pt-BR"/>
+          <a:endParaRPr lang="pt-BR" b="0" cap="none" spc="0">
+            <a:ln w="0"/>
+            <a:solidFill>
+              <a:schemeClr val="tx1"/>
+            </a:solidFill>
+            <a:effectLst>
+              <a:outerShdw blurRad="38100" dist="19050" dir="2700000" algn="tl" rotWithShape="0">
+                <a:schemeClr val="dk1">
+                  <a:alpha val="40000"/>
+                </a:schemeClr>
+              </a:outerShdw>
+            </a:effectLst>
+          </a:endParaRPr>
+        </a:p>
+      </dgm:t>
+    </dgm:pt>
+    <dgm:pt modelId="{0A12B227-C746-4BAD-99FC-5AAF2E020CA1}">
+      <dgm:prSet/>
+      <dgm:spPr/>
+      <dgm:t>
+        <a:bodyPr/>
+        <a:lstStyle/>
+        <a:p>
+          <a:r>
+            <a:rPr lang="pt-BR" b="0" cap="none" spc="0">
+              <a:ln w="0"/>
+              <a:solidFill>
+                <a:schemeClr val="tx1"/>
+              </a:solidFill>
+              <a:effectLst>
+                <a:outerShdw blurRad="38100" dist="19050" dir="2700000" algn="tl" rotWithShape="0">
+                  <a:schemeClr val="dk1">
+                    <a:alpha val="40000"/>
+                  </a:schemeClr>
+                </a:outerShdw>
+              </a:effectLst>
+            </a:rPr>
+            <a:t>Apresentação dos Resultados</a:t>
+          </a:r>
+        </a:p>
+      </dgm:t>
+    </dgm:pt>
+    <dgm:pt modelId="{A95469A7-8A77-4A8B-B69D-D1470407297B}" type="parTrans" cxnId="{3692E279-529D-4AA8-B8D9-D882FEF7A976}">
+      <dgm:prSet/>
+      <dgm:spPr/>
+      <dgm:t>
+        <a:bodyPr/>
+        <a:lstStyle/>
+        <a:p>
+          <a:endParaRPr lang="pt-BR" b="0" cap="none" spc="0">
+            <a:ln w="0"/>
+            <a:solidFill>
+              <a:schemeClr val="tx1"/>
+            </a:solidFill>
+            <a:effectLst>
+              <a:outerShdw blurRad="38100" dist="19050" dir="2700000" algn="tl" rotWithShape="0">
+                <a:schemeClr val="dk1">
+                  <a:alpha val="40000"/>
+                </a:schemeClr>
+              </a:outerShdw>
+            </a:effectLst>
+          </a:endParaRPr>
+        </a:p>
+      </dgm:t>
+    </dgm:pt>
+    <dgm:pt modelId="{74F8E2DB-0B42-4B54-BEB4-DEC87988B7B8}" type="sibTrans" cxnId="{3692E279-529D-4AA8-B8D9-D882FEF7A976}">
+      <dgm:prSet/>
+      <dgm:spPr/>
+      <dgm:t>
+        <a:bodyPr/>
+        <a:lstStyle/>
+        <a:p>
+          <a:endParaRPr lang="pt-BR" b="0" cap="none" spc="0">
+            <a:ln w="0"/>
+            <a:solidFill>
+              <a:schemeClr val="tx1"/>
+            </a:solidFill>
+            <a:effectLst>
+              <a:outerShdw blurRad="38100" dist="19050" dir="2700000" algn="tl" rotWithShape="0">
+                <a:schemeClr val="dk1">
+                  <a:alpha val="40000"/>
+                </a:schemeClr>
+              </a:outerShdw>
+            </a:effectLst>
+          </a:endParaRPr>
         </a:p>
       </dgm:t>
     </dgm:pt>
@@ -1052,7 +1411,7 @@
       <dgm:spPr/>
     </dgm:pt>
     <dgm:pt modelId="{FB53104A-9A6F-4BF8-9EED-E6D8BBFB67AC}" type="pres">
-      <dgm:prSet presAssocID="{E09BF9EF-37AD-47A9-9B2F-89ECFA9D58A6}" presName="node" presStyleLbl="node1" presStyleIdx="0" presStyleCnt="5">
+      <dgm:prSet presAssocID="{E09BF9EF-37AD-47A9-9B2F-89ECFA9D58A6}" presName="node" presStyleLbl="node1" presStyleIdx="0" presStyleCnt="6" custRadScaleRad="99862" custRadScaleInc="-5105">
         <dgm:presLayoutVars>
           <dgm:bulletEnabled val="1"/>
         </dgm:presLayoutVars>
@@ -1060,15 +1419,15 @@
       <dgm:spPr/>
     </dgm:pt>
     <dgm:pt modelId="{E34878EF-88BC-43CF-B167-C71A1DE9E332}" type="pres">
-      <dgm:prSet presAssocID="{5BA0F38E-187E-4726-ABED-B9F9DF582913}" presName="sibTrans" presStyleLbl="sibTrans2D1" presStyleIdx="0" presStyleCnt="5"/>
+      <dgm:prSet presAssocID="{5BA0F38E-187E-4726-ABED-B9F9DF582913}" presName="sibTrans" presStyleLbl="sibTrans2D1" presStyleIdx="0" presStyleCnt="6"/>
       <dgm:spPr/>
     </dgm:pt>
     <dgm:pt modelId="{42D32788-011D-4368-BA44-BBD4767A8926}" type="pres">
-      <dgm:prSet presAssocID="{5BA0F38E-187E-4726-ABED-B9F9DF582913}" presName="connectorText" presStyleLbl="sibTrans2D1" presStyleIdx="0" presStyleCnt="5"/>
+      <dgm:prSet presAssocID="{5BA0F38E-187E-4726-ABED-B9F9DF582913}" presName="connectorText" presStyleLbl="sibTrans2D1" presStyleIdx="0" presStyleCnt="6"/>
       <dgm:spPr/>
     </dgm:pt>
     <dgm:pt modelId="{206C2025-1C08-4AC7-A97C-299B88340991}" type="pres">
-      <dgm:prSet presAssocID="{EBA23F8A-63AA-436A-94D4-36E2C127105C}" presName="node" presStyleLbl="node1" presStyleIdx="1" presStyleCnt="5">
+      <dgm:prSet presAssocID="{EBA23F8A-63AA-436A-94D4-36E2C127105C}" presName="node" presStyleLbl="node1" presStyleIdx="1" presStyleCnt="6">
         <dgm:presLayoutVars>
           <dgm:bulletEnabled val="1"/>
         </dgm:presLayoutVars>
@@ -1076,15 +1435,15 @@
       <dgm:spPr/>
     </dgm:pt>
     <dgm:pt modelId="{A36CF7E5-3789-4CA7-BDAD-1A184D2E8EBA}" type="pres">
-      <dgm:prSet presAssocID="{D3517A89-8856-4B6F-898D-318E2EE0FA48}" presName="sibTrans" presStyleLbl="sibTrans2D1" presStyleIdx="1" presStyleCnt="5"/>
+      <dgm:prSet presAssocID="{D3517A89-8856-4B6F-898D-318E2EE0FA48}" presName="sibTrans" presStyleLbl="sibTrans2D1" presStyleIdx="1" presStyleCnt="6"/>
       <dgm:spPr/>
     </dgm:pt>
     <dgm:pt modelId="{FF2B059B-6159-4915-B2EE-2947DFC4C5B0}" type="pres">
-      <dgm:prSet presAssocID="{D3517A89-8856-4B6F-898D-318E2EE0FA48}" presName="connectorText" presStyleLbl="sibTrans2D1" presStyleIdx="1" presStyleCnt="5"/>
+      <dgm:prSet presAssocID="{D3517A89-8856-4B6F-898D-318E2EE0FA48}" presName="connectorText" presStyleLbl="sibTrans2D1" presStyleIdx="1" presStyleCnt="6"/>
       <dgm:spPr/>
     </dgm:pt>
     <dgm:pt modelId="{95310B5E-A74E-48BA-8F01-957ED2A4EF6D}" type="pres">
-      <dgm:prSet presAssocID="{09A09577-3AD7-43C0-A150-E8CDFE371C64}" presName="node" presStyleLbl="node1" presStyleIdx="2" presStyleCnt="5">
+      <dgm:prSet presAssocID="{09A09577-3AD7-43C0-A150-E8CDFE371C64}" presName="node" presStyleLbl="node1" presStyleIdx="2" presStyleCnt="6">
         <dgm:presLayoutVars>
           <dgm:bulletEnabled val="1"/>
         </dgm:presLayoutVars>
@@ -1092,15 +1451,15 @@
       <dgm:spPr/>
     </dgm:pt>
     <dgm:pt modelId="{F6FA75C6-BDA3-4E4D-BC6B-E5819EC3D7E5}" type="pres">
-      <dgm:prSet presAssocID="{E8D1C604-F237-4BA6-93B7-D9433415EAE5}" presName="sibTrans" presStyleLbl="sibTrans2D1" presStyleIdx="2" presStyleCnt="5"/>
+      <dgm:prSet presAssocID="{E8D1C604-F237-4BA6-93B7-D9433415EAE5}" presName="sibTrans" presStyleLbl="sibTrans2D1" presStyleIdx="2" presStyleCnt="6"/>
       <dgm:spPr/>
     </dgm:pt>
     <dgm:pt modelId="{31EF035E-93D6-472B-89F7-E4DFB36E12EB}" type="pres">
-      <dgm:prSet presAssocID="{E8D1C604-F237-4BA6-93B7-D9433415EAE5}" presName="connectorText" presStyleLbl="sibTrans2D1" presStyleIdx="2" presStyleCnt="5"/>
+      <dgm:prSet presAssocID="{E8D1C604-F237-4BA6-93B7-D9433415EAE5}" presName="connectorText" presStyleLbl="sibTrans2D1" presStyleIdx="2" presStyleCnt="6"/>
       <dgm:spPr/>
     </dgm:pt>
     <dgm:pt modelId="{7EBCCADF-8BBD-47E1-82CD-9C548EE1680B}" type="pres">
-      <dgm:prSet presAssocID="{9F0897C6-10A8-4C61-B150-E9C811BCE2F1}" presName="node" presStyleLbl="node1" presStyleIdx="3" presStyleCnt="5">
+      <dgm:prSet presAssocID="{9F0897C6-10A8-4C61-B150-E9C811BCE2F1}" presName="node" presStyleLbl="node1" presStyleIdx="3" presStyleCnt="6">
         <dgm:presLayoutVars>
           <dgm:bulletEnabled val="1"/>
         </dgm:presLayoutVars>
@@ -1108,15 +1467,15 @@
       <dgm:spPr/>
     </dgm:pt>
     <dgm:pt modelId="{41856D6B-582A-4298-853F-C6B0822230EB}" type="pres">
-      <dgm:prSet presAssocID="{4903E81A-9466-42E9-81CC-BD9D96220791}" presName="sibTrans" presStyleLbl="sibTrans2D1" presStyleIdx="3" presStyleCnt="5"/>
+      <dgm:prSet presAssocID="{4903E81A-9466-42E9-81CC-BD9D96220791}" presName="sibTrans" presStyleLbl="sibTrans2D1" presStyleIdx="3" presStyleCnt="6"/>
       <dgm:spPr/>
     </dgm:pt>
     <dgm:pt modelId="{000CB279-453D-4E1D-B453-B081103689ED}" type="pres">
-      <dgm:prSet presAssocID="{4903E81A-9466-42E9-81CC-BD9D96220791}" presName="connectorText" presStyleLbl="sibTrans2D1" presStyleIdx="3" presStyleCnt="5"/>
+      <dgm:prSet presAssocID="{4903E81A-9466-42E9-81CC-BD9D96220791}" presName="connectorText" presStyleLbl="sibTrans2D1" presStyleIdx="3" presStyleCnt="6"/>
       <dgm:spPr/>
     </dgm:pt>
     <dgm:pt modelId="{10A581FE-5663-44C4-9AF1-8A412D6483EB}" type="pres">
-      <dgm:prSet presAssocID="{6D3CCE90-9792-43B4-AE86-1B77C6224D5B}" presName="node" presStyleLbl="node1" presStyleIdx="4" presStyleCnt="5">
+      <dgm:prSet presAssocID="{6D3CCE90-9792-43B4-AE86-1B77C6224D5B}" presName="node" presStyleLbl="node1" presStyleIdx="4" presStyleCnt="6">
         <dgm:presLayoutVars>
           <dgm:bulletEnabled val="1"/>
         </dgm:presLayoutVars>
@@ -1124,11 +1483,27 @@
       <dgm:spPr/>
     </dgm:pt>
     <dgm:pt modelId="{6CD5EA4B-2D28-464F-80A6-13DDCDA70B06}" type="pres">
-      <dgm:prSet presAssocID="{8CB313F7-6936-4FF8-9BF5-1749D00E12E2}" presName="sibTrans" presStyleLbl="sibTrans2D1" presStyleIdx="4" presStyleCnt="5"/>
+      <dgm:prSet presAssocID="{8CB313F7-6936-4FF8-9BF5-1749D00E12E2}" presName="sibTrans" presStyleLbl="sibTrans2D1" presStyleIdx="4" presStyleCnt="6"/>
       <dgm:spPr/>
     </dgm:pt>
     <dgm:pt modelId="{5A8E9313-981F-4535-B9AE-3A2CB4E97027}" type="pres">
-      <dgm:prSet presAssocID="{8CB313F7-6936-4FF8-9BF5-1749D00E12E2}" presName="connectorText" presStyleLbl="sibTrans2D1" presStyleIdx="4" presStyleCnt="5"/>
+      <dgm:prSet presAssocID="{8CB313F7-6936-4FF8-9BF5-1749D00E12E2}" presName="connectorText" presStyleLbl="sibTrans2D1" presStyleIdx="4" presStyleCnt="6"/>
+      <dgm:spPr/>
+    </dgm:pt>
+    <dgm:pt modelId="{C1AA0A5E-440D-4A4E-9B50-7363CD3553C9}" type="pres">
+      <dgm:prSet presAssocID="{0A12B227-C746-4BAD-99FC-5AAF2E020CA1}" presName="node" presStyleLbl="node1" presStyleIdx="5" presStyleCnt="6">
+        <dgm:presLayoutVars>
+          <dgm:bulletEnabled val="1"/>
+        </dgm:presLayoutVars>
+      </dgm:prSet>
+      <dgm:spPr/>
+    </dgm:pt>
+    <dgm:pt modelId="{88B90DB7-E906-43A8-80C6-B313FEDD4679}" type="pres">
+      <dgm:prSet presAssocID="{74F8E2DB-0B42-4B54-BEB4-DEC87988B7B8}" presName="sibTrans" presStyleLbl="sibTrans2D1" presStyleIdx="5" presStyleCnt="6"/>
+      <dgm:spPr/>
+    </dgm:pt>
+    <dgm:pt modelId="{91DA7296-BF7E-4A47-B6BB-6DF433AB5925}" type="pres">
+      <dgm:prSet presAssocID="{74F8E2DB-0B42-4B54-BEB4-DEC87988B7B8}" presName="connectorText" presStyleLbl="sibTrans2D1" presStyleIdx="5" presStyleCnt="6"/>
       <dgm:spPr/>
     </dgm:pt>
   </dgm:ptLst>
@@ -1137,10 +1512,13 @@
     <dgm:cxn modelId="{71DE3416-8412-4FEA-BA0F-CC4490FEBECF}" type="presOf" srcId="{D3517A89-8856-4B6F-898D-318E2EE0FA48}" destId="{FF2B059B-6159-4915-B2EE-2947DFC4C5B0}" srcOrd="1" destOrd="0" presId="urn:microsoft.com/office/officeart/2005/8/layout/cycle2"/>
     <dgm:cxn modelId="{8D6EAB1E-C5AA-4854-B1C3-AFAED62A83E5}" srcId="{A810F982-B794-422B-B049-DA04ED097E05}" destId="{E09BF9EF-37AD-47A9-9B2F-89ECFA9D58A6}" srcOrd="0" destOrd="0" parTransId="{EE4FE6C0-4AAA-47E7-BB85-DE0271BEF6A1}" sibTransId="{5BA0F38E-187E-4726-ABED-B9F9DF582913}"/>
     <dgm:cxn modelId="{48788524-4648-4C42-8D15-F16DFE1BCDBE}" type="presOf" srcId="{E8D1C604-F237-4BA6-93B7-D9433415EAE5}" destId="{31EF035E-93D6-472B-89F7-E4DFB36E12EB}" srcOrd="1" destOrd="0" presId="urn:microsoft.com/office/officeart/2005/8/layout/cycle2"/>
+    <dgm:cxn modelId="{3EB8EF37-EF6B-4374-87F4-4DD638EA2C7F}" type="presOf" srcId="{0A12B227-C746-4BAD-99FC-5AAF2E020CA1}" destId="{C1AA0A5E-440D-4A4E-9B50-7363CD3553C9}" srcOrd="0" destOrd="0" presId="urn:microsoft.com/office/officeart/2005/8/layout/cycle2"/>
     <dgm:cxn modelId="{D08B3D49-985A-4900-93DE-3B0695B3EA8E}" type="presOf" srcId="{5BA0F38E-187E-4726-ABED-B9F9DF582913}" destId="{E34878EF-88BC-43CF-B167-C71A1DE9E332}" srcOrd="0" destOrd="0" presId="urn:microsoft.com/office/officeart/2005/8/layout/cycle2"/>
     <dgm:cxn modelId="{CA325D72-E75B-40A1-8D57-EAB547D1E267}" type="presOf" srcId="{6D3CCE90-9792-43B4-AE86-1B77C6224D5B}" destId="{10A581FE-5663-44C4-9AF1-8A412D6483EB}" srcOrd="0" destOrd="0" presId="urn:microsoft.com/office/officeart/2005/8/layout/cycle2"/>
+    <dgm:cxn modelId="{3692E279-529D-4AA8-B8D9-D882FEF7A976}" srcId="{A810F982-B794-422B-B049-DA04ED097E05}" destId="{0A12B227-C746-4BAD-99FC-5AAF2E020CA1}" srcOrd="5" destOrd="0" parTransId="{A95469A7-8A77-4A8B-B69D-D1470407297B}" sibTransId="{74F8E2DB-0B42-4B54-BEB4-DEC87988B7B8}"/>
     <dgm:cxn modelId="{7DE3CC7A-45CF-4021-972B-E0BE51026FB7}" srcId="{A810F982-B794-422B-B049-DA04ED097E05}" destId="{EBA23F8A-63AA-436A-94D4-36E2C127105C}" srcOrd="1" destOrd="0" parTransId="{CBC7322B-8961-40FA-BAC7-77705CBB3B3C}" sibTransId="{D3517A89-8856-4B6F-898D-318E2EE0FA48}"/>
     <dgm:cxn modelId="{1EEA2D8C-4BDF-492A-97A9-6613736DEBBF}" srcId="{A810F982-B794-422B-B049-DA04ED097E05}" destId="{09A09577-3AD7-43C0-A150-E8CDFE371C64}" srcOrd="2" destOrd="0" parTransId="{2C172E0A-785E-41DA-AA4C-68D9124FFDC3}" sibTransId="{E8D1C604-F237-4BA6-93B7-D9433415EAE5}"/>
+    <dgm:cxn modelId="{3C435E8C-22ED-40DF-B8B0-472E683D67B4}" type="presOf" srcId="{74F8E2DB-0B42-4B54-BEB4-DEC87988B7B8}" destId="{91DA7296-BF7E-4A47-B6BB-6DF433AB5925}" srcOrd="1" destOrd="0" presId="urn:microsoft.com/office/officeart/2005/8/layout/cycle2"/>
     <dgm:cxn modelId="{3829108E-4631-4D08-B219-5B4508A552D2}" type="presOf" srcId="{E8D1C604-F237-4BA6-93B7-D9433415EAE5}" destId="{F6FA75C6-BDA3-4E4D-BC6B-E5819EC3D7E5}" srcOrd="0" destOrd="0" presId="urn:microsoft.com/office/officeart/2005/8/layout/cycle2"/>
     <dgm:cxn modelId="{421C57A6-5343-447A-9A8B-B99E9780312F}" srcId="{A810F982-B794-422B-B049-DA04ED097E05}" destId="{6D3CCE90-9792-43B4-AE86-1B77C6224D5B}" srcOrd="4" destOrd="0" parTransId="{A8FFE12D-70E5-4777-82AF-07F37CF345B5}" sibTransId="{8CB313F7-6936-4FF8-9BF5-1749D00E12E2}"/>
     <dgm:cxn modelId="{C83152A7-0DC1-477E-BCD9-59501B9A0CC7}" type="presOf" srcId="{E09BF9EF-37AD-47A9-9B2F-89ECFA9D58A6}" destId="{FB53104A-9A6F-4BF8-9EED-E6D8BBFB67AC}" srcOrd="0" destOrd="0" presId="urn:microsoft.com/office/officeart/2005/8/layout/cycle2"/>
@@ -1150,6 +1528,7 @@
     <dgm:cxn modelId="{2704AFB2-F032-422D-9F60-34D7C38A21A2}" type="presOf" srcId="{5BA0F38E-187E-4726-ABED-B9F9DF582913}" destId="{42D32788-011D-4368-BA44-BBD4767A8926}" srcOrd="1" destOrd="0" presId="urn:microsoft.com/office/officeart/2005/8/layout/cycle2"/>
     <dgm:cxn modelId="{A68CEEB7-8697-478F-8A1C-6AF38D0A1C69}" type="presOf" srcId="{D3517A89-8856-4B6F-898D-318E2EE0FA48}" destId="{A36CF7E5-3789-4CA7-BDAD-1A184D2E8EBA}" srcOrd="0" destOrd="0" presId="urn:microsoft.com/office/officeart/2005/8/layout/cycle2"/>
     <dgm:cxn modelId="{7391FFCB-7C39-4CC2-9BED-1FE4A0E7CBCB}" type="presOf" srcId="{4903E81A-9466-42E9-81CC-BD9D96220791}" destId="{000CB279-453D-4E1D-B453-B081103689ED}" srcOrd="1" destOrd="0" presId="urn:microsoft.com/office/officeart/2005/8/layout/cycle2"/>
+    <dgm:cxn modelId="{ADE49ACD-A281-4970-A0F3-89C295711A24}" type="presOf" srcId="{74F8E2DB-0B42-4B54-BEB4-DEC87988B7B8}" destId="{88B90DB7-E906-43A8-80C6-B313FEDD4679}" srcOrd="0" destOrd="0" presId="urn:microsoft.com/office/officeart/2005/8/layout/cycle2"/>
     <dgm:cxn modelId="{185557E5-DB1E-4912-AE5F-6240BC953E4A}" type="presOf" srcId="{8CB313F7-6936-4FF8-9BF5-1749D00E12E2}" destId="{5A8E9313-981F-4535-B9AE-3A2CB4E97027}" srcOrd="1" destOrd="0" presId="urn:microsoft.com/office/officeart/2005/8/layout/cycle2"/>
     <dgm:cxn modelId="{8F718EEF-9B40-463C-8E28-C93C39265DA6}" type="presOf" srcId="{09A09577-3AD7-43C0-A150-E8CDFE371C64}" destId="{95310B5E-A74E-48BA-8F01-957ED2A4EF6D}" srcOrd="0" destOrd="0" presId="urn:microsoft.com/office/officeart/2005/8/layout/cycle2"/>
     <dgm:cxn modelId="{E45911FA-872C-4AF9-A441-4A529674C50C}" type="presOf" srcId="{4903E81A-9466-42E9-81CC-BD9D96220791}" destId="{41856D6B-582A-4298-853F-C6B0822230EB}" srcOrd="0" destOrd="0" presId="urn:microsoft.com/office/officeart/2005/8/layout/cycle2"/>
@@ -1169,6 +1548,9 @@
     <dgm:cxn modelId="{6D34A0B9-1F41-4018-96C5-6A4DE8A5174E}" type="presParOf" srcId="{1654269F-F4E0-4F10-BB69-D3D78304A2B1}" destId="{10A581FE-5663-44C4-9AF1-8A412D6483EB}" srcOrd="8" destOrd="0" presId="urn:microsoft.com/office/officeart/2005/8/layout/cycle2"/>
     <dgm:cxn modelId="{0D3BD66F-F967-44BA-A413-D1585F2CE3C0}" type="presParOf" srcId="{1654269F-F4E0-4F10-BB69-D3D78304A2B1}" destId="{6CD5EA4B-2D28-464F-80A6-13DDCDA70B06}" srcOrd="9" destOrd="0" presId="urn:microsoft.com/office/officeart/2005/8/layout/cycle2"/>
     <dgm:cxn modelId="{C41CA617-0226-415A-B0F8-0824448D1191}" type="presParOf" srcId="{6CD5EA4B-2D28-464F-80A6-13DDCDA70B06}" destId="{5A8E9313-981F-4535-B9AE-3A2CB4E97027}" srcOrd="0" destOrd="0" presId="urn:microsoft.com/office/officeart/2005/8/layout/cycle2"/>
+    <dgm:cxn modelId="{7C026A00-A605-4297-ABDE-B52FEFAE54F2}" type="presParOf" srcId="{1654269F-F4E0-4F10-BB69-D3D78304A2B1}" destId="{C1AA0A5E-440D-4A4E-9B50-7363CD3553C9}" srcOrd="10" destOrd="0" presId="urn:microsoft.com/office/officeart/2005/8/layout/cycle2"/>
+    <dgm:cxn modelId="{C9E4CB64-6850-4911-9240-6E597D5ED959}" type="presParOf" srcId="{1654269F-F4E0-4F10-BB69-D3D78304A2B1}" destId="{88B90DB7-E906-43A8-80C6-B313FEDD4679}" srcOrd="11" destOrd="0" presId="urn:microsoft.com/office/officeart/2005/8/layout/cycle2"/>
+    <dgm:cxn modelId="{F9227243-60FC-4570-AEB2-9000F5EED42C}" type="presParOf" srcId="{88B90DB7-E906-43A8-80C6-B313FEDD4679}" destId="{91DA7296-BF7E-4A47-B6BB-6DF433AB5925}" srcOrd="0" destOrd="0" presId="urn:microsoft.com/office/officeart/2005/8/layout/cycle2"/>
   </dgm:cxnLst>
   <dgm:bg/>
   <dgm:whole/>
@@ -1195,42 +1577,69 @@
       </dsp:nvSpPr>
       <dsp:spPr>
         <a:xfrm>
-          <a:off x="2879813" y="826"/>
-          <a:ext cx="1465926" cy="1465926"/>
+          <a:off x="3282381" y="4343"/>
+          <a:ext cx="1468635" cy="1468635"/>
         </a:xfrm>
         <a:prstGeom prst="ellipse">
           <a:avLst/>
         </a:prstGeom>
-        <a:solidFill>
-          <a:schemeClr val="accent1">
-            <a:hueOff val="0"/>
-            <a:satOff val="0"/>
-            <a:lumOff val="0"/>
-            <a:alphaOff val="0"/>
-          </a:schemeClr>
-        </a:solidFill>
-        <a:ln w="12700" cap="flat" cmpd="sng" algn="ctr">
-          <a:solidFill>
-            <a:schemeClr val="lt1">
-              <a:hueOff val="0"/>
-              <a:satOff val="0"/>
-              <a:lumOff val="0"/>
-              <a:alphaOff val="0"/>
-            </a:schemeClr>
-          </a:solidFill>
-          <a:prstDash val="solid"/>
-          <a:miter lim="800000"/>
+        <a:gradFill rotWithShape="0">
+          <a:gsLst>
+            <a:gs pos="0">
+              <a:schemeClr val="accent1">
+                <a:hueOff val="0"/>
+                <a:satOff val="0"/>
+                <a:lumOff val="0"/>
+                <a:alphaOff val="0"/>
+                <a:satMod val="103000"/>
+                <a:lumMod val="102000"/>
+                <a:tint val="94000"/>
+              </a:schemeClr>
+            </a:gs>
+            <a:gs pos="50000">
+              <a:schemeClr val="accent1">
+                <a:hueOff val="0"/>
+                <a:satOff val="0"/>
+                <a:lumOff val="0"/>
+                <a:alphaOff val="0"/>
+                <a:satMod val="110000"/>
+                <a:lumMod val="100000"/>
+                <a:shade val="100000"/>
+              </a:schemeClr>
+            </a:gs>
+            <a:gs pos="100000">
+              <a:schemeClr val="accent1">
+                <a:hueOff val="0"/>
+                <a:satOff val="0"/>
+                <a:lumOff val="0"/>
+                <a:alphaOff val="0"/>
+                <a:lumMod val="99000"/>
+                <a:satMod val="120000"/>
+                <a:shade val="78000"/>
+              </a:schemeClr>
+            </a:gs>
+          </a:gsLst>
+          <a:lin ang="5400000" scaled="0"/>
+        </a:gradFill>
+        <a:ln>
+          <a:noFill/>
         </a:ln>
-        <a:effectLst/>
+        <a:effectLst>
+          <a:outerShdw blurRad="50800" dist="38100" dir="2700000" algn="tl" rotWithShape="0">
+            <a:prstClr val="black">
+              <a:alpha val="40000"/>
+            </a:prstClr>
+          </a:outerShdw>
+        </a:effectLst>
       </dsp:spPr>
       <dsp:style>
-        <a:lnRef idx="2">
+        <a:lnRef idx="0">
           <a:scrgbClr r="0" g="0" b="0"/>
         </a:lnRef>
-        <a:fillRef idx="1">
+        <a:fillRef idx="3">
           <a:scrgbClr r="0" g="0" b="0"/>
         </a:fillRef>
-        <a:effectRef idx="0">
+        <a:effectRef idx="2">
           <a:scrgbClr r="0" g="0" b="0"/>
         </a:effectRef>
         <a:fontRef idx="minor">
@@ -1238,12 +1647,12 @@
         </a:fontRef>
       </dsp:style>
       <dsp:txBody>
-        <a:bodyPr spcFirstLastPara="0" vert="horz" wrap="square" lIns="41910" tIns="41910" rIns="41910" bIns="41910" numCol="1" spcCol="1270" anchor="ctr" anchorCtr="0">
+        <a:bodyPr spcFirstLastPara="0" vert="horz" wrap="square" lIns="22860" tIns="22860" rIns="22860" bIns="22860" numCol="1" spcCol="1270" anchor="ctr" anchorCtr="0">
           <a:noAutofit/>
         </a:bodyPr>
         <a:lstStyle/>
         <a:p>
-          <a:pPr marL="0" lvl="0" indent="0" algn="ctr" defTabSz="1466850">
+          <a:pPr marL="0" lvl="0" indent="0" algn="ctr" defTabSz="800100">
             <a:lnSpc>
               <a:spcPct val="90000"/>
             </a:lnSpc>
@@ -1255,12 +1664,104 @@
             </a:spcAft>
             <a:buNone/>
           </a:pPr>
-          <a:endParaRPr lang="pt-BR" sz="3300" kern="1200"/>
+          <a:r>
+            <a:rPr lang="it-IT" sz="1800" b="1" i="1" u="none" kern="1200" cap="none" spc="0" dirty="0" err="1">
+              <a:ln w="0"/>
+              <a:solidFill>
+                <a:schemeClr val="bg1"/>
+              </a:solidFill>
+              <a:effectLst>
+                <a:outerShdw blurRad="38100" dist="19050" dir="2700000" algn="tl" rotWithShape="0">
+                  <a:schemeClr val="dk1">
+                    <a:alpha val="40000"/>
+                  </a:schemeClr>
+                </a:outerShdw>
+              </a:effectLst>
+            </a:rPr>
+            <a:t>Coleta</a:t>
+          </a:r>
+          <a:r>
+            <a:rPr lang="it-IT" sz="1800" b="1" i="1" u="none" kern="1200" cap="none" spc="0" dirty="0">
+              <a:ln w="0"/>
+              <a:solidFill>
+                <a:schemeClr val="bg1"/>
+              </a:solidFill>
+              <a:effectLst>
+                <a:outerShdw blurRad="38100" dist="19050" dir="2700000" algn="tl" rotWithShape="0">
+                  <a:schemeClr val="dk1">
+                    <a:alpha val="40000"/>
+                  </a:schemeClr>
+                </a:outerShdw>
+              </a:effectLst>
+            </a:rPr>
+            <a:t> </a:t>
+          </a:r>
+          <a:r>
+            <a:rPr lang="it-IT" sz="1800" b="1" i="1" u="none" kern="1200" cap="none" spc="0" dirty="0" err="1">
+              <a:ln w="0"/>
+              <a:solidFill>
+                <a:schemeClr val="bg1"/>
+              </a:solidFill>
+              <a:effectLst>
+                <a:outerShdw blurRad="38100" dist="19050" dir="2700000" algn="tl" rotWithShape="0">
+                  <a:schemeClr val="dk1">
+                    <a:alpha val="40000"/>
+                  </a:schemeClr>
+                </a:outerShdw>
+              </a:effectLst>
+            </a:rPr>
+            <a:t>dos</a:t>
+          </a:r>
+          <a:r>
+            <a:rPr lang="it-IT" sz="1800" b="1" i="1" u="none" kern="1200" cap="none" spc="0" dirty="0">
+              <a:ln w="0"/>
+              <a:solidFill>
+                <a:schemeClr val="bg1"/>
+              </a:solidFill>
+              <a:effectLst>
+                <a:outerShdw blurRad="38100" dist="19050" dir="2700000" algn="tl" rotWithShape="0">
+                  <a:schemeClr val="dk1">
+                    <a:alpha val="40000"/>
+                  </a:schemeClr>
+                </a:outerShdw>
+              </a:effectLst>
+            </a:rPr>
+            <a:t> </a:t>
+          </a:r>
+          <a:r>
+            <a:rPr lang="it-IT" sz="1800" b="1" i="1" u="none" kern="1200" cap="none" spc="0" dirty="0" err="1">
+              <a:ln w="0"/>
+              <a:solidFill>
+                <a:schemeClr val="bg1"/>
+              </a:solidFill>
+              <a:effectLst>
+                <a:outerShdw blurRad="38100" dist="19050" dir="2700000" algn="tl" rotWithShape="0">
+                  <a:schemeClr val="dk1">
+                    <a:alpha val="40000"/>
+                  </a:schemeClr>
+                </a:outerShdw>
+              </a:effectLst>
+            </a:rPr>
+            <a:t>dados</a:t>
+          </a:r>
+          <a:endParaRPr lang="pt-BR" sz="1800" b="1" i="1" u="none" kern="1200" cap="none" spc="0" dirty="0">
+            <a:ln w="0"/>
+            <a:solidFill>
+              <a:schemeClr val="bg1"/>
+            </a:solidFill>
+            <a:effectLst>
+              <a:outerShdw blurRad="38100" dist="19050" dir="2700000" algn="tl" rotWithShape="0">
+                <a:schemeClr val="dk1">
+                  <a:alpha val="40000"/>
+                </a:schemeClr>
+              </a:outerShdw>
+            </a:effectLst>
+          </a:endParaRPr>
         </a:p>
       </dsp:txBody>
       <dsp:txXfrm>
-        <a:off x="3094493" y="215506"/>
-        <a:ext cx="1036566" cy="1036566"/>
+        <a:off x="3497458" y="219420"/>
+        <a:ext cx="1038481" cy="1038481"/>
       </dsp:txXfrm>
     </dsp:sp>
     <dsp:sp modelId="{E34878EF-88BC-43CF-B167-C71A1DE9E332}">
@@ -1269,9 +1770,9 @@
         <dsp:cNvSpPr/>
       </dsp:nvSpPr>
       <dsp:spPr>
-        <a:xfrm rot="2160000">
-          <a:off x="4299262" y="1126515"/>
-          <a:ext cx="389075" cy="494750"/>
+        <a:xfrm rot="1750068">
+          <a:off x="4782506" y="1034535"/>
+          <a:ext cx="416656" cy="495664"/>
         </a:xfrm>
         <a:prstGeom prst="rightArrow">
           <a:avLst>
@@ -1279,15 +1780,47 @@
             <a:gd name="adj2" fmla="val 50000"/>
           </a:avLst>
         </a:prstGeom>
-        <a:solidFill>
-          <a:schemeClr val="accent1">
-            <a:tint val="60000"/>
-            <a:hueOff val="0"/>
-            <a:satOff val="0"/>
-            <a:lumOff val="0"/>
-            <a:alphaOff val="0"/>
-          </a:schemeClr>
-        </a:solidFill>
+        <a:gradFill rotWithShape="0">
+          <a:gsLst>
+            <a:gs pos="0">
+              <a:schemeClr val="accent1">
+                <a:tint val="60000"/>
+                <a:hueOff val="0"/>
+                <a:satOff val="0"/>
+                <a:lumOff val="0"/>
+                <a:alphaOff val="0"/>
+                <a:satMod val="103000"/>
+                <a:lumMod val="102000"/>
+                <a:tint val="94000"/>
+              </a:schemeClr>
+            </a:gs>
+            <a:gs pos="50000">
+              <a:schemeClr val="accent1">
+                <a:tint val="60000"/>
+                <a:hueOff val="0"/>
+                <a:satOff val="0"/>
+                <a:lumOff val="0"/>
+                <a:alphaOff val="0"/>
+                <a:satMod val="110000"/>
+                <a:lumMod val="100000"/>
+                <a:shade val="100000"/>
+              </a:schemeClr>
+            </a:gs>
+            <a:gs pos="100000">
+              <a:schemeClr val="accent1">
+                <a:tint val="60000"/>
+                <a:hueOff val="0"/>
+                <a:satOff val="0"/>
+                <a:lumOff val="0"/>
+                <a:alphaOff val="0"/>
+                <a:lumMod val="99000"/>
+                <a:satMod val="120000"/>
+                <a:shade val="78000"/>
+              </a:schemeClr>
+            </a:gs>
+          </a:gsLst>
+          <a:lin ang="5400000" scaled="0"/>
+        </a:gradFill>
         <a:ln>
           <a:noFill/>
         </a:ln>
@@ -1297,10 +1830,10 @@
         <a:lnRef idx="0">
           <a:scrgbClr r="0" g="0" b="0"/>
         </a:lnRef>
-        <a:fillRef idx="1">
+        <a:fillRef idx="3">
           <a:scrgbClr r="0" g="0" b="0"/>
         </a:fillRef>
-        <a:effectRef idx="0">
+        <a:effectRef idx="2">
           <a:scrgbClr r="0" g="0" b="0"/>
         </a:effectRef>
         <a:fontRef idx="minor">
@@ -1313,7 +1846,7 @@
         </a:bodyPr>
         <a:lstStyle/>
         <a:p>
-          <a:pPr marL="0" lvl="0" indent="0" algn="ctr" defTabSz="933450">
+          <a:pPr marL="0" lvl="0" indent="0" algn="ctr" defTabSz="488950">
             <a:lnSpc>
               <a:spcPct val="90000"/>
             </a:lnSpc>
@@ -1325,12 +1858,24 @@
             </a:spcAft>
             <a:buNone/>
           </a:pPr>
-          <a:endParaRPr lang="pt-BR" sz="2100" kern="1200"/>
+          <a:endParaRPr lang="pt-BR" sz="1100" b="0" kern="1200" cap="none" spc="0">
+            <a:ln w="0"/>
+            <a:solidFill>
+              <a:schemeClr val="tx1"/>
+            </a:solidFill>
+            <a:effectLst>
+              <a:outerShdw blurRad="38100" dist="19050" dir="2700000" algn="tl" rotWithShape="0">
+                <a:schemeClr val="dk1">
+                  <a:alpha val="40000"/>
+                </a:schemeClr>
+              </a:outerShdw>
+            </a:effectLst>
+          </a:endParaRPr>
         </a:p>
       </dsp:txBody>
       <dsp:txXfrm>
-        <a:off x="4310408" y="1191161"/>
-        <a:ext cx="272353" cy="296850"/>
+        <a:off x="4790431" y="1103208"/>
+        <a:ext cx="291659" cy="297398"/>
       </dsp:txXfrm>
     </dsp:sp>
     <dsp:sp modelId="{206C2025-1C08-4AC7-A97C-299B88340991}">
@@ -1340,42 +1885,63 @@
       </dsp:nvSpPr>
       <dsp:spPr>
         <a:xfrm>
-          <a:off x="4659676" y="1293972"/>
-          <a:ext cx="1465926" cy="1465926"/>
+          <a:off x="5251245" y="1103252"/>
+          <a:ext cx="1468635" cy="1468635"/>
         </a:xfrm>
         <a:prstGeom prst="ellipse">
           <a:avLst/>
         </a:prstGeom>
-        <a:solidFill>
-          <a:schemeClr val="accent1">
-            <a:hueOff val="0"/>
-            <a:satOff val="0"/>
-            <a:lumOff val="0"/>
-            <a:alphaOff val="0"/>
-          </a:schemeClr>
-        </a:solidFill>
-        <a:ln w="12700" cap="flat" cmpd="sng" algn="ctr">
-          <a:solidFill>
-            <a:schemeClr val="lt1">
-              <a:hueOff val="0"/>
-              <a:satOff val="0"/>
-              <a:lumOff val="0"/>
-              <a:alphaOff val="0"/>
-            </a:schemeClr>
-          </a:solidFill>
-          <a:prstDash val="solid"/>
-          <a:miter lim="800000"/>
+        <a:gradFill rotWithShape="0">
+          <a:gsLst>
+            <a:gs pos="0">
+              <a:schemeClr val="accent1">
+                <a:hueOff val="0"/>
+                <a:satOff val="0"/>
+                <a:lumOff val="0"/>
+                <a:alphaOff val="0"/>
+                <a:satMod val="103000"/>
+                <a:lumMod val="102000"/>
+                <a:tint val="94000"/>
+              </a:schemeClr>
+            </a:gs>
+            <a:gs pos="50000">
+              <a:schemeClr val="accent1">
+                <a:hueOff val="0"/>
+                <a:satOff val="0"/>
+                <a:lumOff val="0"/>
+                <a:alphaOff val="0"/>
+                <a:satMod val="110000"/>
+                <a:lumMod val="100000"/>
+                <a:shade val="100000"/>
+              </a:schemeClr>
+            </a:gs>
+            <a:gs pos="100000">
+              <a:schemeClr val="accent1">
+                <a:hueOff val="0"/>
+                <a:satOff val="0"/>
+                <a:lumOff val="0"/>
+                <a:alphaOff val="0"/>
+                <a:lumMod val="99000"/>
+                <a:satMod val="120000"/>
+                <a:shade val="78000"/>
+              </a:schemeClr>
+            </a:gs>
+          </a:gsLst>
+          <a:lin ang="5400000" scaled="0"/>
+        </a:gradFill>
+        <a:ln>
+          <a:noFill/>
         </a:ln>
         <a:effectLst/>
       </dsp:spPr>
       <dsp:style>
-        <a:lnRef idx="2">
+        <a:lnRef idx="0">
           <a:scrgbClr r="0" g="0" b="0"/>
         </a:lnRef>
-        <a:fillRef idx="1">
+        <a:fillRef idx="3">
           <a:scrgbClr r="0" g="0" b="0"/>
         </a:fillRef>
-        <a:effectRef idx="0">
+        <a:effectRef idx="2">
           <a:scrgbClr r="0" g="0" b="0"/>
         </a:effectRef>
         <a:fontRef idx="minor">
@@ -1383,12 +1949,12 @@
         </a:fontRef>
       </dsp:style>
       <dsp:txBody>
-        <a:bodyPr spcFirstLastPara="0" vert="horz" wrap="square" lIns="41910" tIns="41910" rIns="41910" bIns="41910" numCol="1" spcCol="1270" anchor="ctr" anchorCtr="0">
+        <a:bodyPr spcFirstLastPara="0" vert="horz" wrap="square" lIns="12700" tIns="12700" rIns="12700" bIns="12700" numCol="1" spcCol="1270" anchor="ctr" anchorCtr="0">
           <a:noAutofit/>
         </a:bodyPr>
         <a:lstStyle/>
         <a:p>
-          <a:pPr marL="0" lvl="0" indent="0" algn="ctr" defTabSz="1466850">
+          <a:pPr marL="0" lvl="0" indent="0" algn="ctr" defTabSz="444500">
             <a:lnSpc>
               <a:spcPct val="90000"/>
             </a:lnSpc>
@@ -1400,12 +1966,27 @@
             </a:spcAft>
             <a:buNone/>
           </a:pPr>
-          <a:endParaRPr lang="pt-BR" sz="3300" kern="1200"/>
+          <a:r>
+            <a:rPr lang="pt-BR" sz="1000" b="0" kern="1200" cap="none" spc="0" dirty="0">
+              <a:ln w="0"/>
+              <a:solidFill>
+                <a:schemeClr val="tx1"/>
+              </a:solidFill>
+              <a:effectLst>
+                <a:outerShdw blurRad="38100" dist="19050" dir="2700000" algn="tl" rotWithShape="0">
+                  <a:schemeClr val="dk1">
+                    <a:alpha val="40000"/>
+                  </a:schemeClr>
+                </a:outerShdw>
+              </a:effectLst>
+            </a:rPr>
+            <a:t>Processamento/Tratamento de Dados</a:t>
+          </a:r>
         </a:p>
       </dsp:txBody>
       <dsp:txXfrm>
-        <a:off x="4874356" y="1508652"/>
-        <a:ext cx="1036566" cy="1036566"/>
+        <a:off x="5466322" y="1318329"/>
+        <a:ext cx="1038481" cy="1038481"/>
       </dsp:txXfrm>
     </dsp:sp>
     <dsp:sp modelId="{A36CF7E5-3789-4CA7-BDAD-1A184D2E8EBA}">
@@ -1414,9 +1995,9 @@
         <dsp:cNvSpPr/>
       </dsp:nvSpPr>
       <dsp:spPr>
-        <a:xfrm rot="6480000">
-          <a:off x="4861581" y="2815265"/>
-          <a:ext cx="389075" cy="494750"/>
+        <a:xfrm rot="5400000">
+          <a:off x="5790299" y="2681424"/>
+          <a:ext cx="390527" cy="495664"/>
         </a:xfrm>
         <a:prstGeom prst="rightArrow">
           <a:avLst>
@@ -1424,15 +2005,47 @@
             <a:gd name="adj2" fmla="val 50000"/>
           </a:avLst>
         </a:prstGeom>
-        <a:solidFill>
-          <a:schemeClr val="accent1">
-            <a:tint val="60000"/>
-            <a:hueOff val="0"/>
-            <a:satOff val="0"/>
-            <a:lumOff val="0"/>
-            <a:alphaOff val="0"/>
-          </a:schemeClr>
-        </a:solidFill>
+        <a:gradFill rotWithShape="0">
+          <a:gsLst>
+            <a:gs pos="0">
+              <a:schemeClr val="accent1">
+                <a:tint val="60000"/>
+                <a:hueOff val="0"/>
+                <a:satOff val="0"/>
+                <a:lumOff val="0"/>
+                <a:alphaOff val="0"/>
+                <a:satMod val="103000"/>
+                <a:lumMod val="102000"/>
+                <a:tint val="94000"/>
+              </a:schemeClr>
+            </a:gs>
+            <a:gs pos="50000">
+              <a:schemeClr val="accent1">
+                <a:tint val="60000"/>
+                <a:hueOff val="0"/>
+                <a:satOff val="0"/>
+                <a:lumOff val="0"/>
+                <a:alphaOff val="0"/>
+                <a:satMod val="110000"/>
+                <a:lumMod val="100000"/>
+                <a:shade val="100000"/>
+              </a:schemeClr>
+            </a:gs>
+            <a:gs pos="100000">
+              <a:schemeClr val="accent1">
+                <a:tint val="60000"/>
+                <a:hueOff val="0"/>
+                <a:satOff val="0"/>
+                <a:lumOff val="0"/>
+                <a:alphaOff val="0"/>
+                <a:lumMod val="99000"/>
+                <a:satMod val="120000"/>
+                <a:shade val="78000"/>
+              </a:schemeClr>
+            </a:gs>
+          </a:gsLst>
+          <a:lin ang="5400000" scaled="0"/>
+        </a:gradFill>
         <a:ln>
           <a:noFill/>
         </a:ln>
@@ -1442,10 +2055,10 @@
         <a:lnRef idx="0">
           <a:scrgbClr r="0" g="0" b="0"/>
         </a:lnRef>
-        <a:fillRef idx="1">
+        <a:fillRef idx="3">
           <a:scrgbClr r="0" g="0" b="0"/>
         </a:fillRef>
-        <a:effectRef idx="0">
+        <a:effectRef idx="2">
           <a:scrgbClr r="0" g="0" b="0"/>
         </a:effectRef>
         <a:fontRef idx="minor">
@@ -1458,7 +2071,7 @@
         </a:bodyPr>
         <a:lstStyle/>
         <a:p>
-          <a:pPr marL="0" lvl="0" indent="0" algn="ctr" defTabSz="933450">
+          <a:pPr marL="0" lvl="0" indent="0" algn="ctr" defTabSz="488950">
             <a:lnSpc>
               <a:spcPct val="90000"/>
             </a:lnSpc>
@@ -1470,12 +2083,24 @@
             </a:spcAft>
             <a:buNone/>
           </a:pPr>
-          <a:endParaRPr lang="pt-BR" sz="2100" kern="1200"/>
+          <a:endParaRPr lang="pt-BR" sz="1100" b="0" kern="1200" cap="none" spc="0">
+            <a:ln w="0"/>
+            <a:solidFill>
+              <a:schemeClr val="tx1"/>
+            </a:solidFill>
+            <a:effectLst>
+              <a:outerShdw blurRad="38100" dist="19050" dir="2700000" algn="tl" rotWithShape="0">
+                <a:schemeClr val="dk1">
+                  <a:alpha val="40000"/>
+                </a:schemeClr>
+              </a:outerShdw>
+            </a:effectLst>
+          </a:endParaRPr>
         </a:p>
       </dsp:txBody>
-      <dsp:txXfrm rot="10800000">
-        <a:off x="4937977" y="2858710"/>
-        <a:ext cx="272353" cy="296850"/>
+      <dsp:txXfrm>
+        <a:off x="5848878" y="2721978"/>
+        <a:ext cx="273369" cy="297398"/>
       </dsp:txXfrm>
     </dsp:sp>
     <dsp:sp modelId="{95310B5E-A74E-48BA-8F01-957ED2A4EF6D}">
@@ -1485,42 +2110,63 @@
       </dsp:nvSpPr>
       <dsp:spPr>
         <a:xfrm>
-          <a:off x="3979829" y="3386327"/>
-          <a:ext cx="1465926" cy="1465926"/>
+          <a:off x="5251245" y="3308731"/>
+          <a:ext cx="1468635" cy="1468635"/>
         </a:xfrm>
         <a:prstGeom prst="ellipse">
           <a:avLst/>
         </a:prstGeom>
-        <a:solidFill>
-          <a:schemeClr val="accent1">
-            <a:hueOff val="0"/>
-            <a:satOff val="0"/>
-            <a:lumOff val="0"/>
-            <a:alphaOff val="0"/>
-          </a:schemeClr>
-        </a:solidFill>
-        <a:ln w="12700" cap="flat" cmpd="sng" algn="ctr">
-          <a:solidFill>
-            <a:schemeClr val="lt1">
-              <a:hueOff val="0"/>
-              <a:satOff val="0"/>
-              <a:lumOff val="0"/>
-              <a:alphaOff val="0"/>
-            </a:schemeClr>
-          </a:solidFill>
-          <a:prstDash val="solid"/>
-          <a:miter lim="800000"/>
+        <a:gradFill rotWithShape="0">
+          <a:gsLst>
+            <a:gs pos="0">
+              <a:schemeClr val="accent1">
+                <a:hueOff val="0"/>
+                <a:satOff val="0"/>
+                <a:lumOff val="0"/>
+                <a:alphaOff val="0"/>
+                <a:satMod val="103000"/>
+                <a:lumMod val="102000"/>
+                <a:tint val="94000"/>
+              </a:schemeClr>
+            </a:gs>
+            <a:gs pos="50000">
+              <a:schemeClr val="accent1">
+                <a:hueOff val="0"/>
+                <a:satOff val="0"/>
+                <a:lumOff val="0"/>
+                <a:alphaOff val="0"/>
+                <a:satMod val="110000"/>
+                <a:lumMod val="100000"/>
+                <a:shade val="100000"/>
+              </a:schemeClr>
+            </a:gs>
+            <a:gs pos="100000">
+              <a:schemeClr val="accent1">
+                <a:hueOff val="0"/>
+                <a:satOff val="0"/>
+                <a:lumOff val="0"/>
+                <a:alphaOff val="0"/>
+                <a:lumMod val="99000"/>
+                <a:satMod val="120000"/>
+                <a:shade val="78000"/>
+              </a:schemeClr>
+            </a:gs>
+          </a:gsLst>
+          <a:lin ang="5400000" scaled="0"/>
+        </a:gradFill>
+        <a:ln>
+          <a:noFill/>
         </a:ln>
         <a:effectLst/>
       </dsp:spPr>
       <dsp:style>
-        <a:lnRef idx="2">
+        <a:lnRef idx="0">
           <a:scrgbClr r="0" g="0" b="0"/>
         </a:lnRef>
-        <a:fillRef idx="1">
+        <a:fillRef idx="3">
           <a:scrgbClr r="0" g="0" b="0"/>
         </a:fillRef>
-        <a:effectRef idx="0">
+        <a:effectRef idx="2">
           <a:scrgbClr r="0" g="0" b="0"/>
         </a:effectRef>
         <a:fontRef idx="minor">
@@ -1528,12 +2174,12 @@
         </a:fontRef>
       </dsp:style>
       <dsp:txBody>
-        <a:bodyPr spcFirstLastPara="0" vert="horz" wrap="square" lIns="41910" tIns="41910" rIns="41910" bIns="41910" numCol="1" spcCol="1270" anchor="ctr" anchorCtr="0">
+        <a:bodyPr spcFirstLastPara="0" vert="horz" wrap="square" lIns="17780" tIns="17780" rIns="17780" bIns="17780" numCol="1" spcCol="1270" anchor="ctr" anchorCtr="0">
           <a:noAutofit/>
         </a:bodyPr>
         <a:lstStyle/>
         <a:p>
-          <a:pPr marL="0" lvl="0" indent="0" algn="ctr" defTabSz="1466850">
+          <a:pPr marL="0" lvl="0" indent="0" algn="ctr" defTabSz="622300">
             <a:lnSpc>
               <a:spcPct val="90000"/>
             </a:lnSpc>
@@ -1545,12 +2191,27 @@
             </a:spcAft>
             <a:buNone/>
           </a:pPr>
-          <a:endParaRPr lang="pt-BR" sz="3300" kern="1200"/>
+          <a:r>
+            <a:rPr lang="pt-BR" sz="1400" b="0" kern="1200" cap="none" spc="0" dirty="0">
+              <a:ln w="0"/>
+              <a:solidFill>
+                <a:schemeClr val="tx1"/>
+              </a:solidFill>
+              <a:effectLst>
+                <a:outerShdw blurRad="38100" dist="19050" dir="2700000" algn="tl" rotWithShape="0">
+                  <a:schemeClr val="dk1">
+                    <a:alpha val="40000"/>
+                  </a:schemeClr>
+                </a:outerShdw>
+              </a:effectLst>
+            </a:rPr>
+            <a:t>Análise e Exploração dos Dados</a:t>
+          </a:r>
         </a:p>
       </dsp:txBody>
       <dsp:txXfrm>
-        <a:off x="4194509" y="3601007"/>
-        <a:ext cx="1036566" cy="1036566"/>
+        <a:off x="5466322" y="3523808"/>
+        <a:ext cx="1038481" cy="1038481"/>
       </dsp:txXfrm>
     </dsp:sp>
     <dsp:sp modelId="{F6FA75C6-BDA3-4E4D-BC6B-E5819EC3D7E5}">
@@ -1559,9 +2220,9 @@
         <dsp:cNvSpPr/>
       </dsp:nvSpPr>
       <dsp:spPr>
-        <a:xfrm rot="10800000">
-          <a:off x="3429250" y="3871915"/>
-          <a:ext cx="389075" cy="494750"/>
+        <a:xfrm rot="9000000">
+          <a:off x="4844871" y="4341060"/>
+          <a:ext cx="390527" cy="495664"/>
         </a:xfrm>
         <a:prstGeom prst="rightArrow">
           <a:avLst>
@@ -1569,15 +2230,47 @@
             <a:gd name="adj2" fmla="val 50000"/>
           </a:avLst>
         </a:prstGeom>
-        <a:solidFill>
-          <a:schemeClr val="accent1">
-            <a:tint val="60000"/>
-            <a:hueOff val="0"/>
-            <a:satOff val="0"/>
-            <a:lumOff val="0"/>
-            <a:alphaOff val="0"/>
-          </a:schemeClr>
-        </a:solidFill>
+        <a:gradFill rotWithShape="0">
+          <a:gsLst>
+            <a:gs pos="0">
+              <a:schemeClr val="accent1">
+                <a:tint val="60000"/>
+                <a:hueOff val="0"/>
+                <a:satOff val="0"/>
+                <a:lumOff val="0"/>
+                <a:alphaOff val="0"/>
+                <a:satMod val="103000"/>
+                <a:lumMod val="102000"/>
+                <a:tint val="94000"/>
+              </a:schemeClr>
+            </a:gs>
+            <a:gs pos="50000">
+              <a:schemeClr val="accent1">
+                <a:tint val="60000"/>
+                <a:hueOff val="0"/>
+                <a:satOff val="0"/>
+                <a:lumOff val="0"/>
+                <a:alphaOff val="0"/>
+                <a:satMod val="110000"/>
+                <a:lumMod val="100000"/>
+                <a:shade val="100000"/>
+              </a:schemeClr>
+            </a:gs>
+            <a:gs pos="100000">
+              <a:schemeClr val="accent1">
+                <a:tint val="60000"/>
+                <a:hueOff val="0"/>
+                <a:satOff val="0"/>
+                <a:lumOff val="0"/>
+                <a:alphaOff val="0"/>
+                <a:lumMod val="99000"/>
+                <a:satMod val="120000"/>
+                <a:shade val="78000"/>
+              </a:schemeClr>
+            </a:gs>
+          </a:gsLst>
+          <a:lin ang="5400000" scaled="0"/>
+        </a:gradFill>
         <a:ln>
           <a:noFill/>
         </a:ln>
@@ -1587,10 +2280,10 @@
         <a:lnRef idx="0">
           <a:scrgbClr r="0" g="0" b="0"/>
         </a:lnRef>
-        <a:fillRef idx="1">
+        <a:fillRef idx="3">
           <a:scrgbClr r="0" g="0" b="0"/>
         </a:fillRef>
-        <a:effectRef idx="0">
+        <a:effectRef idx="2">
           <a:scrgbClr r="0" g="0" b="0"/>
         </a:effectRef>
         <a:fontRef idx="minor">
@@ -1603,7 +2296,7 @@
         </a:bodyPr>
         <a:lstStyle/>
         <a:p>
-          <a:pPr marL="0" lvl="0" indent="0" algn="ctr" defTabSz="933450">
+          <a:pPr marL="0" lvl="0" indent="0" algn="ctr" defTabSz="488950">
             <a:lnSpc>
               <a:spcPct val="90000"/>
             </a:lnSpc>
@@ -1615,12 +2308,24 @@
             </a:spcAft>
             <a:buNone/>
           </a:pPr>
-          <a:endParaRPr lang="pt-BR" sz="2100" kern="1200"/>
+          <a:endParaRPr lang="pt-BR" sz="1100" b="0" kern="1200" cap="none" spc="0">
+            <a:ln w="0"/>
+            <a:solidFill>
+              <a:schemeClr val="tx1"/>
+            </a:solidFill>
+            <a:effectLst>
+              <a:outerShdw blurRad="38100" dist="19050" dir="2700000" algn="tl" rotWithShape="0">
+                <a:schemeClr val="dk1">
+                  <a:alpha val="40000"/>
+                </a:schemeClr>
+              </a:outerShdw>
+            </a:effectLst>
+          </a:endParaRPr>
         </a:p>
       </dsp:txBody>
       <dsp:txXfrm rot="10800000">
-        <a:off x="3545972" y="3970865"/>
-        <a:ext cx="272353" cy="296850"/>
+        <a:off x="4954181" y="4410904"/>
+        <a:ext cx="273369" cy="297398"/>
       </dsp:txXfrm>
     </dsp:sp>
     <dsp:sp modelId="{7EBCCADF-8BBD-47E1-82CD-9C548EE1680B}">
@@ -1630,42 +2335,63 @@
       </dsp:nvSpPr>
       <dsp:spPr>
         <a:xfrm>
-          <a:off x="1779797" y="3386327"/>
-          <a:ext cx="1465926" cy="1465926"/>
+          <a:off x="3341244" y="4411470"/>
+          <a:ext cx="1468635" cy="1468635"/>
         </a:xfrm>
         <a:prstGeom prst="ellipse">
           <a:avLst/>
         </a:prstGeom>
-        <a:solidFill>
-          <a:schemeClr val="accent1">
-            <a:hueOff val="0"/>
-            <a:satOff val="0"/>
-            <a:lumOff val="0"/>
-            <a:alphaOff val="0"/>
-          </a:schemeClr>
-        </a:solidFill>
-        <a:ln w="12700" cap="flat" cmpd="sng" algn="ctr">
-          <a:solidFill>
-            <a:schemeClr val="lt1">
-              <a:hueOff val="0"/>
-              <a:satOff val="0"/>
-              <a:lumOff val="0"/>
-              <a:alphaOff val="0"/>
-            </a:schemeClr>
-          </a:solidFill>
-          <a:prstDash val="solid"/>
-          <a:miter lim="800000"/>
+        <a:gradFill rotWithShape="0">
+          <a:gsLst>
+            <a:gs pos="0">
+              <a:schemeClr val="accent1">
+                <a:hueOff val="0"/>
+                <a:satOff val="0"/>
+                <a:lumOff val="0"/>
+                <a:alphaOff val="0"/>
+                <a:satMod val="103000"/>
+                <a:lumMod val="102000"/>
+                <a:tint val="94000"/>
+              </a:schemeClr>
+            </a:gs>
+            <a:gs pos="50000">
+              <a:schemeClr val="accent1">
+                <a:hueOff val="0"/>
+                <a:satOff val="0"/>
+                <a:lumOff val="0"/>
+                <a:alphaOff val="0"/>
+                <a:satMod val="110000"/>
+                <a:lumMod val="100000"/>
+                <a:shade val="100000"/>
+              </a:schemeClr>
+            </a:gs>
+            <a:gs pos="100000">
+              <a:schemeClr val="accent1">
+                <a:hueOff val="0"/>
+                <a:satOff val="0"/>
+                <a:lumOff val="0"/>
+                <a:alphaOff val="0"/>
+                <a:lumMod val="99000"/>
+                <a:satMod val="120000"/>
+                <a:shade val="78000"/>
+              </a:schemeClr>
+            </a:gs>
+          </a:gsLst>
+          <a:lin ang="5400000" scaled="0"/>
+        </a:gradFill>
+        <a:ln>
+          <a:noFill/>
         </a:ln>
         <a:effectLst/>
       </dsp:spPr>
       <dsp:style>
-        <a:lnRef idx="2">
+        <a:lnRef idx="0">
           <a:scrgbClr r="0" g="0" b="0"/>
         </a:lnRef>
-        <a:fillRef idx="1">
+        <a:fillRef idx="3">
           <a:scrgbClr r="0" g="0" b="0"/>
         </a:fillRef>
-        <a:effectRef idx="0">
+        <a:effectRef idx="2">
           <a:scrgbClr r="0" g="0" b="0"/>
         </a:effectRef>
         <a:fontRef idx="minor">
@@ -1673,12 +2399,12 @@
         </a:fontRef>
       </dsp:style>
       <dsp:txBody>
-        <a:bodyPr spcFirstLastPara="0" vert="horz" wrap="square" lIns="41910" tIns="41910" rIns="41910" bIns="41910" numCol="1" spcCol="1270" anchor="ctr" anchorCtr="0">
+        <a:bodyPr spcFirstLastPara="0" vert="horz" wrap="square" lIns="17780" tIns="17780" rIns="17780" bIns="17780" numCol="1" spcCol="1270" anchor="ctr" anchorCtr="0">
           <a:noAutofit/>
         </a:bodyPr>
         <a:lstStyle/>
         <a:p>
-          <a:pPr marL="0" lvl="0" indent="0" algn="ctr" defTabSz="1466850">
+          <a:pPr marL="0" lvl="0" indent="0" algn="ctr" defTabSz="622300">
             <a:lnSpc>
               <a:spcPct val="90000"/>
             </a:lnSpc>
@@ -1690,12 +2416,27 @@
             </a:spcAft>
             <a:buNone/>
           </a:pPr>
-          <a:endParaRPr lang="pt-BR" sz="3300" kern="1200"/>
+          <a:r>
+            <a:rPr lang="pt-BR" sz="1400" b="0" kern="1200" cap="none" spc="0" dirty="0">
+              <a:ln w="0"/>
+              <a:solidFill>
+                <a:schemeClr val="tx1"/>
+              </a:solidFill>
+              <a:effectLst>
+                <a:outerShdw blurRad="38100" dist="19050" dir="2700000" algn="tl" rotWithShape="0">
+                  <a:schemeClr val="dk1">
+                    <a:alpha val="40000"/>
+                  </a:schemeClr>
+                </a:outerShdw>
+              </a:effectLst>
+            </a:rPr>
+            <a:t>Criação de Modelos de Machine Learning</a:t>
+          </a:r>
         </a:p>
       </dsp:txBody>
       <dsp:txXfrm>
-        <a:off x="1994477" y="3601007"/>
-        <a:ext cx="1036566" cy="1036566"/>
+        <a:off x="3556321" y="4626547"/>
+        <a:ext cx="1038481" cy="1038481"/>
       </dsp:txXfrm>
     </dsp:sp>
     <dsp:sp modelId="{41856D6B-582A-4298-853F-C6B0822230EB}">
@@ -1704,9 +2445,9 @@
         <dsp:cNvSpPr/>
       </dsp:nvSpPr>
       <dsp:spPr>
-        <a:xfrm rot="15120000">
-          <a:off x="1981702" y="2836211"/>
-          <a:ext cx="389075" cy="494750"/>
+        <a:xfrm rot="12600000">
+          <a:off x="2934870" y="4352112"/>
+          <a:ext cx="390527" cy="495664"/>
         </a:xfrm>
         <a:prstGeom prst="rightArrow">
           <a:avLst>
@@ -1714,15 +2455,47 @@
             <a:gd name="adj2" fmla="val 50000"/>
           </a:avLst>
         </a:prstGeom>
-        <a:solidFill>
-          <a:schemeClr val="accent1">
-            <a:tint val="60000"/>
-            <a:hueOff val="0"/>
-            <a:satOff val="0"/>
-            <a:lumOff val="0"/>
-            <a:alphaOff val="0"/>
-          </a:schemeClr>
-        </a:solidFill>
+        <a:gradFill rotWithShape="0">
+          <a:gsLst>
+            <a:gs pos="0">
+              <a:schemeClr val="accent1">
+                <a:tint val="60000"/>
+                <a:hueOff val="0"/>
+                <a:satOff val="0"/>
+                <a:lumOff val="0"/>
+                <a:alphaOff val="0"/>
+                <a:satMod val="103000"/>
+                <a:lumMod val="102000"/>
+                <a:tint val="94000"/>
+              </a:schemeClr>
+            </a:gs>
+            <a:gs pos="50000">
+              <a:schemeClr val="accent1">
+                <a:tint val="60000"/>
+                <a:hueOff val="0"/>
+                <a:satOff val="0"/>
+                <a:lumOff val="0"/>
+                <a:alphaOff val="0"/>
+                <a:satMod val="110000"/>
+                <a:lumMod val="100000"/>
+                <a:shade val="100000"/>
+              </a:schemeClr>
+            </a:gs>
+            <a:gs pos="100000">
+              <a:schemeClr val="accent1">
+                <a:tint val="60000"/>
+                <a:hueOff val="0"/>
+                <a:satOff val="0"/>
+                <a:lumOff val="0"/>
+                <a:alphaOff val="0"/>
+                <a:lumMod val="99000"/>
+                <a:satMod val="120000"/>
+                <a:shade val="78000"/>
+              </a:schemeClr>
+            </a:gs>
+          </a:gsLst>
+          <a:lin ang="5400000" scaled="0"/>
+        </a:gradFill>
         <a:ln>
           <a:noFill/>
         </a:ln>
@@ -1732,10 +2505,10 @@
         <a:lnRef idx="0">
           <a:scrgbClr r="0" g="0" b="0"/>
         </a:lnRef>
-        <a:fillRef idx="1">
+        <a:fillRef idx="3">
           <a:scrgbClr r="0" g="0" b="0"/>
         </a:fillRef>
-        <a:effectRef idx="0">
+        <a:effectRef idx="2">
           <a:scrgbClr r="0" g="0" b="0"/>
         </a:effectRef>
         <a:fontRef idx="minor">
@@ -1748,7 +2521,7 @@
         </a:bodyPr>
         <a:lstStyle/>
         <a:p>
-          <a:pPr marL="0" lvl="0" indent="0" algn="ctr" defTabSz="933450">
+          <a:pPr marL="0" lvl="0" indent="0" algn="ctr" defTabSz="488950">
             <a:lnSpc>
               <a:spcPct val="90000"/>
             </a:lnSpc>
@@ -1760,12 +2533,24 @@
             </a:spcAft>
             <a:buNone/>
           </a:pPr>
-          <a:endParaRPr lang="pt-BR" sz="2100" kern="1200"/>
+          <a:endParaRPr lang="pt-BR" sz="1100" b="0" kern="1200" cap="none" spc="0">
+            <a:ln w="0"/>
+            <a:solidFill>
+              <a:schemeClr val="tx1"/>
+            </a:solidFill>
+            <a:effectLst>
+              <a:outerShdw blurRad="38100" dist="19050" dir="2700000" algn="tl" rotWithShape="0">
+                <a:schemeClr val="dk1">
+                  <a:alpha val="40000"/>
+                </a:schemeClr>
+              </a:outerShdw>
+            </a:effectLst>
+          </a:endParaRPr>
         </a:p>
       </dsp:txBody>
       <dsp:txXfrm rot="10800000">
-        <a:off x="2058098" y="2990666"/>
-        <a:ext cx="272353" cy="296850"/>
+        <a:off x="3044180" y="4480535"/>
+        <a:ext cx="273369" cy="297398"/>
       </dsp:txXfrm>
     </dsp:sp>
     <dsp:sp modelId="{10A581FE-5663-44C4-9AF1-8A412D6483EB}">
@@ -1775,42 +2560,63 @@
       </dsp:nvSpPr>
       <dsp:spPr>
         <a:xfrm>
-          <a:off x="1099950" y="1293972"/>
-          <a:ext cx="1465926" cy="1465926"/>
+          <a:off x="1431243" y="3308731"/>
+          <a:ext cx="1468635" cy="1468635"/>
         </a:xfrm>
         <a:prstGeom prst="ellipse">
           <a:avLst/>
         </a:prstGeom>
-        <a:solidFill>
-          <a:schemeClr val="accent1">
-            <a:hueOff val="0"/>
-            <a:satOff val="0"/>
-            <a:lumOff val="0"/>
-            <a:alphaOff val="0"/>
-          </a:schemeClr>
-        </a:solidFill>
-        <a:ln w="12700" cap="flat" cmpd="sng" algn="ctr">
-          <a:solidFill>
-            <a:schemeClr val="lt1">
-              <a:hueOff val="0"/>
-              <a:satOff val="0"/>
-              <a:lumOff val="0"/>
-              <a:alphaOff val="0"/>
-            </a:schemeClr>
-          </a:solidFill>
-          <a:prstDash val="solid"/>
-          <a:miter lim="800000"/>
+        <a:gradFill rotWithShape="0">
+          <a:gsLst>
+            <a:gs pos="0">
+              <a:schemeClr val="accent1">
+                <a:hueOff val="0"/>
+                <a:satOff val="0"/>
+                <a:lumOff val="0"/>
+                <a:alphaOff val="0"/>
+                <a:satMod val="103000"/>
+                <a:lumMod val="102000"/>
+                <a:tint val="94000"/>
+              </a:schemeClr>
+            </a:gs>
+            <a:gs pos="50000">
+              <a:schemeClr val="accent1">
+                <a:hueOff val="0"/>
+                <a:satOff val="0"/>
+                <a:lumOff val="0"/>
+                <a:alphaOff val="0"/>
+                <a:satMod val="110000"/>
+                <a:lumMod val="100000"/>
+                <a:shade val="100000"/>
+              </a:schemeClr>
+            </a:gs>
+            <a:gs pos="100000">
+              <a:schemeClr val="accent1">
+                <a:hueOff val="0"/>
+                <a:satOff val="0"/>
+                <a:lumOff val="0"/>
+                <a:alphaOff val="0"/>
+                <a:lumMod val="99000"/>
+                <a:satMod val="120000"/>
+                <a:shade val="78000"/>
+              </a:schemeClr>
+            </a:gs>
+          </a:gsLst>
+          <a:lin ang="5400000" scaled="0"/>
+        </a:gradFill>
+        <a:ln>
+          <a:noFill/>
         </a:ln>
         <a:effectLst/>
       </dsp:spPr>
       <dsp:style>
-        <a:lnRef idx="2">
+        <a:lnRef idx="0">
           <a:scrgbClr r="0" g="0" b="0"/>
         </a:lnRef>
-        <a:fillRef idx="1">
+        <a:fillRef idx="3">
           <a:scrgbClr r="0" g="0" b="0"/>
         </a:fillRef>
-        <a:effectRef idx="0">
+        <a:effectRef idx="2">
           <a:scrgbClr r="0" g="0" b="0"/>
         </a:effectRef>
         <a:fontRef idx="minor">
@@ -1818,12 +2624,12 @@
         </a:fontRef>
       </dsp:style>
       <dsp:txBody>
-        <a:bodyPr spcFirstLastPara="0" vert="horz" wrap="square" lIns="41910" tIns="41910" rIns="41910" bIns="41910" numCol="1" spcCol="1270" anchor="ctr" anchorCtr="0">
+        <a:bodyPr spcFirstLastPara="0" vert="horz" wrap="square" lIns="17780" tIns="17780" rIns="17780" bIns="17780" numCol="1" spcCol="1270" anchor="ctr" anchorCtr="0">
           <a:noAutofit/>
         </a:bodyPr>
         <a:lstStyle/>
         <a:p>
-          <a:pPr marL="0" lvl="0" indent="0" algn="ctr" defTabSz="1466850">
+          <a:pPr marL="0" lvl="0" indent="0" algn="ctr" defTabSz="622300">
             <a:lnSpc>
               <a:spcPct val="90000"/>
             </a:lnSpc>
@@ -1835,12 +2641,27 @@
             </a:spcAft>
             <a:buNone/>
           </a:pPr>
-          <a:endParaRPr lang="pt-BR" sz="3300" kern="1200"/>
+          <a:r>
+            <a:rPr lang="pt-BR" sz="1400" b="0" kern="1200" cap="none" spc="0" dirty="0">
+              <a:ln w="0"/>
+              <a:solidFill>
+                <a:schemeClr val="tx1"/>
+              </a:solidFill>
+              <a:effectLst>
+                <a:outerShdw blurRad="38100" dist="19050" dir="2700000" algn="tl" rotWithShape="0">
+                  <a:schemeClr val="dk1">
+                    <a:alpha val="40000"/>
+                  </a:schemeClr>
+                </a:outerShdw>
+              </a:effectLst>
+            </a:rPr>
+            <a:t>Interpretação dos Resultados</a:t>
+          </a:r>
         </a:p>
       </dsp:txBody>
       <dsp:txXfrm>
-        <a:off x="1314630" y="1508652"/>
-        <a:ext cx="1036566" cy="1036566"/>
+        <a:off x="1646320" y="3523808"/>
+        <a:ext cx="1038481" cy="1038481"/>
       </dsp:txXfrm>
     </dsp:sp>
     <dsp:sp modelId="{6CD5EA4B-2D28-464F-80A6-13DDCDA70B06}">
@@ -1849,9 +2670,9 @@
         <dsp:cNvSpPr/>
       </dsp:nvSpPr>
       <dsp:spPr>
-        <a:xfrm rot="19440000">
-          <a:off x="2519398" y="1139460"/>
-          <a:ext cx="389075" cy="494750"/>
+        <a:xfrm rot="16200000">
+          <a:off x="1970297" y="2703529"/>
+          <a:ext cx="390527" cy="495664"/>
         </a:xfrm>
         <a:prstGeom prst="rightArrow">
           <a:avLst>
@@ -1859,15 +2680,47 @@
             <a:gd name="adj2" fmla="val 50000"/>
           </a:avLst>
         </a:prstGeom>
-        <a:solidFill>
-          <a:schemeClr val="accent1">
-            <a:tint val="60000"/>
-            <a:hueOff val="0"/>
-            <a:satOff val="0"/>
-            <a:lumOff val="0"/>
-            <a:alphaOff val="0"/>
-          </a:schemeClr>
-        </a:solidFill>
+        <a:gradFill rotWithShape="0">
+          <a:gsLst>
+            <a:gs pos="0">
+              <a:schemeClr val="accent1">
+                <a:tint val="60000"/>
+                <a:hueOff val="0"/>
+                <a:satOff val="0"/>
+                <a:lumOff val="0"/>
+                <a:alphaOff val="0"/>
+                <a:satMod val="103000"/>
+                <a:lumMod val="102000"/>
+                <a:tint val="94000"/>
+              </a:schemeClr>
+            </a:gs>
+            <a:gs pos="50000">
+              <a:schemeClr val="accent1">
+                <a:tint val="60000"/>
+                <a:hueOff val="0"/>
+                <a:satOff val="0"/>
+                <a:lumOff val="0"/>
+                <a:alphaOff val="0"/>
+                <a:satMod val="110000"/>
+                <a:lumMod val="100000"/>
+                <a:shade val="100000"/>
+              </a:schemeClr>
+            </a:gs>
+            <a:gs pos="100000">
+              <a:schemeClr val="accent1">
+                <a:tint val="60000"/>
+                <a:hueOff val="0"/>
+                <a:satOff val="0"/>
+                <a:lumOff val="0"/>
+                <a:alphaOff val="0"/>
+                <a:lumMod val="99000"/>
+                <a:satMod val="120000"/>
+                <a:shade val="78000"/>
+              </a:schemeClr>
+            </a:gs>
+          </a:gsLst>
+          <a:lin ang="5400000" scaled="0"/>
+        </a:gradFill>
         <a:ln>
           <a:noFill/>
         </a:ln>
@@ -1877,10 +2730,10 @@
         <a:lnRef idx="0">
           <a:scrgbClr r="0" g="0" b="0"/>
         </a:lnRef>
-        <a:fillRef idx="1">
+        <a:fillRef idx="3">
           <a:scrgbClr r="0" g="0" b="0"/>
         </a:fillRef>
-        <a:effectRef idx="0">
+        <a:effectRef idx="2">
           <a:scrgbClr r="0" g="0" b="0"/>
         </a:effectRef>
         <a:fontRef idx="minor">
@@ -1893,7 +2746,7 @@
         </a:bodyPr>
         <a:lstStyle/>
         <a:p>
-          <a:pPr marL="0" lvl="0" indent="0" algn="ctr" defTabSz="933450">
+          <a:pPr marL="0" lvl="0" indent="0" algn="ctr" defTabSz="488950">
             <a:lnSpc>
               <a:spcPct val="90000"/>
             </a:lnSpc>
@@ -1905,12 +2758,249 @@
             </a:spcAft>
             <a:buNone/>
           </a:pPr>
-          <a:endParaRPr lang="pt-BR" sz="2100" kern="1200"/>
+          <a:endParaRPr lang="pt-BR" sz="1100" b="0" kern="1200" cap="none" spc="0">
+            <a:ln w="0"/>
+            <a:solidFill>
+              <a:schemeClr val="tx1"/>
+            </a:solidFill>
+            <a:effectLst>
+              <a:outerShdw blurRad="38100" dist="19050" dir="2700000" algn="tl" rotWithShape="0">
+                <a:schemeClr val="dk1">
+                  <a:alpha val="40000"/>
+                </a:schemeClr>
+              </a:outerShdw>
+            </a:effectLst>
+          </a:endParaRPr>
         </a:p>
       </dsp:txBody>
       <dsp:txXfrm>
-        <a:off x="2530544" y="1272714"/>
-        <a:ext cx="272353" cy="296850"/>
+        <a:off x="2028876" y="2861241"/>
+        <a:ext cx="273369" cy="297398"/>
+      </dsp:txXfrm>
+    </dsp:sp>
+    <dsp:sp modelId="{C1AA0A5E-440D-4A4E-9B50-7363CD3553C9}">
+      <dsp:nvSpPr>
+        <dsp:cNvPr id="0" name=""/>
+        <dsp:cNvSpPr/>
+      </dsp:nvSpPr>
+      <dsp:spPr>
+        <a:xfrm>
+          <a:off x="1431243" y="1103252"/>
+          <a:ext cx="1468635" cy="1468635"/>
+        </a:xfrm>
+        <a:prstGeom prst="ellipse">
+          <a:avLst/>
+        </a:prstGeom>
+        <a:gradFill rotWithShape="0">
+          <a:gsLst>
+            <a:gs pos="0">
+              <a:schemeClr val="accent1">
+                <a:hueOff val="0"/>
+                <a:satOff val="0"/>
+                <a:lumOff val="0"/>
+                <a:alphaOff val="0"/>
+                <a:satMod val="103000"/>
+                <a:lumMod val="102000"/>
+                <a:tint val="94000"/>
+              </a:schemeClr>
+            </a:gs>
+            <a:gs pos="50000">
+              <a:schemeClr val="accent1">
+                <a:hueOff val="0"/>
+                <a:satOff val="0"/>
+                <a:lumOff val="0"/>
+                <a:alphaOff val="0"/>
+                <a:satMod val="110000"/>
+                <a:lumMod val="100000"/>
+                <a:shade val="100000"/>
+              </a:schemeClr>
+            </a:gs>
+            <a:gs pos="100000">
+              <a:schemeClr val="accent1">
+                <a:hueOff val="0"/>
+                <a:satOff val="0"/>
+                <a:lumOff val="0"/>
+                <a:alphaOff val="0"/>
+                <a:lumMod val="99000"/>
+                <a:satMod val="120000"/>
+                <a:shade val="78000"/>
+              </a:schemeClr>
+            </a:gs>
+          </a:gsLst>
+          <a:lin ang="5400000" scaled="0"/>
+        </a:gradFill>
+        <a:ln>
+          <a:noFill/>
+        </a:ln>
+        <a:effectLst/>
+      </dsp:spPr>
+      <dsp:style>
+        <a:lnRef idx="0">
+          <a:scrgbClr r="0" g="0" b="0"/>
+        </a:lnRef>
+        <a:fillRef idx="3">
+          <a:scrgbClr r="0" g="0" b="0"/>
+        </a:fillRef>
+        <a:effectRef idx="2">
+          <a:scrgbClr r="0" g="0" b="0"/>
+        </a:effectRef>
+        <a:fontRef idx="minor">
+          <a:schemeClr val="lt1"/>
+        </a:fontRef>
+      </dsp:style>
+      <dsp:txBody>
+        <a:bodyPr spcFirstLastPara="0" vert="horz" wrap="square" lIns="17780" tIns="17780" rIns="17780" bIns="17780" numCol="1" spcCol="1270" anchor="ctr" anchorCtr="0">
+          <a:noAutofit/>
+        </a:bodyPr>
+        <a:lstStyle/>
+        <a:p>
+          <a:pPr marL="0" lvl="0" indent="0" algn="ctr" defTabSz="622300">
+            <a:lnSpc>
+              <a:spcPct val="90000"/>
+            </a:lnSpc>
+            <a:spcBef>
+              <a:spcPct val="0"/>
+            </a:spcBef>
+            <a:spcAft>
+              <a:spcPct val="35000"/>
+            </a:spcAft>
+            <a:buNone/>
+          </a:pPr>
+          <a:r>
+            <a:rPr lang="pt-BR" sz="1400" b="0" kern="1200" cap="none" spc="0">
+              <a:ln w="0"/>
+              <a:solidFill>
+                <a:schemeClr val="tx1"/>
+              </a:solidFill>
+              <a:effectLst>
+                <a:outerShdw blurRad="38100" dist="19050" dir="2700000" algn="tl" rotWithShape="0">
+                  <a:schemeClr val="dk1">
+                    <a:alpha val="40000"/>
+                  </a:schemeClr>
+                </a:outerShdw>
+              </a:effectLst>
+            </a:rPr>
+            <a:t>Apresentação dos Resultados</a:t>
+          </a:r>
+        </a:p>
+      </dsp:txBody>
+      <dsp:txXfrm>
+        <a:off x="1646320" y="1318329"/>
+        <a:ext cx="1038481" cy="1038481"/>
+      </dsp:txXfrm>
+    </dsp:sp>
+    <dsp:sp modelId="{88B90DB7-E906-43A8-80C6-B313FEDD4679}">
+      <dsp:nvSpPr>
+        <dsp:cNvPr id="0" name=""/>
+        <dsp:cNvSpPr/>
+      </dsp:nvSpPr>
+      <dsp:spPr>
+        <a:xfrm rot="19758296">
+          <a:off x="2901017" y="1045521"/>
+          <a:ext cx="362578" cy="495664"/>
+        </a:xfrm>
+        <a:prstGeom prst="rightArrow">
+          <a:avLst>
+            <a:gd name="adj1" fmla="val 60000"/>
+            <a:gd name="adj2" fmla="val 50000"/>
+          </a:avLst>
+        </a:prstGeom>
+        <a:gradFill rotWithShape="0">
+          <a:gsLst>
+            <a:gs pos="0">
+              <a:schemeClr val="accent1">
+                <a:tint val="60000"/>
+                <a:hueOff val="0"/>
+                <a:satOff val="0"/>
+                <a:lumOff val="0"/>
+                <a:alphaOff val="0"/>
+                <a:satMod val="103000"/>
+                <a:lumMod val="102000"/>
+                <a:tint val="94000"/>
+              </a:schemeClr>
+            </a:gs>
+            <a:gs pos="50000">
+              <a:schemeClr val="accent1">
+                <a:tint val="60000"/>
+                <a:hueOff val="0"/>
+                <a:satOff val="0"/>
+                <a:lumOff val="0"/>
+                <a:alphaOff val="0"/>
+                <a:satMod val="110000"/>
+                <a:lumMod val="100000"/>
+                <a:shade val="100000"/>
+              </a:schemeClr>
+            </a:gs>
+            <a:gs pos="100000">
+              <a:schemeClr val="accent1">
+                <a:tint val="60000"/>
+                <a:hueOff val="0"/>
+                <a:satOff val="0"/>
+                <a:lumOff val="0"/>
+                <a:alphaOff val="0"/>
+                <a:lumMod val="99000"/>
+                <a:satMod val="120000"/>
+                <a:shade val="78000"/>
+              </a:schemeClr>
+            </a:gs>
+          </a:gsLst>
+          <a:lin ang="5400000" scaled="0"/>
+        </a:gradFill>
+        <a:ln>
+          <a:noFill/>
+        </a:ln>
+        <a:effectLst/>
+      </dsp:spPr>
+      <dsp:style>
+        <a:lnRef idx="0">
+          <a:scrgbClr r="0" g="0" b="0"/>
+        </a:lnRef>
+        <a:fillRef idx="3">
+          <a:scrgbClr r="0" g="0" b="0"/>
+        </a:fillRef>
+        <a:effectRef idx="2">
+          <a:scrgbClr r="0" g="0" b="0"/>
+        </a:effectRef>
+        <a:fontRef idx="minor">
+          <a:schemeClr val="lt1"/>
+        </a:fontRef>
+      </dsp:style>
+      <dsp:txBody>
+        <a:bodyPr spcFirstLastPara="0" vert="horz" wrap="square" lIns="0" tIns="0" rIns="0" bIns="0" numCol="1" spcCol="1270" anchor="ctr" anchorCtr="0">
+          <a:noAutofit/>
+        </a:bodyPr>
+        <a:lstStyle/>
+        <a:p>
+          <a:pPr marL="0" lvl="0" indent="0" algn="ctr" defTabSz="488950">
+            <a:lnSpc>
+              <a:spcPct val="90000"/>
+            </a:lnSpc>
+            <a:spcBef>
+              <a:spcPct val="0"/>
+            </a:spcBef>
+            <a:spcAft>
+              <a:spcPct val="35000"/>
+            </a:spcAft>
+            <a:buNone/>
+          </a:pPr>
+          <a:endParaRPr lang="pt-BR" sz="1100" b="0" kern="1200" cap="none" spc="0">
+            <a:ln w="0"/>
+            <a:solidFill>
+              <a:schemeClr val="tx1"/>
+            </a:solidFill>
+            <a:effectLst>
+              <a:outerShdw blurRad="38100" dist="19050" dir="2700000" algn="tl" rotWithShape="0">
+                <a:schemeClr val="dk1">
+                  <a:alpha val="40000"/>
+                </a:schemeClr>
+              </a:outerShdw>
+            </a:effectLst>
+          </a:endParaRPr>
+        </a:p>
+      </dsp:txBody>
+      <dsp:txXfrm>
+        <a:off x="2908637" y="1172417"/>
+        <a:ext cx="253805" cy="297398"/>
       </dsp:txXfrm>
     </dsp:sp>
   </dsp:spTree>
@@ -2129,11 +3219,11 @@
 </file>
 
 <file path=ppt/diagrams/quickStyle1.xml><?xml version="1.0" encoding="utf-8"?>
-<dgm:styleDef xmlns:dgm="http://schemas.openxmlformats.org/drawingml/2006/diagram" xmlns:a="http://schemas.openxmlformats.org/drawingml/2006/main" uniqueId="urn:microsoft.com/office/officeart/2005/8/quickstyle/simple1">
+<dgm:styleDef xmlns:dgm="http://schemas.openxmlformats.org/drawingml/2006/diagram" xmlns:a="http://schemas.openxmlformats.org/drawingml/2006/main" uniqueId="urn:microsoft.com/office/officeart/2005/8/quickstyle/simple4">
   <dgm:title val=""/>
   <dgm:desc val=""/>
   <dgm:catLst>
-    <dgm:cat type="simple" pri="10100"/>
+    <dgm:cat type="simple" pri="10400"/>
   </dgm:catLst>
   <dgm:scene3d>
     <a:camera prst="orthographicFront"/>
@@ -2147,13 +3237,13 @@
     <dgm:sp3d/>
     <dgm:txPr/>
     <dgm:style>
-      <a:lnRef idx="2">
+      <a:lnRef idx="0">
         <a:scrgbClr r="0" g="0" b="0"/>
       </a:lnRef>
-      <a:fillRef idx="1">
+      <a:fillRef idx="3">
         <a:scrgbClr r="0" g="0" b="0"/>
       </a:fillRef>
-      <a:effectRef idx="0">
+      <a:effectRef idx="2">
         <a:scrgbClr r="0" g="0" b="0"/>
       </a:effectRef>
       <a:fontRef idx="minor">
@@ -2169,13 +3259,13 @@
     <dgm:sp3d/>
     <dgm:txPr/>
     <dgm:style>
-      <a:lnRef idx="2">
+      <a:lnRef idx="1">
         <a:scrgbClr r="0" g="0" b="0"/>
       </a:lnRef>
-      <a:fillRef idx="1">
+      <a:fillRef idx="3">
         <a:scrgbClr r="0" g="0" b="0"/>
       </a:fillRef>
-      <a:effectRef idx="0">
+      <a:effectRef idx="2">
         <a:scrgbClr r="0" g="0" b="0"/>
       </a:effectRef>
       <a:fontRef idx="minor">
@@ -2191,10 +3281,10 @@
     <dgm:sp3d/>
     <dgm:txPr/>
     <dgm:style>
-      <a:lnRef idx="2">
+      <a:lnRef idx="0">
         <a:scrgbClr r="0" g="0" b="0"/>
       </a:lnRef>
-      <a:fillRef idx="1">
+      <a:fillRef idx="3">
         <a:scrgbClr r="0" g="0" b="0"/>
       </a:fillRef>
       <a:effectRef idx="0">
@@ -2213,13 +3303,13 @@
     <dgm:sp3d/>
     <dgm:txPr/>
     <dgm:style>
-      <a:lnRef idx="2">
+      <a:lnRef idx="1">
         <a:scrgbClr r="0" g="0" b="0"/>
       </a:lnRef>
-      <a:fillRef idx="1">
+      <a:fillRef idx="3">
         <a:scrgbClr r="0" g="0" b="0"/>
       </a:fillRef>
-      <a:effectRef idx="0">
+      <a:effectRef idx="2">
         <a:scrgbClr r="0" g="0" b="0"/>
       </a:effectRef>
       <a:fontRef idx="minor">
@@ -2235,13 +3325,13 @@
     <dgm:sp3d/>
     <dgm:txPr/>
     <dgm:style>
-      <a:lnRef idx="2">
+      <a:lnRef idx="0">
         <a:scrgbClr r="0" g="0" b="0"/>
       </a:lnRef>
-      <a:fillRef idx="1">
+      <a:fillRef idx="3">
         <a:scrgbClr r="0" g="0" b="0"/>
       </a:fillRef>
-      <a:effectRef idx="0">
+      <a:effectRef idx="2">
         <a:scrgbClr r="0" g="0" b="0"/>
       </a:effectRef>
       <a:fontRef idx="minor">
@@ -2257,13 +3347,13 @@
     <dgm:sp3d/>
     <dgm:txPr/>
     <dgm:style>
-      <a:lnRef idx="2">
+      <a:lnRef idx="0">
         <a:scrgbClr r="0" g="0" b="0"/>
       </a:lnRef>
-      <a:fillRef idx="1">
+      <a:fillRef idx="3">
         <a:scrgbClr r="0" g="0" b="0"/>
       </a:fillRef>
-      <a:effectRef idx="0">
+      <a:effectRef idx="2">
         <a:scrgbClr r="0" g="0" b="0"/>
       </a:effectRef>
       <a:fontRef idx="minor">
@@ -2279,13 +3369,13 @@
     <dgm:sp3d/>
     <dgm:txPr/>
     <dgm:style>
-      <a:lnRef idx="2">
+      <a:lnRef idx="0">
         <a:scrgbClr r="0" g="0" b="0"/>
       </a:lnRef>
-      <a:fillRef idx="1">
+      <a:fillRef idx="3">
         <a:scrgbClr r="0" g="0" b="0"/>
       </a:fillRef>
-      <a:effectRef idx="0">
+      <a:effectRef idx="2">
         <a:scrgbClr r="0" g="0" b="0"/>
       </a:effectRef>
       <a:fontRef idx="minor">
@@ -2301,13 +3391,13 @@
     <dgm:sp3d/>
     <dgm:txPr/>
     <dgm:style>
-      <a:lnRef idx="2">
+      <a:lnRef idx="0">
         <a:scrgbClr r="0" g="0" b="0"/>
       </a:lnRef>
-      <a:fillRef idx="1">
+      <a:fillRef idx="3">
         <a:scrgbClr r="0" g="0" b="0"/>
       </a:fillRef>
-      <a:effectRef idx="0">
+      <a:effectRef idx="2">
         <a:scrgbClr r="0" g="0" b="0"/>
       </a:effectRef>
       <a:fontRef idx="minor">
@@ -2323,13 +3413,13 @@
     <dgm:sp3d/>
     <dgm:txPr/>
     <dgm:style>
-      <a:lnRef idx="2">
+      <a:lnRef idx="0">
         <a:scrgbClr r="0" g="0" b="0"/>
       </a:lnRef>
       <a:fillRef idx="1">
         <a:scrgbClr r="0" g="0" b="0"/>
       </a:fillRef>
-      <a:effectRef idx="0">
+      <a:effectRef idx="2">
         <a:scrgbClr r="0" g="0" b="0"/>
       </a:effectRef>
       <a:fontRef idx="minor"/>
@@ -2343,13 +3433,13 @@
     <dgm:sp3d/>
     <dgm:txPr/>
     <dgm:style>
-      <a:lnRef idx="2">
+      <a:lnRef idx="0">
         <a:scrgbClr r="0" g="0" b="0"/>
       </a:lnRef>
       <a:fillRef idx="1">
         <a:scrgbClr r="0" g="0" b="0"/>
       </a:fillRef>
-      <a:effectRef idx="0">
+      <a:effectRef idx="2">
         <a:scrgbClr r="0" g="0" b="0"/>
       </a:effectRef>
       <a:fontRef idx="minor"/>
@@ -2363,13 +3453,13 @@
     <dgm:sp3d/>
     <dgm:txPr/>
     <dgm:style>
-      <a:lnRef idx="2">
+      <a:lnRef idx="0">
         <a:scrgbClr r="0" g="0" b="0"/>
       </a:lnRef>
       <a:fillRef idx="1">
         <a:scrgbClr r="0" g="0" b="0"/>
       </a:fillRef>
-      <a:effectRef idx="0">
+      <a:effectRef idx="2">
         <a:scrgbClr r="0" g="0" b="0"/>
       </a:effectRef>
       <a:fontRef idx="minor"/>
@@ -2386,10 +3476,10 @@
       <a:lnRef idx="0">
         <a:scrgbClr r="0" g="0" b="0"/>
       </a:lnRef>
-      <a:fillRef idx="1">
+      <a:fillRef idx="3">
         <a:scrgbClr r="0" g="0" b="0"/>
       </a:fillRef>
-      <a:effectRef idx="0">
+      <a:effectRef idx="2">
         <a:scrgbClr r="0" g="0" b="0"/>
       </a:effectRef>
       <a:fontRef idx="minor">
@@ -2408,10 +3498,10 @@
       <a:lnRef idx="0">
         <a:scrgbClr r="0" g="0" b="0"/>
       </a:lnRef>
-      <a:fillRef idx="1">
+      <a:fillRef idx="3">
         <a:scrgbClr r="0" g="0" b="0"/>
       </a:fillRef>
-      <a:effectRef idx="0">
+      <a:effectRef idx="2">
         <a:scrgbClr r="0" g="0" b="0"/>
       </a:effectRef>
       <a:fontRef idx="minor">
@@ -2430,10 +3520,10 @@
       <a:lnRef idx="0">
         <a:scrgbClr r="0" g="0" b="0"/>
       </a:lnRef>
-      <a:fillRef idx="1">
+      <a:fillRef idx="3">
         <a:scrgbClr r="0" g="0" b="0"/>
       </a:fillRef>
-      <a:effectRef idx="0">
+      <a:effectRef idx="2">
         <a:scrgbClr r="0" g="0" b="0"/>
       </a:effectRef>
       <a:fontRef idx="minor">
@@ -2475,7 +3565,7 @@
       <a:fillRef idx="1">
         <a:scrgbClr r="0" g="0" b="0"/>
       </a:fillRef>
-      <a:effectRef idx="0">
+      <a:effectRef idx="1">
         <a:scrgbClr r="0" g="0" b="0"/>
       </a:effectRef>
       <a:fontRef idx="minor"/>
@@ -2489,13 +3579,13 @@
     <dgm:sp3d/>
     <dgm:txPr/>
     <dgm:style>
-      <a:lnRef idx="2">
+      <a:lnRef idx="0">
         <a:scrgbClr r="0" g="0" b="0"/>
       </a:lnRef>
-      <a:fillRef idx="1">
+      <a:fillRef idx="3">
         <a:scrgbClr r="0" g="0" b="0"/>
       </a:fillRef>
-      <a:effectRef idx="0">
+      <a:effectRef idx="2">
         <a:scrgbClr r="0" g="0" b="0"/>
       </a:effectRef>
       <a:fontRef idx="minor">
@@ -2511,13 +3601,13 @@
     <dgm:sp3d/>
     <dgm:txPr/>
     <dgm:style>
-      <a:lnRef idx="2">
+      <a:lnRef idx="0">
         <a:scrgbClr r="0" g="0" b="0"/>
       </a:lnRef>
-      <a:fillRef idx="1">
+      <a:fillRef idx="3">
         <a:scrgbClr r="0" g="0" b="0"/>
       </a:fillRef>
-      <a:effectRef idx="0">
+      <a:effectRef idx="2">
         <a:scrgbClr r="0" g="0" b="0"/>
       </a:effectRef>
       <a:fontRef idx="minor">
@@ -2533,13 +3623,13 @@
     <dgm:sp3d/>
     <dgm:txPr/>
     <dgm:style>
-      <a:lnRef idx="2">
+      <a:lnRef idx="0">
         <a:scrgbClr r="0" g="0" b="0"/>
       </a:lnRef>
-      <a:fillRef idx="1">
+      <a:fillRef idx="3">
         <a:scrgbClr r="0" g="0" b="0"/>
       </a:fillRef>
-      <a:effectRef idx="0">
+      <a:effectRef idx="2">
         <a:scrgbClr r="0" g="0" b="0"/>
       </a:effectRef>
       <a:fontRef idx="minor">
@@ -2555,13 +3645,13 @@
     <dgm:sp3d/>
     <dgm:txPr/>
     <dgm:style>
-      <a:lnRef idx="2">
+      <a:lnRef idx="0">
         <a:scrgbClr r="0" g="0" b="0"/>
       </a:lnRef>
-      <a:fillRef idx="1">
+      <a:fillRef idx="3">
         <a:scrgbClr r="0" g="0" b="0"/>
       </a:fillRef>
-      <a:effectRef idx="0">
+      <a:effectRef idx="2">
         <a:scrgbClr r="0" g="0" b="0"/>
       </a:effectRef>
       <a:fontRef idx="minor">
@@ -2577,13 +3667,13 @@
     <dgm:sp3d/>
     <dgm:txPr/>
     <dgm:style>
-      <a:lnRef idx="2">
+      <a:lnRef idx="0">
         <a:scrgbClr r="0" g="0" b="0"/>
       </a:lnRef>
-      <a:fillRef idx="1">
+      <a:fillRef idx="3">
         <a:scrgbClr r="0" g="0" b="0"/>
       </a:fillRef>
-      <a:effectRef idx="0">
+      <a:effectRef idx="2">
         <a:scrgbClr r="0" g="0" b="0"/>
       </a:effectRef>
       <a:fontRef idx="minor">
@@ -2599,13 +3689,13 @@
     <dgm:sp3d/>
     <dgm:txPr/>
     <dgm:style>
-      <a:lnRef idx="2">
+      <a:lnRef idx="0">
         <a:scrgbClr r="0" g="0" b="0"/>
       </a:lnRef>
-      <a:fillRef idx="1">
+      <a:fillRef idx="3">
         <a:scrgbClr r="0" g="0" b="0"/>
       </a:fillRef>
-      <a:effectRef idx="0">
+      <a:effectRef idx="2">
         <a:scrgbClr r="0" g="0" b="0"/>
       </a:effectRef>
       <a:fontRef idx="minor">
@@ -2621,13 +3711,13 @@
     <dgm:sp3d/>
     <dgm:txPr/>
     <dgm:style>
-      <a:lnRef idx="2">
+      <a:lnRef idx="0">
         <a:scrgbClr r="0" g="0" b="0"/>
       </a:lnRef>
-      <a:fillRef idx="1">
+      <a:fillRef idx="3">
         <a:scrgbClr r="0" g="0" b="0"/>
       </a:fillRef>
-      <a:effectRef idx="0">
+      <a:effectRef idx="2">
         <a:scrgbClr r="0" g="0" b="0"/>
       </a:effectRef>
       <a:fontRef idx="minor">
@@ -2643,13 +3733,13 @@
     <dgm:sp3d/>
     <dgm:txPr/>
     <dgm:style>
-      <a:lnRef idx="2">
+      <a:lnRef idx="1">
         <a:scrgbClr r="0" g="0" b="0"/>
       </a:lnRef>
-      <a:fillRef idx="1">
+      <a:fillRef idx="3">
         <a:scrgbClr r="0" g="0" b="0"/>
       </a:fillRef>
-      <a:effectRef idx="0">
+      <a:effectRef idx="2">
         <a:scrgbClr r="0" g="0" b="0"/>
       </a:effectRef>
       <a:fontRef idx="minor">
@@ -2665,13 +3755,13 @@
     <dgm:sp3d/>
     <dgm:txPr/>
     <dgm:style>
-      <a:lnRef idx="2">
+      <a:lnRef idx="1">
         <a:scrgbClr r="0" g="0" b="0"/>
       </a:lnRef>
-      <a:fillRef idx="1">
+      <a:fillRef idx="3">
         <a:scrgbClr r="0" g="0" b="0"/>
       </a:fillRef>
-      <a:effectRef idx="0">
+      <a:effectRef idx="2">
         <a:scrgbClr r="0" g="0" b="0"/>
       </a:effectRef>
       <a:fontRef idx="minor">
@@ -2687,7 +3777,7 @@
     <dgm:sp3d/>
     <dgm:txPr/>
     <dgm:style>
-      <a:lnRef idx="2">
+      <a:lnRef idx="1">
         <a:scrgbClr r="0" g="0" b="0"/>
       </a:lnRef>
       <a:fillRef idx="0">
@@ -2707,7 +3797,7 @@
     <dgm:sp3d/>
     <dgm:txPr/>
     <dgm:style>
-      <a:lnRef idx="2">
+      <a:lnRef idx="1">
         <a:scrgbClr r="0" g="0" b="0"/>
       </a:lnRef>
       <a:fillRef idx="0">
@@ -2727,7 +3817,7 @@
     <dgm:sp3d/>
     <dgm:txPr/>
     <dgm:style>
-      <a:lnRef idx="2">
+      <a:lnRef idx="1">
         <a:scrgbClr r="0" g="0" b="0"/>
       </a:lnRef>
       <a:fillRef idx="0">
@@ -2747,7 +3837,7 @@
     <dgm:sp3d/>
     <dgm:txPr/>
     <dgm:style>
-      <a:lnRef idx="2">
+      <a:lnRef idx="1">
         <a:scrgbClr r="0" g="0" b="0"/>
       </a:lnRef>
       <a:fillRef idx="0">
@@ -2767,7 +3857,7 @@
     <dgm:sp3d/>
     <dgm:txPr/>
     <dgm:style>
-      <a:lnRef idx="2">
+      <a:lnRef idx="1">
         <a:scrgbClr r="0" g="0" b="0"/>
       </a:lnRef>
       <a:fillRef idx="1">
@@ -2787,7 +3877,7 @@
     <dgm:sp3d/>
     <dgm:txPr/>
     <dgm:style>
-      <a:lnRef idx="2">
+      <a:lnRef idx="1">
         <a:scrgbClr r="0" g="0" b="0"/>
       </a:lnRef>
       <a:fillRef idx="1">
@@ -2807,7 +3897,7 @@
     <dgm:sp3d/>
     <dgm:txPr/>
     <dgm:style>
-      <a:lnRef idx="2">
+      <a:lnRef idx="1">
         <a:scrgbClr r="0" g="0" b="0"/>
       </a:lnRef>
       <a:fillRef idx="1">
@@ -2847,7 +3937,7 @@
     <dgm:sp3d/>
     <dgm:txPr/>
     <dgm:style>
-      <a:lnRef idx="2">
+      <a:lnRef idx="1">
         <a:scrgbClr r="0" g="0" b="0"/>
       </a:lnRef>
       <a:fillRef idx="1">
@@ -2867,7 +3957,7 @@
     <dgm:sp3d/>
     <dgm:txPr/>
     <dgm:style>
-      <a:lnRef idx="2">
+      <a:lnRef idx="1">
         <a:scrgbClr r="0" g="0" b="0"/>
       </a:lnRef>
       <a:fillRef idx="1">
@@ -2887,7 +3977,7 @@
     <dgm:sp3d/>
     <dgm:txPr/>
     <dgm:style>
-      <a:lnRef idx="2">
+      <a:lnRef idx="1">
         <a:scrgbClr r="0" g="0" b="0"/>
       </a:lnRef>
       <a:fillRef idx="1">
@@ -2907,7 +3997,7 @@
     <dgm:sp3d/>
     <dgm:txPr/>
     <dgm:style>
-      <a:lnRef idx="2">
+      <a:lnRef idx="1">
         <a:scrgbClr r="0" g="0" b="0"/>
       </a:lnRef>
       <a:fillRef idx="1">
@@ -2927,7 +4017,7 @@
     <dgm:sp3d/>
     <dgm:txPr/>
     <dgm:style>
-      <a:lnRef idx="2">
+      <a:lnRef idx="1">
         <a:scrgbClr r="0" g="0" b="0"/>
       </a:lnRef>
       <a:fillRef idx="1">
@@ -2947,7 +4037,7 @@
     <dgm:sp3d/>
     <dgm:txPr/>
     <dgm:style>
-      <a:lnRef idx="2">
+      <a:lnRef idx="1">
         <a:scrgbClr r="0" g="0" b="0"/>
       </a:lnRef>
       <a:fillRef idx="1">
@@ -2967,7 +4057,7 @@
     <dgm:sp3d/>
     <dgm:txPr/>
     <dgm:style>
-      <a:lnRef idx="2">
+      <a:lnRef idx="1">
         <a:scrgbClr r="0" g="0" b="0"/>
       </a:lnRef>
       <a:fillRef idx="1">
@@ -2987,7 +4077,7 @@
     <dgm:sp3d/>
     <dgm:txPr/>
     <dgm:style>
-      <a:lnRef idx="2">
+      <a:lnRef idx="1">
         <a:scrgbClr r="0" g="0" b="0"/>
       </a:lnRef>
       <a:fillRef idx="1">
@@ -3007,7 +4097,7 @@
     <dgm:sp3d/>
     <dgm:txPr/>
     <dgm:style>
-      <a:lnRef idx="2">
+      <a:lnRef idx="1">
         <a:scrgbClr r="0" g="0" b="0"/>
       </a:lnRef>
       <a:fillRef idx="1">
@@ -3027,7 +4117,7 @@
     <dgm:sp3d/>
     <dgm:txPr/>
     <dgm:style>
-      <a:lnRef idx="2">
+      <a:lnRef idx="1">
         <a:scrgbClr r="0" g="0" b="0"/>
       </a:lnRef>
       <a:fillRef idx="1">
@@ -3047,7 +4137,7 @@
     <dgm:sp3d/>
     <dgm:txPr/>
     <dgm:style>
-      <a:lnRef idx="2">
+      <a:lnRef idx="1">
         <a:scrgbClr r="0" g="0" b="0"/>
       </a:lnRef>
       <a:fillRef idx="1">
@@ -3073,7 +4163,7 @@
       <a:fillRef idx="1">
         <a:scrgbClr r="0" g="0" b="0"/>
       </a:fillRef>
-      <a:effectRef idx="0">
+      <a:effectRef idx="2">
         <a:scrgbClr r="0" g="0" b="0"/>
       </a:effectRef>
       <a:fontRef idx="minor"/>
@@ -3093,7 +4183,7 @@
       <a:fillRef idx="1">
         <a:scrgbClr r="0" g="0" b="0"/>
       </a:fillRef>
-      <a:effectRef idx="0">
+      <a:effectRef idx="2">
         <a:scrgbClr r="0" g="0" b="0"/>
       </a:effectRef>
       <a:fontRef idx="minor"/>
@@ -3127,13 +4217,13 @@
     <dgm:sp3d/>
     <dgm:txPr/>
     <dgm:style>
-      <a:lnRef idx="2">
+      <a:lnRef idx="0">
         <a:scrgbClr r="0" g="0" b="0"/>
       </a:lnRef>
-      <a:fillRef idx="1">
+      <a:fillRef idx="3">
         <a:scrgbClr r="0" g="0" b="0"/>
       </a:fillRef>
-      <a:effectRef idx="0">
+      <a:effectRef idx="2">
         <a:scrgbClr r="0" g="0" b="0"/>
       </a:effectRef>
       <a:fontRef idx="minor"/>
@@ -3293,7 +4383,7 @@
           <a:p>
             <a:fld id="{5B35A973-9FCC-4853-9BB3-DB1A14CF7159}" type="datetimeFigureOut">
               <a:rPr lang="pt-BR" smtClean="0"/>
-              <a:t>15/01/2022</a:t>
+              <a:t>16/01/2022</a:t>
             </a:fld>
             <a:endParaRPr lang="pt-BR"/>
           </a:p>
@@ -3463,7 +4553,7 @@
           <a:p>
             <a:fld id="{5B35A973-9FCC-4853-9BB3-DB1A14CF7159}" type="datetimeFigureOut">
               <a:rPr lang="pt-BR" smtClean="0"/>
-              <a:t>15/01/2022</a:t>
+              <a:t>16/01/2022</a:t>
             </a:fld>
             <a:endParaRPr lang="pt-BR"/>
           </a:p>
@@ -3643,7 +4733,7 @@
           <a:p>
             <a:fld id="{5B35A973-9FCC-4853-9BB3-DB1A14CF7159}" type="datetimeFigureOut">
               <a:rPr lang="pt-BR" smtClean="0"/>
-              <a:t>15/01/2022</a:t>
+              <a:t>16/01/2022</a:t>
             </a:fld>
             <a:endParaRPr lang="pt-BR"/>
           </a:p>
@@ -3813,7 +4903,7 @@
           <a:p>
             <a:fld id="{5B35A973-9FCC-4853-9BB3-DB1A14CF7159}" type="datetimeFigureOut">
               <a:rPr lang="pt-BR" smtClean="0"/>
-              <a:t>15/01/2022</a:t>
+              <a:t>16/01/2022</a:t>
             </a:fld>
             <a:endParaRPr lang="pt-BR"/>
           </a:p>
@@ -4059,7 +5149,7 @@
           <a:p>
             <a:fld id="{5B35A973-9FCC-4853-9BB3-DB1A14CF7159}" type="datetimeFigureOut">
               <a:rPr lang="pt-BR" smtClean="0"/>
-              <a:t>15/01/2022</a:t>
+              <a:t>16/01/2022</a:t>
             </a:fld>
             <a:endParaRPr lang="pt-BR"/>
           </a:p>
@@ -4291,7 +5381,7 @@
           <a:p>
             <a:fld id="{5B35A973-9FCC-4853-9BB3-DB1A14CF7159}" type="datetimeFigureOut">
               <a:rPr lang="pt-BR" smtClean="0"/>
-              <a:t>15/01/2022</a:t>
+              <a:t>16/01/2022</a:t>
             </a:fld>
             <a:endParaRPr lang="pt-BR"/>
           </a:p>
@@ -4658,7 +5748,7 @@
           <a:p>
             <a:fld id="{5B35A973-9FCC-4853-9BB3-DB1A14CF7159}" type="datetimeFigureOut">
               <a:rPr lang="pt-BR" smtClean="0"/>
-              <a:t>15/01/2022</a:t>
+              <a:t>16/01/2022</a:t>
             </a:fld>
             <a:endParaRPr lang="pt-BR"/>
           </a:p>
@@ -4776,7 +5866,7 @@
           <a:p>
             <a:fld id="{5B35A973-9FCC-4853-9BB3-DB1A14CF7159}" type="datetimeFigureOut">
               <a:rPr lang="pt-BR" smtClean="0"/>
-              <a:t>15/01/2022</a:t>
+              <a:t>16/01/2022</a:t>
             </a:fld>
             <a:endParaRPr lang="pt-BR"/>
           </a:p>
@@ -4871,7 +5961,7 @@
           <a:p>
             <a:fld id="{5B35A973-9FCC-4853-9BB3-DB1A14CF7159}" type="datetimeFigureOut">
               <a:rPr lang="pt-BR" smtClean="0"/>
-              <a:t>15/01/2022</a:t>
+              <a:t>16/01/2022</a:t>
             </a:fld>
             <a:endParaRPr lang="pt-BR"/>
           </a:p>
@@ -5148,7 +6238,7 @@
           <a:p>
             <a:fld id="{5B35A973-9FCC-4853-9BB3-DB1A14CF7159}" type="datetimeFigureOut">
               <a:rPr lang="pt-BR" smtClean="0"/>
-              <a:t>15/01/2022</a:t>
+              <a:t>16/01/2022</a:t>
             </a:fld>
             <a:endParaRPr lang="pt-BR"/>
           </a:p>
@@ -5405,7 +6495,7 @@
           <a:p>
             <a:fld id="{5B35A973-9FCC-4853-9BB3-DB1A14CF7159}" type="datetimeFigureOut">
               <a:rPr lang="pt-BR" smtClean="0"/>
-              <a:t>15/01/2022</a:t>
+              <a:t>16/01/2022</a:t>
             </a:fld>
             <a:endParaRPr lang="pt-BR"/>
           </a:p>
@@ -5618,7 +6708,7 @@
           <a:p>
             <a:fld id="{5B35A973-9FCC-4853-9BB3-DB1A14CF7159}" type="datetimeFigureOut">
               <a:rPr lang="pt-BR" smtClean="0"/>
-              <a:t>15/01/2022</a:t>
+              <a:t>16/01/2022</a:t>
             </a:fld>
             <a:endParaRPr lang="pt-BR"/>
           </a:p>
@@ -7289,6 +8379,654 @@
     </p:spTree>
     <p:extLst>
       <p:ext uri="{BB962C8B-B14F-4D97-AF65-F5344CB8AC3E}">
+        <p14:creationId xmlns:p14="http://schemas.microsoft.com/office/powerpoint/2010/main" val="339031753"/>
+      </p:ext>
+    </p:extLst>
+  </p:cSld>
+  <p:clrMapOvr>
+    <a:masterClrMapping/>
+  </p:clrMapOvr>
+</p:sld>
+</file>
+
+<file path=ppt/slides/slide11.xml><?xml version="1.0" encoding="utf-8"?>
+<p:sld xmlns:a="http://schemas.openxmlformats.org/drawingml/2006/main" xmlns:r="http://schemas.openxmlformats.org/officeDocument/2006/relationships" xmlns:p="http://schemas.openxmlformats.org/presentationml/2006/main">
+  <p:cSld>
+    <p:bg>
+      <p:bgPr>
+        <a:solidFill>
+          <a:schemeClr val="bg1"/>
+        </a:solidFill>
+        <a:effectLst/>
+      </p:bgPr>
+    </p:bg>
+    <p:spTree>
+      <p:nvGrpSpPr>
+        <p:cNvPr id="1" name=""/>
+        <p:cNvGrpSpPr/>
+        <p:nvPr/>
+      </p:nvGrpSpPr>
+      <p:grpSpPr>
+        <a:xfrm>
+          <a:off x="0" y="0"/>
+          <a:ext cx="0" cy="0"/>
+          <a:chOff x="0" y="0"/>
+          <a:chExt cx="0" cy="0"/>
+        </a:xfrm>
+      </p:grpSpPr>
+      <p:sp useBgFill="1">
+        <p:nvSpPr>
+          <p:cNvPr id="33" name="Rectangle 32">
+            <a:extLst>
+              <a:ext uri="{FF2B5EF4-FFF2-40B4-BE49-F238E27FC236}">
+                <a16:creationId xmlns:a16="http://schemas.microsoft.com/office/drawing/2014/main" id="{979E27D9-03C7-44E2-9FF8-15D0C8506AF7}"/>
+              </a:ext>
+              <a:ext uri="{C183D7F6-B498-43B3-948B-1728B52AA6E4}">
+                <adec:decorative xmlns:adec="http://schemas.microsoft.com/office/drawing/2017/decorative" val="1"/>
+              </a:ext>
+            </a:extLst>
+          </p:cNvPr>
+          <p:cNvSpPr>
+            <a:spLocks noGrp="1" noRot="1" noChangeAspect="1" noMove="1" noResize="1" noEditPoints="1" noAdjustHandles="1" noChangeArrowheads="1" noChangeShapeType="1" noTextEdit="1"/>
+          </p:cNvSpPr>
+          <p:nvPr>
+            <p:extLst>
+              <p:ext uri="{386F3935-93C4-4BCD-93E2-E3B085C9AB24}">
+                <p16:designElem xmlns:p16="http://schemas.microsoft.com/office/powerpoint/2015/main" val="1"/>
+              </p:ext>
+            </p:extLst>
+          </p:nvPr>
+        </p:nvSpPr>
+        <p:spPr>
+          <a:xfrm>
+            <a:off x="0" y="0"/>
+            <a:ext cx="12192000" cy="6858000"/>
+          </a:xfrm>
+          <a:prstGeom prst="rect">
+            <a:avLst/>
+          </a:prstGeom>
+          <a:ln w="12700" cap="flat" cmpd="sng" algn="ctr">
+            <a:noFill/>
+            <a:prstDash val="solid"/>
+            <a:miter lim="800000"/>
+          </a:ln>
+          <a:effectLst/>
+          <a:extLst>
+            <a:ext uri="{91240B29-F687-4F45-9708-019B960494DF}">
+              <a14:hiddenLine xmlns:a14="http://schemas.microsoft.com/office/drawing/2010/main" w="12700" cap="flat" cmpd="sng" algn="ctr">
+                <a:solidFill>
+                  <a:schemeClr val="accent1">
+                    <a:shade val="50000"/>
+                  </a:schemeClr>
+                </a:solidFill>
+                <a:prstDash val="solid"/>
+                <a:miter lim="800000"/>
+              </a14:hiddenLine>
+            </a:ext>
+          </a:extLst>
+        </p:spPr>
+        <p:style>
+          <a:lnRef idx="2">
+            <a:schemeClr val="accent1">
+              <a:shade val="50000"/>
+            </a:schemeClr>
+          </a:lnRef>
+          <a:fillRef idx="1">
+            <a:schemeClr val="accent1"/>
+          </a:fillRef>
+          <a:effectRef idx="0">
+            <a:schemeClr val="accent1"/>
+          </a:effectRef>
+          <a:fontRef idx="minor">
+            <a:schemeClr val="lt1"/>
+          </a:fontRef>
+        </p:style>
+        <p:txBody>
+          <a:bodyPr rtlCol="0" anchor="ctr"/>
+          <a:lstStyle/>
+          <a:p>
+            <a:pPr algn="ctr"/>
+            <a:endParaRPr lang="en-US"/>
+          </a:p>
+        </p:txBody>
+      </p:sp>
+      <p:sp>
+        <p:nvSpPr>
+          <p:cNvPr id="2" name="Title 1">
+            <a:extLst>
+              <a:ext uri="{FF2B5EF4-FFF2-40B4-BE49-F238E27FC236}">
+                <a16:creationId xmlns:a16="http://schemas.microsoft.com/office/drawing/2014/main" id="{66025AB0-B8E8-4B50-BA5F-97C60F08910B}"/>
+              </a:ext>
+            </a:extLst>
+          </p:cNvPr>
+          <p:cNvSpPr>
+            <a:spLocks noGrp="1"/>
+          </p:cNvSpPr>
+          <p:nvPr>
+            <p:ph type="title"/>
+          </p:nvPr>
+        </p:nvSpPr>
+        <p:spPr>
+          <a:xfrm>
+            <a:off x="1136397" y="502021"/>
+            <a:ext cx="9688296" cy="1642969"/>
+          </a:xfrm>
+        </p:spPr>
+        <p:txBody>
+          <a:bodyPr anchor="b">
+            <a:normAutofit/>
+          </a:bodyPr>
+          <a:lstStyle/>
+          <a:p>
+            <a:endParaRPr lang="pt-BR" sz="4000"/>
+          </a:p>
+        </p:txBody>
+      </p:sp>
+      <p:sp>
+        <p:nvSpPr>
+          <p:cNvPr id="3" name="Content Placeholder 2">
+            <a:extLst>
+              <a:ext uri="{FF2B5EF4-FFF2-40B4-BE49-F238E27FC236}">
+                <a16:creationId xmlns:a16="http://schemas.microsoft.com/office/drawing/2014/main" id="{9CA43DD9-9FDE-4531-9B93-5E422A10DA41}"/>
+              </a:ext>
+            </a:extLst>
+          </p:cNvPr>
+          <p:cNvSpPr>
+            <a:spLocks noGrp="1"/>
+          </p:cNvSpPr>
+          <p:nvPr>
+            <p:ph idx="1"/>
+          </p:nvPr>
+        </p:nvSpPr>
+        <p:spPr>
+          <a:xfrm>
+            <a:off x="1136397" y="2418409"/>
+            <a:ext cx="9688296" cy="3454358"/>
+          </a:xfrm>
+        </p:spPr>
+        <p:txBody>
+          <a:bodyPr anchor="t">
+            <a:normAutofit/>
+          </a:bodyPr>
+          <a:lstStyle/>
+          <a:p>
+            <a:endParaRPr lang="pt-BR" sz="2000"/>
+          </a:p>
+        </p:txBody>
+      </p:sp>
+      <p:sp>
+        <p:nvSpPr>
+          <p:cNvPr id="35" name="Rectangle 34">
+            <a:extLst>
+              <a:ext uri="{FF2B5EF4-FFF2-40B4-BE49-F238E27FC236}">
+                <a16:creationId xmlns:a16="http://schemas.microsoft.com/office/drawing/2014/main" id="{EEBF1590-3B36-48EE-A89D-3B6F3CB256AB}"/>
+              </a:ext>
+              <a:ext uri="{C183D7F6-B498-43B3-948B-1728B52AA6E4}">
+                <adec:decorative xmlns:adec="http://schemas.microsoft.com/office/drawing/2017/decorative" val="1"/>
+              </a:ext>
+            </a:extLst>
+          </p:cNvPr>
+          <p:cNvSpPr>
+            <a:spLocks noGrp="1" noRot="1" noChangeAspect="1" noMove="1" noResize="1" noEditPoints="1" noAdjustHandles="1" noChangeArrowheads="1" noChangeShapeType="1" noTextEdit="1"/>
+          </p:cNvSpPr>
+          <p:nvPr>
+            <p:extLst>
+              <p:ext uri="{386F3935-93C4-4BCD-93E2-E3B085C9AB24}">
+                <p16:designElem xmlns:p16="http://schemas.microsoft.com/office/powerpoint/2015/main" val="1"/>
+              </p:ext>
+            </p:extLst>
+          </p:nvPr>
+        </p:nvSpPr>
+        <p:spPr>
+          <a:xfrm rot="10800000" flipH="1">
+            <a:off x="0" y="6400799"/>
+            <a:ext cx="12192000" cy="456773"/>
+          </a:xfrm>
+          <a:prstGeom prst="rect">
+            <a:avLst/>
+          </a:prstGeom>
+          <a:gradFill>
+            <a:gsLst>
+              <a:gs pos="0">
+                <a:schemeClr val="accent1"/>
+              </a:gs>
+              <a:gs pos="78000">
+                <a:srgbClr val="000000"/>
+              </a:gs>
+            </a:gsLst>
+            <a:lin ang="2400000" scaled="0"/>
+          </a:gradFill>
+          <a:ln>
+            <a:noFill/>
+          </a:ln>
+        </p:spPr>
+        <p:style>
+          <a:lnRef idx="2">
+            <a:schemeClr val="accent1">
+              <a:shade val="50000"/>
+            </a:schemeClr>
+          </a:lnRef>
+          <a:fillRef idx="1">
+            <a:schemeClr val="accent1"/>
+          </a:fillRef>
+          <a:effectRef idx="0">
+            <a:schemeClr val="accent1"/>
+          </a:effectRef>
+          <a:fontRef idx="minor">
+            <a:schemeClr val="lt1"/>
+          </a:fontRef>
+        </p:style>
+        <p:txBody>
+          <a:bodyPr rtlCol="0" anchor="ctr"/>
+          <a:lstStyle/>
+          <a:p>
+            <a:pPr algn="ctr"/>
+            <a:endParaRPr lang="en-US"/>
+          </a:p>
+        </p:txBody>
+      </p:sp>
+      <p:sp>
+        <p:nvSpPr>
+          <p:cNvPr id="37" name="Rectangle 36">
+            <a:extLst>
+              <a:ext uri="{FF2B5EF4-FFF2-40B4-BE49-F238E27FC236}">
+                <a16:creationId xmlns:a16="http://schemas.microsoft.com/office/drawing/2014/main" id="{AC8F6C8C-AB5A-4548-942D-E3FD40ACBC49}"/>
+              </a:ext>
+              <a:ext uri="{C183D7F6-B498-43B3-948B-1728B52AA6E4}">
+                <adec:decorative xmlns:adec="http://schemas.microsoft.com/office/drawing/2017/decorative" val="1"/>
+              </a:ext>
+            </a:extLst>
+          </p:cNvPr>
+          <p:cNvSpPr>
+            <a:spLocks noGrp="1" noRot="1" noChangeAspect="1" noMove="1" noResize="1" noEditPoints="1" noAdjustHandles="1" noChangeArrowheads="1" noChangeShapeType="1" noTextEdit="1"/>
+          </p:cNvSpPr>
+          <p:nvPr>
+            <p:extLst>
+              <p:ext uri="{386F3935-93C4-4BCD-93E2-E3B085C9AB24}">
+                <p16:designElem xmlns:p16="http://schemas.microsoft.com/office/powerpoint/2015/main" val="1"/>
+              </p:ext>
+            </p:extLst>
+          </p:nvPr>
+        </p:nvSpPr>
+        <p:spPr>
+          <a:xfrm flipH="1">
+            <a:off x="4038600" y="6400799"/>
+            <a:ext cx="8153398" cy="456772"/>
+          </a:xfrm>
+          <a:prstGeom prst="rect">
+            <a:avLst/>
+          </a:prstGeom>
+          <a:gradFill>
+            <a:gsLst>
+              <a:gs pos="0">
+                <a:srgbClr val="000000">
+                  <a:alpha val="63000"/>
+                </a:srgbClr>
+              </a:gs>
+              <a:gs pos="100000">
+                <a:schemeClr val="accent1">
+                  <a:lumMod val="75000"/>
+                </a:schemeClr>
+              </a:gs>
+            </a:gsLst>
+            <a:lin ang="13800000" scaled="0"/>
+          </a:gradFill>
+          <a:ln>
+            <a:noFill/>
+          </a:ln>
+        </p:spPr>
+        <p:style>
+          <a:lnRef idx="2">
+            <a:schemeClr val="accent1">
+              <a:shade val="50000"/>
+            </a:schemeClr>
+          </a:lnRef>
+          <a:fillRef idx="1">
+            <a:schemeClr val="accent1"/>
+          </a:fillRef>
+          <a:effectRef idx="0">
+            <a:schemeClr val="accent1"/>
+          </a:effectRef>
+          <a:fontRef idx="minor">
+            <a:schemeClr val="lt1"/>
+          </a:fontRef>
+        </p:style>
+        <p:txBody>
+          <a:bodyPr rtlCol="0" anchor="ctr"/>
+          <a:lstStyle/>
+          <a:p>
+            <a:pPr algn="ctr"/>
+            <a:endParaRPr lang="en-US"/>
+          </a:p>
+        </p:txBody>
+      </p:sp>
+    </p:spTree>
+    <p:extLst>
+      <p:ext uri="{BB962C8B-B14F-4D97-AF65-F5344CB8AC3E}">
+        <p14:creationId xmlns:p14="http://schemas.microsoft.com/office/powerpoint/2010/main" val="3179180910"/>
+      </p:ext>
+    </p:extLst>
+  </p:cSld>
+  <p:clrMapOvr>
+    <a:masterClrMapping/>
+  </p:clrMapOvr>
+</p:sld>
+</file>
+
+<file path=ppt/slides/slide12.xml><?xml version="1.0" encoding="utf-8"?>
+<p:sld xmlns:a="http://schemas.openxmlformats.org/drawingml/2006/main" xmlns:r="http://schemas.openxmlformats.org/officeDocument/2006/relationships" xmlns:p="http://schemas.openxmlformats.org/presentationml/2006/main">
+  <p:cSld>
+    <p:bg>
+      <p:bgPr>
+        <a:solidFill>
+          <a:schemeClr val="bg1"/>
+        </a:solidFill>
+        <a:effectLst/>
+      </p:bgPr>
+    </p:bg>
+    <p:spTree>
+      <p:nvGrpSpPr>
+        <p:cNvPr id="1" name=""/>
+        <p:cNvGrpSpPr/>
+        <p:nvPr/>
+      </p:nvGrpSpPr>
+      <p:grpSpPr>
+        <a:xfrm>
+          <a:off x="0" y="0"/>
+          <a:ext cx="0" cy="0"/>
+          <a:chOff x="0" y="0"/>
+          <a:chExt cx="0" cy="0"/>
+        </a:xfrm>
+      </p:grpSpPr>
+      <p:sp useBgFill="1">
+        <p:nvSpPr>
+          <p:cNvPr id="33" name="Rectangle 32">
+            <a:extLst>
+              <a:ext uri="{FF2B5EF4-FFF2-40B4-BE49-F238E27FC236}">
+                <a16:creationId xmlns:a16="http://schemas.microsoft.com/office/drawing/2014/main" id="{979E27D9-03C7-44E2-9FF8-15D0C8506AF7}"/>
+              </a:ext>
+              <a:ext uri="{C183D7F6-B498-43B3-948B-1728B52AA6E4}">
+                <adec:decorative xmlns:adec="http://schemas.microsoft.com/office/drawing/2017/decorative" val="1"/>
+              </a:ext>
+            </a:extLst>
+          </p:cNvPr>
+          <p:cNvSpPr>
+            <a:spLocks noGrp="1" noRot="1" noChangeAspect="1" noMove="1" noResize="1" noEditPoints="1" noAdjustHandles="1" noChangeArrowheads="1" noChangeShapeType="1" noTextEdit="1"/>
+          </p:cNvSpPr>
+          <p:nvPr>
+            <p:extLst>
+              <p:ext uri="{386F3935-93C4-4BCD-93E2-E3B085C9AB24}">
+                <p16:designElem xmlns:p16="http://schemas.microsoft.com/office/powerpoint/2015/main" val="1"/>
+              </p:ext>
+            </p:extLst>
+          </p:nvPr>
+        </p:nvSpPr>
+        <p:spPr>
+          <a:xfrm>
+            <a:off x="0" y="0"/>
+            <a:ext cx="12192000" cy="6858000"/>
+          </a:xfrm>
+          <a:prstGeom prst="rect">
+            <a:avLst/>
+          </a:prstGeom>
+          <a:ln w="12700" cap="flat" cmpd="sng" algn="ctr">
+            <a:noFill/>
+            <a:prstDash val="solid"/>
+            <a:miter lim="800000"/>
+          </a:ln>
+          <a:effectLst/>
+          <a:extLst>
+            <a:ext uri="{91240B29-F687-4F45-9708-019B960494DF}">
+              <a14:hiddenLine xmlns:a14="http://schemas.microsoft.com/office/drawing/2010/main" w="12700" cap="flat" cmpd="sng" algn="ctr">
+                <a:solidFill>
+                  <a:schemeClr val="accent1">
+                    <a:shade val="50000"/>
+                  </a:schemeClr>
+                </a:solidFill>
+                <a:prstDash val="solid"/>
+                <a:miter lim="800000"/>
+              </a14:hiddenLine>
+            </a:ext>
+          </a:extLst>
+        </p:spPr>
+        <p:style>
+          <a:lnRef idx="2">
+            <a:schemeClr val="accent1">
+              <a:shade val="50000"/>
+            </a:schemeClr>
+          </a:lnRef>
+          <a:fillRef idx="1">
+            <a:schemeClr val="accent1"/>
+          </a:fillRef>
+          <a:effectRef idx="0">
+            <a:schemeClr val="accent1"/>
+          </a:effectRef>
+          <a:fontRef idx="minor">
+            <a:schemeClr val="lt1"/>
+          </a:fontRef>
+        </p:style>
+        <p:txBody>
+          <a:bodyPr rtlCol="0" anchor="ctr"/>
+          <a:lstStyle/>
+          <a:p>
+            <a:pPr algn="ctr"/>
+            <a:endParaRPr lang="en-US"/>
+          </a:p>
+        </p:txBody>
+      </p:sp>
+      <p:sp>
+        <p:nvSpPr>
+          <p:cNvPr id="2" name="Title 1">
+            <a:extLst>
+              <a:ext uri="{FF2B5EF4-FFF2-40B4-BE49-F238E27FC236}">
+                <a16:creationId xmlns:a16="http://schemas.microsoft.com/office/drawing/2014/main" id="{66025AB0-B8E8-4B50-BA5F-97C60F08910B}"/>
+              </a:ext>
+            </a:extLst>
+          </p:cNvPr>
+          <p:cNvSpPr>
+            <a:spLocks noGrp="1"/>
+          </p:cNvSpPr>
+          <p:nvPr>
+            <p:ph type="title"/>
+          </p:nvPr>
+        </p:nvSpPr>
+        <p:spPr>
+          <a:xfrm>
+            <a:off x="1136397" y="502021"/>
+            <a:ext cx="9688296" cy="1642969"/>
+          </a:xfrm>
+        </p:spPr>
+        <p:txBody>
+          <a:bodyPr anchor="b">
+            <a:normAutofit/>
+          </a:bodyPr>
+          <a:lstStyle/>
+          <a:p>
+            <a:endParaRPr lang="pt-BR" sz="4000"/>
+          </a:p>
+        </p:txBody>
+      </p:sp>
+      <p:sp>
+        <p:nvSpPr>
+          <p:cNvPr id="3" name="Content Placeholder 2">
+            <a:extLst>
+              <a:ext uri="{FF2B5EF4-FFF2-40B4-BE49-F238E27FC236}">
+                <a16:creationId xmlns:a16="http://schemas.microsoft.com/office/drawing/2014/main" id="{9CA43DD9-9FDE-4531-9B93-5E422A10DA41}"/>
+              </a:ext>
+            </a:extLst>
+          </p:cNvPr>
+          <p:cNvSpPr>
+            <a:spLocks noGrp="1"/>
+          </p:cNvSpPr>
+          <p:nvPr>
+            <p:ph idx="1"/>
+          </p:nvPr>
+        </p:nvSpPr>
+        <p:spPr>
+          <a:xfrm>
+            <a:off x="1136397" y="2418409"/>
+            <a:ext cx="9688296" cy="3454358"/>
+          </a:xfrm>
+        </p:spPr>
+        <p:txBody>
+          <a:bodyPr anchor="t">
+            <a:normAutofit/>
+          </a:bodyPr>
+          <a:lstStyle/>
+          <a:p>
+            <a:endParaRPr lang="pt-BR" sz="2000"/>
+          </a:p>
+        </p:txBody>
+      </p:sp>
+      <p:sp>
+        <p:nvSpPr>
+          <p:cNvPr id="35" name="Rectangle 34">
+            <a:extLst>
+              <a:ext uri="{FF2B5EF4-FFF2-40B4-BE49-F238E27FC236}">
+                <a16:creationId xmlns:a16="http://schemas.microsoft.com/office/drawing/2014/main" id="{EEBF1590-3B36-48EE-A89D-3B6F3CB256AB}"/>
+              </a:ext>
+              <a:ext uri="{C183D7F6-B498-43B3-948B-1728B52AA6E4}">
+                <adec:decorative xmlns:adec="http://schemas.microsoft.com/office/drawing/2017/decorative" val="1"/>
+              </a:ext>
+            </a:extLst>
+          </p:cNvPr>
+          <p:cNvSpPr>
+            <a:spLocks noGrp="1" noRot="1" noChangeAspect="1" noMove="1" noResize="1" noEditPoints="1" noAdjustHandles="1" noChangeArrowheads="1" noChangeShapeType="1" noTextEdit="1"/>
+          </p:cNvSpPr>
+          <p:nvPr>
+            <p:extLst>
+              <p:ext uri="{386F3935-93C4-4BCD-93E2-E3B085C9AB24}">
+                <p16:designElem xmlns:p16="http://schemas.microsoft.com/office/powerpoint/2015/main" val="1"/>
+              </p:ext>
+            </p:extLst>
+          </p:nvPr>
+        </p:nvSpPr>
+        <p:spPr>
+          <a:xfrm rot="10800000" flipH="1">
+            <a:off x="0" y="6400799"/>
+            <a:ext cx="12192000" cy="456773"/>
+          </a:xfrm>
+          <a:prstGeom prst="rect">
+            <a:avLst/>
+          </a:prstGeom>
+          <a:gradFill>
+            <a:gsLst>
+              <a:gs pos="0">
+                <a:schemeClr val="accent1"/>
+              </a:gs>
+              <a:gs pos="78000">
+                <a:srgbClr val="000000"/>
+              </a:gs>
+            </a:gsLst>
+            <a:lin ang="2400000" scaled="0"/>
+          </a:gradFill>
+          <a:ln>
+            <a:noFill/>
+          </a:ln>
+        </p:spPr>
+        <p:style>
+          <a:lnRef idx="2">
+            <a:schemeClr val="accent1">
+              <a:shade val="50000"/>
+            </a:schemeClr>
+          </a:lnRef>
+          <a:fillRef idx="1">
+            <a:schemeClr val="accent1"/>
+          </a:fillRef>
+          <a:effectRef idx="0">
+            <a:schemeClr val="accent1"/>
+          </a:effectRef>
+          <a:fontRef idx="minor">
+            <a:schemeClr val="lt1"/>
+          </a:fontRef>
+        </p:style>
+        <p:txBody>
+          <a:bodyPr rtlCol="0" anchor="ctr"/>
+          <a:lstStyle/>
+          <a:p>
+            <a:pPr algn="ctr"/>
+            <a:endParaRPr lang="en-US"/>
+          </a:p>
+        </p:txBody>
+      </p:sp>
+      <p:sp>
+        <p:nvSpPr>
+          <p:cNvPr id="37" name="Rectangle 36">
+            <a:extLst>
+              <a:ext uri="{FF2B5EF4-FFF2-40B4-BE49-F238E27FC236}">
+                <a16:creationId xmlns:a16="http://schemas.microsoft.com/office/drawing/2014/main" id="{AC8F6C8C-AB5A-4548-942D-E3FD40ACBC49}"/>
+              </a:ext>
+              <a:ext uri="{C183D7F6-B498-43B3-948B-1728B52AA6E4}">
+                <adec:decorative xmlns:adec="http://schemas.microsoft.com/office/drawing/2017/decorative" val="1"/>
+              </a:ext>
+            </a:extLst>
+          </p:cNvPr>
+          <p:cNvSpPr>
+            <a:spLocks noGrp="1" noRot="1" noChangeAspect="1" noMove="1" noResize="1" noEditPoints="1" noAdjustHandles="1" noChangeArrowheads="1" noChangeShapeType="1" noTextEdit="1"/>
+          </p:cNvSpPr>
+          <p:nvPr>
+            <p:extLst>
+              <p:ext uri="{386F3935-93C4-4BCD-93E2-E3B085C9AB24}">
+                <p16:designElem xmlns:p16="http://schemas.microsoft.com/office/powerpoint/2015/main" val="1"/>
+              </p:ext>
+            </p:extLst>
+          </p:nvPr>
+        </p:nvSpPr>
+        <p:spPr>
+          <a:xfrm flipH="1">
+            <a:off x="4038600" y="6400799"/>
+            <a:ext cx="8153398" cy="456772"/>
+          </a:xfrm>
+          <a:prstGeom prst="rect">
+            <a:avLst/>
+          </a:prstGeom>
+          <a:gradFill>
+            <a:gsLst>
+              <a:gs pos="0">
+                <a:srgbClr val="000000">
+                  <a:alpha val="63000"/>
+                </a:srgbClr>
+              </a:gs>
+              <a:gs pos="100000">
+                <a:schemeClr val="accent1">
+                  <a:lumMod val="75000"/>
+                </a:schemeClr>
+              </a:gs>
+            </a:gsLst>
+            <a:lin ang="13800000" scaled="0"/>
+          </a:gradFill>
+          <a:ln>
+            <a:noFill/>
+          </a:ln>
+        </p:spPr>
+        <p:style>
+          <a:lnRef idx="2">
+            <a:schemeClr val="accent1">
+              <a:shade val="50000"/>
+            </a:schemeClr>
+          </a:lnRef>
+          <a:fillRef idx="1">
+            <a:schemeClr val="accent1"/>
+          </a:fillRef>
+          <a:effectRef idx="0">
+            <a:schemeClr val="accent1"/>
+          </a:effectRef>
+          <a:fontRef idx="minor">
+            <a:schemeClr val="lt1"/>
+          </a:fontRef>
+        </p:style>
+        <p:txBody>
+          <a:bodyPr rtlCol="0" anchor="ctr"/>
+          <a:lstStyle/>
+          <a:p>
+            <a:pPr algn="ctr"/>
+            <a:endParaRPr lang="en-US"/>
+          </a:p>
+        </p:txBody>
+      </p:sp>
+    </p:spTree>
+    <p:extLst>
+      <p:ext uri="{BB962C8B-B14F-4D97-AF65-F5344CB8AC3E}">
         <p14:creationId xmlns:p14="http://schemas.microsoft.com/office/powerpoint/2010/main" val="2118869632"/>
       </p:ext>
     </p:extLst>
@@ -7783,6 +9521,670 @@
           </a:p>
         </p:txBody>
       </p:sp>
+      <p:sp>
+        <p:nvSpPr>
+          <p:cNvPr id="12" name="TextBox 11">
+            <a:extLst>
+              <a:ext uri="{FF2B5EF4-FFF2-40B4-BE49-F238E27FC236}">
+                <a16:creationId xmlns:a16="http://schemas.microsoft.com/office/drawing/2014/main" id="{36C1532F-C25D-48BA-88E7-43C27D0511D7}"/>
+              </a:ext>
+            </a:extLst>
+          </p:cNvPr>
+          <p:cNvSpPr txBox="1"/>
+          <p:nvPr/>
+        </p:nvSpPr>
+        <p:spPr>
+          <a:xfrm>
+            <a:off x="1466849" y="2157819"/>
+            <a:ext cx="9610725" cy="1711366"/>
+          </a:xfrm>
+          <a:prstGeom prst="rect">
+            <a:avLst/>
+          </a:prstGeom>
+          <a:noFill/>
+        </p:spPr>
+        <p:txBody>
+          <a:bodyPr wrap="square">
+            <a:spAutoFit/>
+          </a:bodyPr>
+          <a:lstStyle/>
+          <a:p>
+            <a:pPr algn="just">
+              <a:lnSpc>
+                <a:spcPct val="150000"/>
+              </a:lnSpc>
+              <a:spcAft>
+                <a:spcPts val="1000"/>
+              </a:spcAft>
+            </a:pPr>
+            <a:r>
+              <a:rPr lang="pt-BR" sz="1800" dirty="0">
+                <a:effectLst/>
+                <a:latin typeface="Calibri" panose="020F0502020204030204" pitchFamily="34" charset="0"/>
+                <a:ea typeface="Calibri" panose="020F0502020204030204" pitchFamily="34" charset="0"/>
+              </a:rPr>
+              <a:t>A Expectativa de vida, também chamada de esperança de vida, é a expressão usada para indicar o número médio de anos que cada indivíduo provavelmente viverá caso sejam mantidas as mesmas condições vivenciadas no momento do nascimento. Em particular, a expectativa de vida ao nascer indica quantos anos em média um recém-nascido está destinado a viver. </a:t>
+            </a:r>
+            <a:endParaRPr lang="pt-BR" sz="1600" dirty="0">
+              <a:effectLst/>
+              <a:latin typeface="Calibri" panose="020F0502020204030204" pitchFamily="34" charset="0"/>
+              <a:ea typeface="Calibri" panose="020F0502020204030204" pitchFamily="34" charset="0"/>
+            </a:endParaRPr>
+          </a:p>
+        </p:txBody>
+      </p:sp>
+    </p:spTree>
+    <p:extLst>
+      <p:ext uri="{BB962C8B-B14F-4D97-AF65-F5344CB8AC3E}">
+        <p14:creationId xmlns:p14="http://schemas.microsoft.com/office/powerpoint/2010/main" val="1164955474"/>
+      </p:ext>
+    </p:extLst>
+  </p:cSld>
+  <p:clrMapOvr>
+    <a:masterClrMapping/>
+  </p:clrMapOvr>
+</p:sld>
+</file>
+
+<file path=ppt/slides/slide3.xml><?xml version="1.0" encoding="utf-8"?>
+<p:sld xmlns:a="http://schemas.openxmlformats.org/drawingml/2006/main" xmlns:r="http://schemas.openxmlformats.org/officeDocument/2006/relationships" xmlns:p="http://schemas.openxmlformats.org/presentationml/2006/main">
+  <p:cSld>
+    <p:bg>
+      <p:bgPr>
+        <a:solidFill>
+          <a:schemeClr val="bg1"/>
+        </a:solidFill>
+        <a:effectLst/>
+      </p:bgPr>
+    </p:bg>
+    <p:spTree>
+      <p:nvGrpSpPr>
+        <p:cNvPr id="1" name=""/>
+        <p:cNvGrpSpPr/>
+        <p:nvPr/>
+      </p:nvGrpSpPr>
+      <p:grpSpPr>
+        <a:xfrm>
+          <a:off x="0" y="0"/>
+          <a:ext cx="0" cy="0"/>
+          <a:chOff x="0" y="0"/>
+          <a:chExt cx="0" cy="0"/>
+        </a:xfrm>
+      </p:grpSpPr>
+      <p:sp useBgFill="1">
+        <p:nvSpPr>
+          <p:cNvPr id="17" name="Rectangle 19">
+            <a:extLst>
+              <a:ext uri="{FF2B5EF4-FFF2-40B4-BE49-F238E27FC236}">
+                <a16:creationId xmlns:a16="http://schemas.microsoft.com/office/drawing/2014/main" id="{1B15ED52-F352-441B-82BF-E0EA34836D08}"/>
+              </a:ext>
+              <a:ext uri="{C183D7F6-B498-43B3-948B-1728B52AA6E4}">
+                <adec:decorative xmlns:adec="http://schemas.microsoft.com/office/drawing/2017/decorative" val="1"/>
+              </a:ext>
+            </a:extLst>
+          </p:cNvPr>
+          <p:cNvSpPr>
+            <a:spLocks noGrp="1" noRot="1" noChangeAspect="1" noMove="1" noResize="1" noEditPoints="1" noAdjustHandles="1" noChangeArrowheads="1" noChangeShapeType="1" noTextEdit="1"/>
+          </p:cNvSpPr>
+          <p:nvPr>
+            <p:extLst>
+              <p:ext uri="{386F3935-93C4-4BCD-93E2-E3B085C9AB24}">
+                <p16:designElem xmlns:p16="http://schemas.microsoft.com/office/powerpoint/2015/main" val="1"/>
+              </p:ext>
+            </p:extLst>
+          </p:nvPr>
+        </p:nvSpPr>
+        <p:spPr>
+          <a:xfrm>
+            <a:off x="0" y="0"/>
+            <a:ext cx="12192000" cy="6858000"/>
+          </a:xfrm>
+          <a:prstGeom prst="rect">
+            <a:avLst/>
+          </a:prstGeom>
+          <a:ln w="12700" cap="flat" cmpd="sng" algn="ctr">
+            <a:noFill/>
+            <a:prstDash val="solid"/>
+            <a:miter lim="800000"/>
+          </a:ln>
+          <a:effectLst/>
+          <a:extLst>
+            <a:ext uri="{91240B29-F687-4F45-9708-019B960494DF}">
+              <a14:hiddenLine xmlns:a14="http://schemas.microsoft.com/office/drawing/2010/main" w="12700" cap="flat" cmpd="sng" algn="ctr">
+                <a:solidFill>
+                  <a:schemeClr val="accent1">
+                    <a:shade val="50000"/>
+                  </a:schemeClr>
+                </a:solidFill>
+                <a:prstDash val="solid"/>
+                <a:miter lim="800000"/>
+              </a14:hiddenLine>
+            </a:ext>
+          </a:extLst>
+        </p:spPr>
+        <p:style>
+          <a:lnRef idx="2">
+            <a:schemeClr val="accent1">
+              <a:shade val="50000"/>
+            </a:schemeClr>
+          </a:lnRef>
+          <a:fillRef idx="1">
+            <a:schemeClr val="accent1"/>
+          </a:fillRef>
+          <a:effectRef idx="0">
+            <a:schemeClr val="accent1"/>
+          </a:effectRef>
+          <a:fontRef idx="minor">
+            <a:schemeClr val="lt1"/>
+          </a:fontRef>
+        </p:style>
+        <p:txBody>
+          <a:bodyPr rtlCol="0" anchor="ctr"/>
+          <a:lstStyle/>
+          <a:p>
+            <a:pPr algn="ctr"/>
+            <a:endParaRPr lang="en-US"/>
+          </a:p>
+        </p:txBody>
+      </p:sp>
+      <p:sp>
+        <p:nvSpPr>
+          <p:cNvPr id="22" name="Rectangle 21">
+            <a:extLst>
+              <a:ext uri="{FF2B5EF4-FFF2-40B4-BE49-F238E27FC236}">
+                <a16:creationId xmlns:a16="http://schemas.microsoft.com/office/drawing/2014/main" id="{3B2E3793-BFE6-45A2-9B7B-E18844431C99}"/>
+              </a:ext>
+              <a:ext uri="{C183D7F6-B498-43B3-948B-1728B52AA6E4}">
+                <adec:decorative xmlns:adec="http://schemas.microsoft.com/office/drawing/2017/decorative" val="1"/>
+              </a:ext>
+            </a:extLst>
+          </p:cNvPr>
+          <p:cNvSpPr>
+            <a:spLocks noGrp="1" noRot="1" noChangeAspect="1" noMove="1" noResize="1" noEditPoints="1" noAdjustHandles="1" noChangeArrowheads="1" noChangeShapeType="1" noTextEdit="1"/>
+          </p:cNvSpPr>
+          <p:nvPr>
+            <p:extLst>
+              <p:ext uri="{386F3935-93C4-4BCD-93E2-E3B085C9AB24}">
+                <p16:designElem xmlns:p16="http://schemas.microsoft.com/office/powerpoint/2015/main" val="1"/>
+              </p:ext>
+            </p:extLst>
+          </p:nvPr>
+        </p:nvSpPr>
+        <p:spPr>
+          <a:xfrm flipH="1">
+            <a:off x="-1" y="-1"/>
+            <a:ext cx="12191998" cy="1590742"/>
+          </a:xfrm>
+          <a:prstGeom prst="rect">
+            <a:avLst/>
+          </a:prstGeom>
+          <a:gradFill>
+            <a:gsLst>
+              <a:gs pos="0">
+                <a:srgbClr val="000000"/>
+              </a:gs>
+              <a:gs pos="100000">
+                <a:schemeClr val="accent1">
+                  <a:lumMod val="75000"/>
+                </a:schemeClr>
+              </a:gs>
+            </a:gsLst>
+            <a:lin ang="8400000" scaled="0"/>
+          </a:gradFill>
+          <a:ln>
+            <a:noFill/>
+          </a:ln>
+        </p:spPr>
+        <p:style>
+          <a:lnRef idx="2">
+            <a:schemeClr val="accent1">
+              <a:shade val="50000"/>
+            </a:schemeClr>
+          </a:lnRef>
+          <a:fillRef idx="1">
+            <a:schemeClr val="accent1"/>
+          </a:fillRef>
+          <a:effectRef idx="0">
+            <a:schemeClr val="accent1"/>
+          </a:effectRef>
+          <a:fontRef idx="minor">
+            <a:schemeClr val="lt1"/>
+          </a:fontRef>
+        </p:style>
+        <p:txBody>
+          <a:bodyPr rtlCol="0" anchor="ctr"/>
+          <a:lstStyle/>
+          <a:p>
+            <a:pPr algn="ctr"/>
+            <a:endParaRPr lang="en-US"/>
+          </a:p>
+        </p:txBody>
+      </p:sp>
+      <p:sp>
+        <p:nvSpPr>
+          <p:cNvPr id="24" name="Rectangle 23">
+            <a:extLst>
+              <a:ext uri="{FF2B5EF4-FFF2-40B4-BE49-F238E27FC236}">
+                <a16:creationId xmlns:a16="http://schemas.microsoft.com/office/drawing/2014/main" id="{BC4C4868-CB8F-4AF9-9CDB-8108F2C19B67}"/>
+              </a:ext>
+              <a:ext uri="{C183D7F6-B498-43B3-948B-1728B52AA6E4}">
+                <adec:decorative xmlns:adec="http://schemas.microsoft.com/office/drawing/2017/decorative" val="1"/>
+              </a:ext>
+            </a:extLst>
+          </p:cNvPr>
+          <p:cNvSpPr>
+            <a:spLocks noGrp="1" noRot="1" noChangeAspect="1" noMove="1" noResize="1" noEditPoints="1" noAdjustHandles="1" noChangeArrowheads="1" noChangeShapeType="1" noTextEdit="1"/>
+          </p:cNvSpPr>
+          <p:nvPr>
+            <p:extLst>
+              <p:ext uri="{386F3935-93C4-4BCD-93E2-E3B085C9AB24}">
+                <p16:designElem xmlns:p16="http://schemas.microsoft.com/office/powerpoint/2015/main" val="1"/>
+              </p:ext>
+            </p:extLst>
+          </p:nvPr>
+        </p:nvSpPr>
+        <p:spPr>
+          <a:xfrm rot="10800000" flipH="1">
+            <a:off x="-3" y="0"/>
+            <a:ext cx="8115306" cy="1590742"/>
+          </a:xfrm>
+          <a:prstGeom prst="rect">
+            <a:avLst/>
+          </a:prstGeom>
+          <a:gradFill>
+            <a:gsLst>
+              <a:gs pos="20000">
+                <a:schemeClr val="accent1">
+                  <a:alpha val="0"/>
+                </a:schemeClr>
+              </a:gs>
+              <a:gs pos="100000">
+                <a:schemeClr val="accent1">
+                  <a:lumMod val="50000"/>
+                  <a:alpha val="55000"/>
+                </a:schemeClr>
+              </a:gs>
+            </a:gsLst>
+            <a:lin ang="13800000" scaled="0"/>
+          </a:gradFill>
+          <a:ln>
+            <a:noFill/>
+          </a:ln>
+        </p:spPr>
+        <p:style>
+          <a:lnRef idx="2">
+            <a:schemeClr val="accent1">
+              <a:shade val="50000"/>
+            </a:schemeClr>
+          </a:lnRef>
+          <a:fillRef idx="1">
+            <a:schemeClr val="accent1"/>
+          </a:fillRef>
+          <a:effectRef idx="0">
+            <a:schemeClr val="accent1"/>
+          </a:effectRef>
+          <a:fontRef idx="minor">
+            <a:schemeClr val="lt1"/>
+          </a:fontRef>
+        </p:style>
+        <p:txBody>
+          <a:bodyPr rtlCol="0" anchor="ctr"/>
+          <a:lstStyle/>
+          <a:p>
+            <a:pPr algn="ctr"/>
+            <a:endParaRPr lang="en-US"/>
+          </a:p>
+        </p:txBody>
+      </p:sp>
+      <p:sp>
+        <p:nvSpPr>
+          <p:cNvPr id="26" name="Rectangle 25">
+            <a:extLst>
+              <a:ext uri="{FF2B5EF4-FFF2-40B4-BE49-F238E27FC236}">
+                <a16:creationId xmlns:a16="http://schemas.microsoft.com/office/drawing/2014/main" id="{375E0459-6403-40CD-989D-56A4407CA12E}"/>
+              </a:ext>
+              <a:ext uri="{C183D7F6-B498-43B3-948B-1728B52AA6E4}">
+                <adec:decorative xmlns:adec="http://schemas.microsoft.com/office/drawing/2017/decorative" val="1"/>
+              </a:ext>
+            </a:extLst>
+          </p:cNvPr>
+          <p:cNvSpPr>
+            <a:spLocks noGrp="1" noRot="1" noChangeAspect="1" noMove="1" noResize="1" noEditPoints="1" noAdjustHandles="1" noChangeArrowheads="1" noChangeShapeType="1" noTextEdit="1"/>
+          </p:cNvSpPr>
+          <p:nvPr>
+            <p:extLst>
+              <p:ext uri="{386F3935-93C4-4BCD-93E2-E3B085C9AB24}">
+                <p16:designElem xmlns:p16="http://schemas.microsoft.com/office/powerpoint/2015/main" val="1"/>
+              </p:ext>
+            </p:extLst>
+          </p:nvPr>
+        </p:nvSpPr>
+        <p:spPr>
+          <a:xfrm flipH="1">
+            <a:off x="8115299" y="-1"/>
+            <a:ext cx="4076698" cy="1590742"/>
+          </a:xfrm>
+          <a:prstGeom prst="rect">
+            <a:avLst/>
+          </a:prstGeom>
+          <a:gradFill>
+            <a:gsLst>
+              <a:gs pos="0">
+                <a:schemeClr val="accent1">
+                  <a:alpha val="66000"/>
+                </a:schemeClr>
+              </a:gs>
+              <a:gs pos="100000">
+                <a:srgbClr val="000000">
+                  <a:alpha val="30000"/>
+                </a:srgbClr>
+              </a:gs>
+            </a:gsLst>
+            <a:lin ang="13200000" scaled="0"/>
+          </a:gradFill>
+          <a:ln>
+            <a:noFill/>
+          </a:ln>
+        </p:spPr>
+        <p:style>
+          <a:lnRef idx="2">
+            <a:schemeClr val="accent1">
+              <a:shade val="50000"/>
+            </a:schemeClr>
+          </a:lnRef>
+          <a:fillRef idx="1">
+            <a:schemeClr val="accent1"/>
+          </a:fillRef>
+          <a:effectRef idx="0">
+            <a:schemeClr val="accent1"/>
+          </a:effectRef>
+          <a:fontRef idx="minor">
+            <a:schemeClr val="lt1"/>
+          </a:fontRef>
+        </p:style>
+        <p:txBody>
+          <a:bodyPr rtlCol="0" anchor="ctr"/>
+          <a:lstStyle/>
+          <a:p>
+            <a:pPr algn="ctr"/>
+            <a:endParaRPr lang="en-US"/>
+          </a:p>
+        </p:txBody>
+      </p:sp>
+      <p:sp>
+        <p:nvSpPr>
+          <p:cNvPr id="28" name="Rectangle 27">
+            <a:extLst>
+              <a:ext uri="{FF2B5EF4-FFF2-40B4-BE49-F238E27FC236}">
+                <a16:creationId xmlns:a16="http://schemas.microsoft.com/office/drawing/2014/main" id="{53E5B1A8-3AC9-4BD1-9BBC-78CA94F2D1BA}"/>
+              </a:ext>
+              <a:ext uri="{C183D7F6-B498-43B3-948B-1728B52AA6E4}">
+                <adec:decorative xmlns:adec="http://schemas.microsoft.com/office/drawing/2017/decorative" val="1"/>
+              </a:ext>
+            </a:extLst>
+          </p:cNvPr>
+          <p:cNvSpPr>
+            <a:spLocks noGrp="1" noRot="1" noChangeAspect="1" noMove="1" noResize="1" noEditPoints="1" noAdjustHandles="1" noChangeArrowheads="1" noChangeShapeType="1" noTextEdit="1"/>
+          </p:cNvSpPr>
+          <p:nvPr>
+            <p:extLst>
+              <p:ext uri="{386F3935-93C4-4BCD-93E2-E3B085C9AB24}">
+                <p16:designElem xmlns:p16="http://schemas.microsoft.com/office/powerpoint/2015/main" val="1"/>
+              </p:ext>
+            </p:extLst>
+          </p:nvPr>
+        </p:nvSpPr>
+        <p:spPr>
+          <a:xfrm>
+            <a:off x="459350" y="-1"/>
+            <a:ext cx="11732646" cy="1597433"/>
+          </a:xfrm>
+          <a:prstGeom prst="rect">
+            <a:avLst/>
+          </a:prstGeom>
+          <a:gradFill>
+            <a:gsLst>
+              <a:gs pos="50000">
+                <a:srgbClr val="000000">
+                  <a:alpha val="0"/>
+                </a:srgbClr>
+              </a:gs>
+              <a:gs pos="99000">
+                <a:schemeClr val="accent1">
+                  <a:lumMod val="50000"/>
+                  <a:alpha val="52000"/>
+                </a:schemeClr>
+              </a:gs>
+            </a:gsLst>
+            <a:lin ang="16800000" scaled="0"/>
+          </a:gradFill>
+          <a:ln>
+            <a:noFill/>
+          </a:ln>
+        </p:spPr>
+        <p:style>
+          <a:lnRef idx="2">
+            <a:schemeClr val="accent1">
+              <a:shade val="50000"/>
+            </a:schemeClr>
+          </a:lnRef>
+          <a:fillRef idx="1">
+            <a:schemeClr val="accent1"/>
+          </a:fillRef>
+          <a:effectRef idx="0">
+            <a:schemeClr val="accent1"/>
+          </a:effectRef>
+          <a:fontRef idx="minor">
+            <a:schemeClr val="lt1"/>
+          </a:fontRef>
+        </p:style>
+        <p:txBody>
+          <a:bodyPr rtlCol="0" anchor="ctr"/>
+          <a:lstStyle/>
+          <a:p>
+            <a:pPr algn="ctr"/>
+            <a:endParaRPr lang="en-US"/>
+          </a:p>
+        </p:txBody>
+      </p:sp>
+      <p:sp>
+        <p:nvSpPr>
+          <p:cNvPr id="2" name="Title 1">
+            <a:extLst>
+              <a:ext uri="{FF2B5EF4-FFF2-40B4-BE49-F238E27FC236}">
+                <a16:creationId xmlns:a16="http://schemas.microsoft.com/office/drawing/2014/main" id="{66025AB0-B8E8-4B50-BA5F-97C60F08910B}"/>
+              </a:ext>
+            </a:extLst>
+          </p:cNvPr>
+          <p:cNvSpPr>
+            <a:spLocks noGrp="1"/>
+          </p:cNvSpPr>
+          <p:nvPr>
+            <p:ph type="title"/>
+          </p:nvPr>
+        </p:nvSpPr>
+        <p:spPr>
+          <a:xfrm>
+            <a:off x="1371599" y="402118"/>
+            <a:ext cx="9895951" cy="1033669"/>
+          </a:xfrm>
+        </p:spPr>
+        <p:txBody>
+          <a:bodyPr>
+            <a:noAutofit/>
+          </a:bodyPr>
+          <a:lstStyle/>
+          <a:p>
+            <a:pPr algn="ctr">
+              <a:lnSpc>
+                <a:spcPct val="100000"/>
+              </a:lnSpc>
+            </a:pPr>
+            <a:r>
+              <a:rPr lang="pt-BR" sz="2800" b="1" dirty="0">
+                <a:solidFill>
+                  <a:schemeClr val="bg1"/>
+                </a:solidFill>
+                <a:effectLst/>
+                <a:latin typeface="Arial" panose="020B0604020202020204" pitchFamily="34" charset="0"/>
+                <a:ea typeface="Arial" panose="020B0604020202020204" pitchFamily="34" charset="0"/>
+              </a:rPr>
+              <a:t>Previsão da Expectativa de Vida da População </a:t>
+            </a:r>
+            <a:br>
+              <a:rPr lang="pt-BR" sz="2800" b="1" dirty="0">
+                <a:solidFill>
+                  <a:schemeClr val="bg1"/>
+                </a:solidFill>
+                <a:effectLst/>
+                <a:latin typeface="Arial" panose="020B0604020202020204" pitchFamily="34" charset="0"/>
+                <a:ea typeface="Arial" panose="020B0604020202020204" pitchFamily="34" charset="0"/>
+              </a:rPr>
+            </a:br>
+            <a:r>
+              <a:rPr lang="pt-BR" sz="2800" b="1" dirty="0">
+                <a:solidFill>
+                  <a:schemeClr val="bg1"/>
+                </a:solidFill>
+                <a:effectLst/>
+                <a:latin typeface="Arial" panose="020B0604020202020204" pitchFamily="34" charset="0"/>
+                <a:ea typeface="Arial" panose="020B0604020202020204" pitchFamily="34" charset="0"/>
+              </a:rPr>
+              <a:t>Utilizando Algoritmos de Machine Learning</a:t>
+            </a:r>
+            <a:br>
+              <a:rPr lang="pt-BR" sz="2400" dirty="0">
+                <a:solidFill>
+                  <a:schemeClr val="bg1"/>
+                </a:solidFill>
+                <a:effectLst/>
+                <a:latin typeface="Calibri" panose="020F0502020204030204" pitchFamily="34" charset="0"/>
+                <a:ea typeface="Calibri" panose="020F0502020204030204" pitchFamily="34" charset="0"/>
+              </a:rPr>
+            </a:br>
+            <a:endParaRPr lang="pt-BR" sz="2800" dirty="0">
+              <a:solidFill>
+                <a:schemeClr val="bg1"/>
+              </a:solidFill>
+            </a:endParaRPr>
+          </a:p>
+        </p:txBody>
+      </p:sp>
+      <p:sp>
+        <p:nvSpPr>
+          <p:cNvPr id="9" name="TextBox 8">
+            <a:extLst>
+              <a:ext uri="{FF2B5EF4-FFF2-40B4-BE49-F238E27FC236}">
+                <a16:creationId xmlns:a16="http://schemas.microsoft.com/office/drawing/2014/main" id="{FAB47FCF-2B3F-4AFC-80A1-1199019BCCBD}"/>
+              </a:ext>
+            </a:extLst>
+          </p:cNvPr>
+          <p:cNvSpPr txBox="1"/>
+          <p:nvPr/>
+        </p:nvSpPr>
+        <p:spPr>
+          <a:xfrm>
+            <a:off x="1485375" y="1837905"/>
+            <a:ext cx="9982200" cy="2126864"/>
+          </a:xfrm>
+          <a:prstGeom prst="rect">
+            <a:avLst/>
+          </a:prstGeom>
+          <a:noFill/>
+        </p:spPr>
+        <p:txBody>
+          <a:bodyPr wrap="square">
+            <a:spAutoFit/>
+          </a:bodyPr>
+          <a:lstStyle/>
+          <a:p>
+            <a:pPr indent="450215" algn="just">
+              <a:lnSpc>
+                <a:spcPct val="150000"/>
+              </a:lnSpc>
+              <a:spcAft>
+                <a:spcPts val="1000"/>
+              </a:spcAft>
+            </a:pPr>
+            <a:r>
+              <a:rPr lang="pt-BR" sz="1800" dirty="0">
+                <a:effectLst/>
+                <a:latin typeface="Calibri" panose="020F0502020204030204" pitchFamily="34" charset="0"/>
+                <a:ea typeface="Calibri" panose="020F0502020204030204" pitchFamily="34" charset="0"/>
+              </a:rPr>
+              <a:t>O objetivo deste trabalho é realizar uma análise exploratória que permitirá de individuar os fatores correlacionados a redução ou aumento da expectativa de vida, identificar um modelo matemático que possa ser usado para a previsão da expectativa de vida, comparar a performance de vários modelos de machine learning e a realização de cenários que possam auxiliar na tomada de decisões de investimentos público e privado.  </a:t>
+            </a:r>
+            <a:endParaRPr lang="pt-BR" sz="1600" dirty="0">
+              <a:effectLst/>
+              <a:latin typeface="Calibri" panose="020F0502020204030204" pitchFamily="34" charset="0"/>
+              <a:ea typeface="Calibri" panose="020F0502020204030204" pitchFamily="34" charset="0"/>
+            </a:endParaRPr>
+          </a:p>
+        </p:txBody>
+      </p:sp>
+      <p:sp>
+        <p:nvSpPr>
+          <p:cNvPr id="13" name="TextBox 12">
+            <a:extLst>
+              <a:ext uri="{FF2B5EF4-FFF2-40B4-BE49-F238E27FC236}">
+                <a16:creationId xmlns:a16="http://schemas.microsoft.com/office/drawing/2014/main" id="{4EB56989-17EF-43D1-B423-88B0A6F905E4}"/>
+              </a:ext>
+            </a:extLst>
+          </p:cNvPr>
+          <p:cNvSpPr txBox="1"/>
+          <p:nvPr/>
+        </p:nvSpPr>
+        <p:spPr>
+          <a:xfrm>
+            <a:off x="1857376" y="4409841"/>
+            <a:ext cx="9077324" cy="880369"/>
+          </a:xfrm>
+          <a:prstGeom prst="rect">
+            <a:avLst/>
+          </a:prstGeom>
+          <a:noFill/>
+        </p:spPr>
+        <p:txBody>
+          <a:bodyPr wrap="square">
+            <a:spAutoFit/>
+          </a:bodyPr>
+          <a:lstStyle/>
+          <a:p>
+            <a:pPr indent="450215" algn="ctr">
+              <a:lnSpc>
+                <a:spcPct val="150000"/>
+              </a:lnSpc>
+              <a:spcAft>
+                <a:spcPts val="1000"/>
+              </a:spcAft>
+            </a:pPr>
+            <a:r>
+              <a:rPr lang="pt-BR" sz="1800" dirty="0">
+                <a:effectLst/>
+                <a:latin typeface="Calibri" panose="020F0502020204030204" pitchFamily="34" charset="0"/>
+                <a:ea typeface="Calibri" panose="020F0502020204030204" pitchFamily="34" charset="0"/>
+              </a:rPr>
+              <a:t>O objetivo maior deste projeto não é somente prever a expectativa de vida nos países mas identificar fatores diretamente vinculados</a:t>
+            </a:r>
+            <a:r>
+              <a:rPr lang="pt-BR" sz="1800" b="1" dirty="0">
+                <a:solidFill>
+                  <a:srgbClr val="000000"/>
+                </a:solidFill>
+                <a:effectLst/>
+                <a:latin typeface="Calibri" panose="020F0502020204030204" pitchFamily="34" charset="0"/>
+                <a:ea typeface="Calibri" panose="020F0502020204030204" pitchFamily="34" charset="0"/>
+              </a:rPr>
+              <a:t>. </a:t>
+            </a:r>
+            <a:endParaRPr lang="pt-BR" sz="1600" dirty="0">
+              <a:effectLst/>
+              <a:latin typeface="Calibri" panose="020F0502020204030204" pitchFamily="34" charset="0"/>
+              <a:ea typeface="Calibri" panose="020F0502020204030204" pitchFamily="34" charset="0"/>
+            </a:endParaRPr>
+          </a:p>
+        </p:txBody>
+      </p:sp>
     </p:spTree>
     <p:extLst>
       <p:ext uri="{BB962C8B-B14F-4D97-AF65-F5344CB8AC3E}">
@@ -7796,7 +10198,830 @@
 </p:sld>
 </file>
 
-<file path=ppt/slides/slide3.xml><?xml version="1.0" encoding="utf-8"?>
+<file path=ppt/slides/slide4.xml><?xml version="1.0" encoding="utf-8"?>
+<p:sld xmlns:a="http://schemas.openxmlformats.org/drawingml/2006/main" xmlns:r="http://schemas.openxmlformats.org/officeDocument/2006/relationships" xmlns:p="http://schemas.openxmlformats.org/presentationml/2006/main">
+  <p:cSld>
+    <p:bg>
+      <p:bgPr>
+        <a:solidFill>
+          <a:schemeClr val="bg1"/>
+        </a:solidFill>
+        <a:effectLst/>
+      </p:bgPr>
+    </p:bg>
+    <p:spTree>
+      <p:nvGrpSpPr>
+        <p:cNvPr id="1" name=""/>
+        <p:cNvGrpSpPr/>
+        <p:nvPr/>
+      </p:nvGrpSpPr>
+      <p:grpSpPr>
+        <a:xfrm>
+          <a:off x="0" y="0"/>
+          <a:ext cx="0" cy="0"/>
+          <a:chOff x="0" y="0"/>
+          <a:chExt cx="0" cy="0"/>
+        </a:xfrm>
+      </p:grpSpPr>
+      <p:sp useBgFill="1">
+        <p:nvSpPr>
+          <p:cNvPr id="17" name="Rectangle 19">
+            <a:extLst>
+              <a:ext uri="{FF2B5EF4-FFF2-40B4-BE49-F238E27FC236}">
+                <a16:creationId xmlns:a16="http://schemas.microsoft.com/office/drawing/2014/main" id="{1B15ED52-F352-441B-82BF-E0EA34836D08}"/>
+              </a:ext>
+              <a:ext uri="{C183D7F6-B498-43B3-948B-1728B52AA6E4}">
+                <adec:decorative xmlns:adec="http://schemas.microsoft.com/office/drawing/2017/decorative" val="1"/>
+              </a:ext>
+            </a:extLst>
+          </p:cNvPr>
+          <p:cNvSpPr>
+            <a:spLocks noGrp="1" noRot="1" noChangeAspect="1" noMove="1" noResize="1" noEditPoints="1" noAdjustHandles="1" noChangeArrowheads="1" noChangeShapeType="1" noTextEdit="1"/>
+          </p:cNvSpPr>
+          <p:nvPr>
+            <p:extLst>
+              <p:ext uri="{386F3935-93C4-4BCD-93E2-E3B085C9AB24}">
+                <p16:designElem xmlns:p16="http://schemas.microsoft.com/office/powerpoint/2015/main" val="1"/>
+              </p:ext>
+            </p:extLst>
+          </p:nvPr>
+        </p:nvSpPr>
+        <p:spPr>
+          <a:xfrm>
+            <a:off x="0" y="0"/>
+            <a:ext cx="12192000" cy="6858000"/>
+          </a:xfrm>
+          <a:prstGeom prst="rect">
+            <a:avLst/>
+          </a:prstGeom>
+          <a:ln w="12700" cap="flat" cmpd="sng" algn="ctr">
+            <a:noFill/>
+            <a:prstDash val="solid"/>
+            <a:miter lim="800000"/>
+          </a:ln>
+          <a:effectLst/>
+          <a:extLst>
+            <a:ext uri="{91240B29-F687-4F45-9708-019B960494DF}">
+              <a14:hiddenLine xmlns:a14="http://schemas.microsoft.com/office/drawing/2010/main" w="12700" cap="flat" cmpd="sng" algn="ctr">
+                <a:solidFill>
+                  <a:schemeClr val="accent1">
+                    <a:shade val="50000"/>
+                  </a:schemeClr>
+                </a:solidFill>
+                <a:prstDash val="solid"/>
+                <a:miter lim="800000"/>
+              </a14:hiddenLine>
+            </a:ext>
+          </a:extLst>
+        </p:spPr>
+        <p:style>
+          <a:lnRef idx="2">
+            <a:schemeClr val="accent1">
+              <a:shade val="50000"/>
+            </a:schemeClr>
+          </a:lnRef>
+          <a:fillRef idx="1">
+            <a:schemeClr val="accent1"/>
+          </a:fillRef>
+          <a:effectRef idx="0">
+            <a:schemeClr val="accent1"/>
+          </a:effectRef>
+          <a:fontRef idx="minor">
+            <a:schemeClr val="lt1"/>
+          </a:fontRef>
+        </p:style>
+        <p:txBody>
+          <a:bodyPr rtlCol="0" anchor="ctr"/>
+          <a:lstStyle/>
+          <a:p>
+            <a:pPr algn="ctr"/>
+            <a:endParaRPr lang="en-US"/>
+          </a:p>
+        </p:txBody>
+      </p:sp>
+      <p:sp>
+        <p:nvSpPr>
+          <p:cNvPr id="22" name="Rectangle 21">
+            <a:extLst>
+              <a:ext uri="{FF2B5EF4-FFF2-40B4-BE49-F238E27FC236}">
+                <a16:creationId xmlns:a16="http://schemas.microsoft.com/office/drawing/2014/main" id="{3B2E3793-BFE6-45A2-9B7B-E18844431C99}"/>
+              </a:ext>
+              <a:ext uri="{C183D7F6-B498-43B3-948B-1728B52AA6E4}">
+                <adec:decorative xmlns:adec="http://schemas.microsoft.com/office/drawing/2017/decorative" val="1"/>
+              </a:ext>
+            </a:extLst>
+          </p:cNvPr>
+          <p:cNvSpPr>
+            <a:spLocks noGrp="1" noRot="1" noChangeAspect="1" noMove="1" noResize="1" noEditPoints="1" noAdjustHandles="1" noChangeArrowheads="1" noChangeShapeType="1" noTextEdit="1"/>
+          </p:cNvSpPr>
+          <p:nvPr>
+            <p:extLst>
+              <p:ext uri="{386F3935-93C4-4BCD-93E2-E3B085C9AB24}">
+                <p16:designElem xmlns:p16="http://schemas.microsoft.com/office/powerpoint/2015/main" val="1"/>
+              </p:ext>
+            </p:extLst>
+          </p:nvPr>
+        </p:nvSpPr>
+        <p:spPr>
+          <a:xfrm flipH="1">
+            <a:off x="-1" y="-1"/>
+            <a:ext cx="12191998" cy="1590742"/>
+          </a:xfrm>
+          <a:prstGeom prst="rect">
+            <a:avLst/>
+          </a:prstGeom>
+          <a:gradFill>
+            <a:gsLst>
+              <a:gs pos="0">
+                <a:srgbClr val="000000"/>
+              </a:gs>
+              <a:gs pos="100000">
+                <a:schemeClr val="accent1">
+                  <a:lumMod val="75000"/>
+                </a:schemeClr>
+              </a:gs>
+            </a:gsLst>
+            <a:lin ang="8400000" scaled="0"/>
+          </a:gradFill>
+          <a:ln>
+            <a:noFill/>
+          </a:ln>
+        </p:spPr>
+        <p:style>
+          <a:lnRef idx="2">
+            <a:schemeClr val="accent1">
+              <a:shade val="50000"/>
+            </a:schemeClr>
+          </a:lnRef>
+          <a:fillRef idx="1">
+            <a:schemeClr val="accent1"/>
+          </a:fillRef>
+          <a:effectRef idx="0">
+            <a:schemeClr val="accent1"/>
+          </a:effectRef>
+          <a:fontRef idx="minor">
+            <a:schemeClr val="lt1"/>
+          </a:fontRef>
+        </p:style>
+        <p:txBody>
+          <a:bodyPr rtlCol="0" anchor="ctr"/>
+          <a:lstStyle/>
+          <a:p>
+            <a:pPr algn="ctr"/>
+            <a:endParaRPr lang="en-US"/>
+          </a:p>
+        </p:txBody>
+      </p:sp>
+      <p:sp>
+        <p:nvSpPr>
+          <p:cNvPr id="24" name="Rectangle 23">
+            <a:extLst>
+              <a:ext uri="{FF2B5EF4-FFF2-40B4-BE49-F238E27FC236}">
+                <a16:creationId xmlns:a16="http://schemas.microsoft.com/office/drawing/2014/main" id="{BC4C4868-CB8F-4AF9-9CDB-8108F2C19B67}"/>
+              </a:ext>
+              <a:ext uri="{C183D7F6-B498-43B3-948B-1728B52AA6E4}">
+                <adec:decorative xmlns:adec="http://schemas.microsoft.com/office/drawing/2017/decorative" val="1"/>
+              </a:ext>
+            </a:extLst>
+          </p:cNvPr>
+          <p:cNvSpPr>
+            <a:spLocks noGrp="1" noRot="1" noChangeAspect="1" noMove="1" noResize="1" noEditPoints="1" noAdjustHandles="1" noChangeArrowheads="1" noChangeShapeType="1" noTextEdit="1"/>
+          </p:cNvSpPr>
+          <p:nvPr>
+            <p:extLst>
+              <p:ext uri="{386F3935-93C4-4BCD-93E2-E3B085C9AB24}">
+                <p16:designElem xmlns:p16="http://schemas.microsoft.com/office/powerpoint/2015/main" val="1"/>
+              </p:ext>
+            </p:extLst>
+          </p:nvPr>
+        </p:nvSpPr>
+        <p:spPr>
+          <a:xfrm rot="10800000" flipH="1">
+            <a:off x="-3" y="0"/>
+            <a:ext cx="8115306" cy="1590742"/>
+          </a:xfrm>
+          <a:prstGeom prst="rect">
+            <a:avLst/>
+          </a:prstGeom>
+          <a:gradFill>
+            <a:gsLst>
+              <a:gs pos="20000">
+                <a:schemeClr val="accent1">
+                  <a:alpha val="0"/>
+                </a:schemeClr>
+              </a:gs>
+              <a:gs pos="100000">
+                <a:schemeClr val="accent1">
+                  <a:lumMod val="50000"/>
+                  <a:alpha val="55000"/>
+                </a:schemeClr>
+              </a:gs>
+            </a:gsLst>
+            <a:lin ang="13800000" scaled="0"/>
+          </a:gradFill>
+          <a:ln>
+            <a:noFill/>
+          </a:ln>
+        </p:spPr>
+        <p:style>
+          <a:lnRef idx="2">
+            <a:schemeClr val="accent1">
+              <a:shade val="50000"/>
+            </a:schemeClr>
+          </a:lnRef>
+          <a:fillRef idx="1">
+            <a:schemeClr val="accent1"/>
+          </a:fillRef>
+          <a:effectRef idx="0">
+            <a:schemeClr val="accent1"/>
+          </a:effectRef>
+          <a:fontRef idx="minor">
+            <a:schemeClr val="lt1"/>
+          </a:fontRef>
+        </p:style>
+        <p:txBody>
+          <a:bodyPr rtlCol="0" anchor="ctr"/>
+          <a:lstStyle/>
+          <a:p>
+            <a:pPr algn="ctr"/>
+            <a:endParaRPr lang="en-US"/>
+          </a:p>
+        </p:txBody>
+      </p:sp>
+      <p:sp>
+        <p:nvSpPr>
+          <p:cNvPr id="26" name="Rectangle 25">
+            <a:extLst>
+              <a:ext uri="{FF2B5EF4-FFF2-40B4-BE49-F238E27FC236}">
+                <a16:creationId xmlns:a16="http://schemas.microsoft.com/office/drawing/2014/main" id="{375E0459-6403-40CD-989D-56A4407CA12E}"/>
+              </a:ext>
+              <a:ext uri="{C183D7F6-B498-43B3-948B-1728B52AA6E4}">
+                <adec:decorative xmlns:adec="http://schemas.microsoft.com/office/drawing/2017/decorative" val="1"/>
+              </a:ext>
+            </a:extLst>
+          </p:cNvPr>
+          <p:cNvSpPr>
+            <a:spLocks noGrp="1" noRot="1" noChangeAspect="1" noMove="1" noResize="1" noEditPoints="1" noAdjustHandles="1" noChangeArrowheads="1" noChangeShapeType="1" noTextEdit="1"/>
+          </p:cNvSpPr>
+          <p:nvPr>
+            <p:extLst>
+              <p:ext uri="{386F3935-93C4-4BCD-93E2-E3B085C9AB24}">
+                <p16:designElem xmlns:p16="http://schemas.microsoft.com/office/powerpoint/2015/main" val="1"/>
+              </p:ext>
+            </p:extLst>
+          </p:nvPr>
+        </p:nvSpPr>
+        <p:spPr>
+          <a:xfrm flipH="1">
+            <a:off x="8115299" y="-1"/>
+            <a:ext cx="4076698" cy="1590742"/>
+          </a:xfrm>
+          <a:prstGeom prst="rect">
+            <a:avLst/>
+          </a:prstGeom>
+          <a:gradFill>
+            <a:gsLst>
+              <a:gs pos="0">
+                <a:schemeClr val="accent1">
+                  <a:alpha val="66000"/>
+                </a:schemeClr>
+              </a:gs>
+              <a:gs pos="100000">
+                <a:srgbClr val="000000">
+                  <a:alpha val="30000"/>
+                </a:srgbClr>
+              </a:gs>
+            </a:gsLst>
+            <a:lin ang="13200000" scaled="0"/>
+          </a:gradFill>
+          <a:ln>
+            <a:noFill/>
+          </a:ln>
+        </p:spPr>
+        <p:style>
+          <a:lnRef idx="2">
+            <a:schemeClr val="accent1">
+              <a:shade val="50000"/>
+            </a:schemeClr>
+          </a:lnRef>
+          <a:fillRef idx="1">
+            <a:schemeClr val="accent1"/>
+          </a:fillRef>
+          <a:effectRef idx="0">
+            <a:schemeClr val="accent1"/>
+          </a:effectRef>
+          <a:fontRef idx="minor">
+            <a:schemeClr val="lt1"/>
+          </a:fontRef>
+        </p:style>
+        <p:txBody>
+          <a:bodyPr rtlCol="0" anchor="ctr"/>
+          <a:lstStyle/>
+          <a:p>
+            <a:pPr algn="ctr"/>
+            <a:endParaRPr lang="en-US"/>
+          </a:p>
+        </p:txBody>
+      </p:sp>
+      <p:sp>
+        <p:nvSpPr>
+          <p:cNvPr id="28" name="Rectangle 27">
+            <a:extLst>
+              <a:ext uri="{FF2B5EF4-FFF2-40B4-BE49-F238E27FC236}">
+                <a16:creationId xmlns:a16="http://schemas.microsoft.com/office/drawing/2014/main" id="{53E5B1A8-3AC9-4BD1-9BBC-78CA94F2D1BA}"/>
+              </a:ext>
+              <a:ext uri="{C183D7F6-B498-43B3-948B-1728B52AA6E4}">
+                <adec:decorative xmlns:adec="http://schemas.microsoft.com/office/drawing/2017/decorative" val="1"/>
+              </a:ext>
+            </a:extLst>
+          </p:cNvPr>
+          <p:cNvSpPr>
+            <a:spLocks noGrp="1" noRot="1" noChangeAspect="1" noMove="1" noResize="1" noEditPoints="1" noAdjustHandles="1" noChangeArrowheads="1" noChangeShapeType="1" noTextEdit="1"/>
+          </p:cNvSpPr>
+          <p:nvPr>
+            <p:extLst>
+              <p:ext uri="{386F3935-93C4-4BCD-93E2-E3B085C9AB24}">
+                <p16:designElem xmlns:p16="http://schemas.microsoft.com/office/powerpoint/2015/main" val="1"/>
+              </p:ext>
+            </p:extLst>
+          </p:nvPr>
+        </p:nvSpPr>
+        <p:spPr>
+          <a:xfrm>
+            <a:off x="459350" y="-1"/>
+            <a:ext cx="11732646" cy="1597433"/>
+          </a:xfrm>
+          <a:prstGeom prst="rect">
+            <a:avLst/>
+          </a:prstGeom>
+          <a:gradFill>
+            <a:gsLst>
+              <a:gs pos="50000">
+                <a:srgbClr val="000000">
+                  <a:alpha val="0"/>
+                </a:srgbClr>
+              </a:gs>
+              <a:gs pos="99000">
+                <a:schemeClr val="accent1">
+                  <a:lumMod val="50000"/>
+                  <a:alpha val="52000"/>
+                </a:schemeClr>
+              </a:gs>
+            </a:gsLst>
+            <a:lin ang="16800000" scaled="0"/>
+          </a:gradFill>
+          <a:ln>
+            <a:noFill/>
+          </a:ln>
+        </p:spPr>
+        <p:style>
+          <a:lnRef idx="2">
+            <a:schemeClr val="accent1">
+              <a:shade val="50000"/>
+            </a:schemeClr>
+          </a:lnRef>
+          <a:fillRef idx="1">
+            <a:schemeClr val="accent1"/>
+          </a:fillRef>
+          <a:effectRef idx="0">
+            <a:schemeClr val="accent1"/>
+          </a:effectRef>
+          <a:fontRef idx="minor">
+            <a:schemeClr val="lt1"/>
+          </a:fontRef>
+        </p:style>
+        <p:txBody>
+          <a:bodyPr rtlCol="0" anchor="ctr"/>
+          <a:lstStyle/>
+          <a:p>
+            <a:pPr algn="ctr"/>
+            <a:endParaRPr lang="en-US"/>
+          </a:p>
+        </p:txBody>
+      </p:sp>
+      <p:sp>
+        <p:nvSpPr>
+          <p:cNvPr id="2" name="Title 1">
+            <a:extLst>
+              <a:ext uri="{FF2B5EF4-FFF2-40B4-BE49-F238E27FC236}">
+                <a16:creationId xmlns:a16="http://schemas.microsoft.com/office/drawing/2014/main" id="{66025AB0-B8E8-4B50-BA5F-97C60F08910B}"/>
+              </a:ext>
+            </a:extLst>
+          </p:cNvPr>
+          <p:cNvSpPr>
+            <a:spLocks noGrp="1"/>
+          </p:cNvSpPr>
+          <p:nvPr>
+            <p:ph type="title"/>
+          </p:nvPr>
+        </p:nvSpPr>
+        <p:spPr>
+          <a:xfrm>
+            <a:off x="1371599" y="402118"/>
+            <a:ext cx="9895951" cy="1033669"/>
+          </a:xfrm>
+        </p:spPr>
+        <p:txBody>
+          <a:bodyPr>
+            <a:noAutofit/>
+          </a:bodyPr>
+          <a:lstStyle/>
+          <a:p>
+            <a:pPr algn="ctr">
+              <a:lnSpc>
+                <a:spcPct val="100000"/>
+              </a:lnSpc>
+            </a:pPr>
+            <a:r>
+              <a:rPr lang="pt-BR" sz="2800" b="1" dirty="0">
+                <a:solidFill>
+                  <a:schemeClr val="bg1"/>
+                </a:solidFill>
+                <a:effectLst/>
+                <a:latin typeface="Arial" panose="020B0604020202020204" pitchFamily="34" charset="0"/>
+                <a:ea typeface="Arial" panose="020B0604020202020204" pitchFamily="34" charset="0"/>
+              </a:rPr>
+              <a:t>Previsão da Expectativa de Vida da População </a:t>
+            </a:r>
+            <a:br>
+              <a:rPr lang="pt-BR" sz="2800" b="1" dirty="0">
+                <a:solidFill>
+                  <a:schemeClr val="bg1"/>
+                </a:solidFill>
+                <a:effectLst/>
+                <a:latin typeface="Arial" panose="020B0604020202020204" pitchFamily="34" charset="0"/>
+                <a:ea typeface="Arial" panose="020B0604020202020204" pitchFamily="34" charset="0"/>
+              </a:rPr>
+            </a:br>
+            <a:r>
+              <a:rPr lang="pt-BR" sz="2800" b="1" dirty="0">
+                <a:solidFill>
+                  <a:schemeClr val="bg1"/>
+                </a:solidFill>
+                <a:effectLst/>
+                <a:latin typeface="Arial" panose="020B0604020202020204" pitchFamily="34" charset="0"/>
+                <a:ea typeface="Arial" panose="020B0604020202020204" pitchFamily="34" charset="0"/>
+              </a:rPr>
+              <a:t>Utilizando Algoritmos de Machine Learning</a:t>
+            </a:r>
+            <a:br>
+              <a:rPr lang="pt-BR" sz="2400" dirty="0">
+                <a:solidFill>
+                  <a:schemeClr val="bg1"/>
+                </a:solidFill>
+                <a:effectLst/>
+                <a:latin typeface="Calibri" panose="020F0502020204030204" pitchFamily="34" charset="0"/>
+                <a:ea typeface="Calibri" panose="020F0502020204030204" pitchFamily="34" charset="0"/>
+              </a:rPr>
+            </a:br>
+            <a:endParaRPr lang="pt-BR" sz="2800" dirty="0">
+              <a:solidFill>
+                <a:schemeClr val="bg1"/>
+              </a:solidFill>
+            </a:endParaRPr>
+          </a:p>
+        </p:txBody>
+      </p:sp>
+      <p:sp>
+        <p:nvSpPr>
+          <p:cNvPr id="11" name="TextBox 10">
+            <a:extLst>
+              <a:ext uri="{FF2B5EF4-FFF2-40B4-BE49-F238E27FC236}">
+                <a16:creationId xmlns:a16="http://schemas.microsoft.com/office/drawing/2014/main" id="{219FD0DE-3D68-4495-8664-C4E518537D21}"/>
+              </a:ext>
+            </a:extLst>
+          </p:cNvPr>
+          <p:cNvSpPr txBox="1"/>
+          <p:nvPr/>
+        </p:nvSpPr>
+        <p:spPr>
+          <a:xfrm>
+            <a:off x="1682233" y="1992859"/>
+            <a:ext cx="8827530" cy="3780137"/>
+          </a:xfrm>
+          <a:prstGeom prst="rect">
+            <a:avLst/>
+          </a:prstGeom>
+          <a:noFill/>
+        </p:spPr>
+        <p:txBody>
+          <a:bodyPr wrap="square">
+            <a:spAutoFit/>
+          </a:bodyPr>
+          <a:lstStyle/>
+          <a:p>
+            <a:pPr marL="342900" lvl="0" indent="-342900">
+              <a:lnSpc>
+                <a:spcPct val="150000"/>
+              </a:lnSpc>
+              <a:spcAft>
+                <a:spcPts val="1000"/>
+              </a:spcAft>
+              <a:buSzPts val="800"/>
+              <a:buFont typeface="Arial" panose="020B0604020202020204" pitchFamily="34" charset="0"/>
+              <a:buChar char="●"/>
+            </a:pPr>
+            <a:r>
+              <a:rPr lang="pt-BR" sz="1050" u="none" strike="noStrike" dirty="0">
+                <a:effectLst/>
+                <a:latin typeface="Noto Sans Symbols"/>
+                <a:ea typeface="Noto Sans Symbols"/>
+                <a:cs typeface="Noto Sans Symbols"/>
+              </a:rPr>
+              <a:t>Os vários fatores de previsão escolhidos inicialmente realmente afetam a expectativa de vida? </a:t>
+            </a:r>
+            <a:endParaRPr lang="pt-BR" sz="1000" u="none" strike="noStrike" dirty="0">
+              <a:effectLst/>
+              <a:latin typeface="Noto Sans Symbols"/>
+              <a:ea typeface="Noto Sans Symbols"/>
+              <a:cs typeface="Noto Sans Symbols"/>
+            </a:endParaRPr>
+          </a:p>
+          <a:p>
+            <a:pPr marL="342900" lvl="0" indent="-342900">
+              <a:lnSpc>
+                <a:spcPct val="150000"/>
+              </a:lnSpc>
+              <a:spcAft>
+                <a:spcPts val="1000"/>
+              </a:spcAft>
+              <a:buSzPts val="800"/>
+              <a:buFont typeface="Arial" panose="020B0604020202020204" pitchFamily="34" charset="0"/>
+              <a:buChar char="●"/>
+            </a:pPr>
+            <a:r>
+              <a:rPr lang="pt-BR" sz="1050" u="none" strike="noStrike" dirty="0">
+                <a:effectLst/>
+                <a:latin typeface="Noto Sans Symbols"/>
+                <a:ea typeface="Noto Sans Symbols"/>
+                <a:cs typeface="Noto Sans Symbols"/>
+              </a:rPr>
+              <a:t> Quais são as variáveis de previsão que realmente afetam a expectativa de vida?</a:t>
+            </a:r>
+            <a:endParaRPr lang="pt-BR" sz="1000" u="none" strike="noStrike" dirty="0">
+              <a:effectLst/>
+              <a:latin typeface="Noto Sans Symbols"/>
+              <a:ea typeface="Noto Sans Symbols"/>
+              <a:cs typeface="Noto Sans Symbols"/>
+            </a:endParaRPr>
+          </a:p>
+          <a:p>
+            <a:pPr marL="342900" lvl="0" indent="-342900">
+              <a:lnSpc>
+                <a:spcPct val="150000"/>
+              </a:lnSpc>
+              <a:spcAft>
+                <a:spcPts val="1000"/>
+              </a:spcAft>
+              <a:buSzPts val="800"/>
+              <a:buFont typeface="Arial" panose="020B0604020202020204" pitchFamily="34" charset="0"/>
+              <a:buChar char="●"/>
+            </a:pPr>
+            <a:r>
+              <a:rPr lang="pt-BR" sz="1050" u="none" strike="noStrike" dirty="0">
+                <a:effectLst/>
+                <a:latin typeface="Noto Sans Symbols"/>
+                <a:ea typeface="Noto Sans Symbols"/>
+                <a:cs typeface="Noto Sans Symbols"/>
+              </a:rPr>
+              <a:t>Um país com expectativa de vida menor (&lt;65) deve aumentar seus gastos com saúde para melhorar sua expectativa de vida média?</a:t>
+            </a:r>
+            <a:endParaRPr lang="pt-BR" sz="1000" u="none" strike="noStrike" dirty="0">
+              <a:effectLst/>
+              <a:latin typeface="Noto Sans Symbols"/>
+              <a:ea typeface="Noto Sans Symbols"/>
+              <a:cs typeface="Noto Sans Symbols"/>
+            </a:endParaRPr>
+          </a:p>
+          <a:p>
+            <a:pPr marL="342900" lvl="0" indent="-342900">
+              <a:lnSpc>
+                <a:spcPct val="150000"/>
+              </a:lnSpc>
+              <a:spcAft>
+                <a:spcPts val="1000"/>
+              </a:spcAft>
+              <a:buSzPts val="800"/>
+              <a:buFont typeface="Arial" panose="020B0604020202020204" pitchFamily="34" charset="0"/>
+              <a:buChar char="●"/>
+            </a:pPr>
+            <a:r>
+              <a:rPr lang="pt-BR" sz="1050" u="none" strike="noStrike" dirty="0">
+                <a:effectLst/>
+                <a:latin typeface="Noto Sans Symbols"/>
+                <a:ea typeface="Noto Sans Symbols"/>
+                <a:cs typeface="Noto Sans Symbols"/>
+              </a:rPr>
+              <a:t>Como as taxas de mortalidade de bebês e adultos afetam a expectativa de vida?</a:t>
+            </a:r>
+            <a:endParaRPr lang="pt-BR" sz="1000" u="none" strike="noStrike" dirty="0">
+              <a:effectLst/>
+              <a:latin typeface="Noto Sans Symbols"/>
+              <a:ea typeface="Noto Sans Symbols"/>
+              <a:cs typeface="Noto Sans Symbols"/>
+            </a:endParaRPr>
+          </a:p>
+          <a:p>
+            <a:pPr marL="342900" lvl="0" indent="-342900">
+              <a:lnSpc>
+                <a:spcPct val="150000"/>
+              </a:lnSpc>
+              <a:spcAft>
+                <a:spcPts val="1000"/>
+              </a:spcAft>
+              <a:buSzPts val="800"/>
+              <a:buFont typeface="Arial" panose="020B0604020202020204" pitchFamily="34" charset="0"/>
+              <a:buChar char="●"/>
+            </a:pPr>
+            <a:r>
+              <a:rPr lang="pt-BR" sz="1050" u="none" strike="noStrike" dirty="0">
+                <a:effectLst/>
+                <a:latin typeface="Noto Sans Symbols"/>
+                <a:ea typeface="Noto Sans Symbols"/>
+                <a:cs typeface="Noto Sans Symbols"/>
+              </a:rPr>
+              <a:t>A expectativa de vida tem correlação positiva ou negativa com hábitos alimentares, estilo de vida, exercícios, fumo, bebida alcoólica etc.</a:t>
+            </a:r>
+            <a:endParaRPr lang="pt-BR" sz="1000" u="none" strike="noStrike" dirty="0">
+              <a:effectLst/>
+              <a:latin typeface="Noto Sans Symbols"/>
+              <a:ea typeface="Noto Sans Symbols"/>
+              <a:cs typeface="Noto Sans Symbols"/>
+            </a:endParaRPr>
+          </a:p>
+          <a:p>
+            <a:pPr marL="342900" lvl="0" indent="-342900">
+              <a:lnSpc>
+                <a:spcPct val="150000"/>
+              </a:lnSpc>
+              <a:spcAft>
+                <a:spcPts val="1000"/>
+              </a:spcAft>
+              <a:buSzPts val="800"/>
+              <a:buFont typeface="Arial" panose="020B0604020202020204" pitchFamily="34" charset="0"/>
+              <a:buChar char="●"/>
+            </a:pPr>
+            <a:r>
+              <a:rPr lang="pt-BR" sz="1050" u="none" strike="noStrike" dirty="0">
+                <a:effectLst/>
+                <a:latin typeface="Noto Sans Symbols"/>
+                <a:ea typeface="Noto Sans Symbols"/>
+                <a:cs typeface="Noto Sans Symbols"/>
+              </a:rPr>
+              <a:t> Qual é o impacto da escolaridade na expectativa de vida dos humanos?</a:t>
+            </a:r>
+            <a:endParaRPr lang="pt-BR" sz="1000" u="none" strike="noStrike" dirty="0">
+              <a:effectLst/>
+              <a:latin typeface="Noto Sans Symbols"/>
+              <a:ea typeface="Noto Sans Symbols"/>
+              <a:cs typeface="Noto Sans Symbols"/>
+            </a:endParaRPr>
+          </a:p>
+          <a:p>
+            <a:pPr marL="342900" lvl="0" indent="-342900">
+              <a:lnSpc>
+                <a:spcPct val="150000"/>
+              </a:lnSpc>
+              <a:spcAft>
+                <a:spcPts val="1000"/>
+              </a:spcAft>
+              <a:buSzPts val="800"/>
+              <a:buFont typeface="Arial" panose="020B0604020202020204" pitchFamily="34" charset="0"/>
+              <a:buChar char="●"/>
+            </a:pPr>
+            <a:r>
+              <a:rPr lang="pt-BR" sz="1050" u="none" strike="noStrike" dirty="0">
+                <a:effectLst/>
+                <a:latin typeface="Noto Sans Symbols"/>
+                <a:ea typeface="Noto Sans Symbols"/>
+                <a:cs typeface="Noto Sans Symbols"/>
+              </a:rPr>
+              <a:t>A expectativa de vida tem uma relação positiva ou negativa com o consumo de álcool?</a:t>
+            </a:r>
+            <a:endParaRPr lang="pt-BR" sz="1000" u="none" strike="noStrike" dirty="0">
+              <a:effectLst/>
+              <a:latin typeface="Noto Sans Symbols"/>
+              <a:ea typeface="Noto Sans Symbols"/>
+              <a:cs typeface="Noto Sans Symbols"/>
+            </a:endParaRPr>
+          </a:p>
+          <a:p>
+            <a:pPr marL="342900" lvl="0" indent="-342900">
+              <a:lnSpc>
+                <a:spcPct val="150000"/>
+              </a:lnSpc>
+              <a:spcAft>
+                <a:spcPts val="1000"/>
+              </a:spcAft>
+              <a:buSzPts val="800"/>
+              <a:buFont typeface="Arial" panose="020B0604020202020204" pitchFamily="34" charset="0"/>
+              <a:buChar char="●"/>
+            </a:pPr>
+            <a:r>
+              <a:rPr lang="pt-BR" sz="1050" u="none" strike="noStrike" dirty="0">
+                <a:effectLst/>
+                <a:latin typeface="Noto Sans Symbols"/>
+                <a:ea typeface="Noto Sans Symbols"/>
+                <a:cs typeface="Noto Sans Symbols"/>
+              </a:rPr>
+              <a:t>Países densamente povoados ou altamente populosos tendem a ter menor expectativa de vida?</a:t>
+            </a:r>
+            <a:endParaRPr lang="pt-BR" sz="1000" u="none" strike="noStrike" dirty="0">
+              <a:effectLst/>
+              <a:latin typeface="Noto Sans Symbols"/>
+              <a:ea typeface="Noto Sans Symbols"/>
+              <a:cs typeface="Noto Sans Symbols"/>
+            </a:endParaRPr>
+          </a:p>
+          <a:p>
+            <a:pPr marL="342900" lvl="0" indent="-342900">
+              <a:lnSpc>
+                <a:spcPct val="150000"/>
+              </a:lnSpc>
+              <a:spcAft>
+                <a:spcPts val="1000"/>
+              </a:spcAft>
+              <a:buSzPts val="800"/>
+              <a:buFont typeface="Arial" panose="020B0604020202020204" pitchFamily="34" charset="0"/>
+              <a:buChar char="●"/>
+            </a:pPr>
+            <a:r>
+              <a:rPr lang="pt-BR" sz="1050" u="none" strike="noStrike" dirty="0">
+                <a:effectLst/>
+                <a:latin typeface="Noto Sans Symbols"/>
+                <a:ea typeface="Noto Sans Symbols"/>
+                <a:cs typeface="Noto Sans Symbols"/>
+              </a:rPr>
+              <a:t> Qual é o impacto da cobertura de imunização na expectativa de vida?</a:t>
+            </a:r>
+            <a:endParaRPr lang="pt-BR" sz="1000" u="none" strike="noStrike" dirty="0">
+              <a:effectLst/>
+              <a:latin typeface="Noto Sans Symbols"/>
+              <a:ea typeface="Noto Sans Symbols"/>
+              <a:cs typeface="Noto Sans Symbols"/>
+            </a:endParaRPr>
+          </a:p>
+          <a:p>
+            <a:pPr marL="342900" lvl="0" indent="-342900">
+              <a:lnSpc>
+                <a:spcPct val="150000"/>
+              </a:lnSpc>
+              <a:spcAft>
+                <a:spcPts val="1000"/>
+              </a:spcAft>
+              <a:buSzPts val="800"/>
+              <a:buFont typeface="Arial" panose="020B0604020202020204" pitchFamily="34" charset="0"/>
+              <a:buChar char="●"/>
+            </a:pPr>
+            <a:r>
+              <a:rPr lang="pt-BR" sz="1050" u="none" strike="noStrike" dirty="0">
+                <a:effectLst/>
+                <a:latin typeface="Noto Sans Symbols"/>
+                <a:ea typeface="Noto Sans Symbols"/>
+                <a:cs typeface="Noto Sans Symbols"/>
+              </a:rPr>
+              <a:t>Países mais poluídos </a:t>
+            </a:r>
+            <a:r>
+              <a:rPr lang="pt-BR" sz="1050" dirty="0">
+                <a:latin typeface="Noto Sans Symbols"/>
+                <a:ea typeface="Noto Sans Symbols"/>
+                <a:cs typeface="Noto Sans Symbols"/>
+              </a:rPr>
+              <a:t>a</a:t>
+            </a:r>
+            <a:r>
+              <a:rPr lang="pt-BR" sz="1050" u="none" strike="noStrike" dirty="0">
+                <a:effectLst/>
+                <a:latin typeface="Noto Sans Symbols"/>
+                <a:ea typeface="Noto Sans Symbols"/>
+                <a:cs typeface="Noto Sans Symbols"/>
+              </a:rPr>
+              <a:t>presentam uma expectativa de vida menor?</a:t>
+            </a:r>
+            <a:endParaRPr lang="pt-BR" sz="1000" u="none" strike="noStrike" dirty="0">
+              <a:effectLst/>
+              <a:latin typeface="Noto Sans Symbols"/>
+              <a:ea typeface="Noto Sans Symbols"/>
+              <a:cs typeface="Noto Sans Symbols"/>
+            </a:endParaRPr>
+          </a:p>
+        </p:txBody>
+      </p:sp>
+    </p:spTree>
+    <p:extLst>
+      <p:ext uri="{BB962C8B-B14F-4D97-AF65-F5344CB8AC3E}">
+        <p14:creationId xmlns:p14="http://schemas.microsoft.com/office/powerpoint/2010/main" val="853447997"/>
+      </p:ext>
+    </p:extLst>
+  </p:cSld>
+  <p:clrMapOvr>
+    <a:masterClrMapping/>
+  </p:clrMapOvr>
+</p:sld>
+</file>
+
+<file path=ppt/slides/slide5.xml><?xml version="1.0" encoding="utf-8"?>
 <p:sld xmlns:a="http://schemas.openxmlformats.org/drawingml/2006/main" xmlns:r="http://schemas.openxmlformats.org/officeDocument/2006/relationships" xmlns:p="http://schemas.openxmlformats.org/presentationml/2006/main">
   <p:cSld>
     <p:bg>
@@ -8464,6 +11689,13 @@
             <a:off x="466722" y="586855"/>
             <a:ext cx="3201366" cy="3387497"/>
           </a:xfrm>
+          <a:effectLst>
+            <a:outerShdw blurRad="50800" dist="38100" dir="2700000" algn="tl" rotWithShape="0">
+              <a:prstClr val="black">
+                <a:alpha val="40000"/>
+              </a:prstClr>
+            </a:outerShdw>
+          </a:effectLst>
         </p:spPr>
         <p:txBody>
           <a:bodyPr anchor="b">
@@ -8472,10 +11704,92 @@
           <a:lstStyle/>
           <a:p>
             <a:pPr algn="r"/>
-            <a:endParaRPr lang="pt-BR" sz="4000">
+            <a:r>
+              <a:rPr lang="it-IT" sz="5400" b="1" i="1" dirty="0" err="1">
+                <a:solidFill>
+                  <a:srgbClr val="FFFFFF"/>
+                </a:solidFill>
+                <a:effectLst>
+                  <a:outerShdw blurRad="38100" dist="38100" dir="2700000" algn="tl">
+                    <a:srgbClr val="000000">
+                      <a:alpha val="43137"/>
+                    </a:srgbClr>
+                  </a:outerShdw>
+                </a:effectLst>
+              </a:rPr>
+              <a:t>Coleta</a:t>
+            </a:r>
+            <a:r>
+              <a:rPr lang="it-IT" sz="5400" b="1" i="1" dirty="0">
+                <a:solidFill>
+                  <a:srgbClr val="FFFFFF"/>
+                </a:solidFill>
+                <a:effectLst>
+                  <a:outerShdw blurRad="38100" dist="38100" dir="2700000" algn="tl">
+                    <a:srgbClr val="000000">
+                      <a:alpha val="43137"/>
+                    </a:srgbClr>
+                  </a:outerShdw>
+                </a:effectLst>
+              </a:rPr>
+              <a:t> </a:t>
+            </a:r>
+            <a:r>
+              <a:rPr lang="it-IT" sz="5400" b="1" i="1" dirty="0" err="1">
+                <a:solidFill>
+                  <a:srgbClr val="FFFFFF"/>
+                </a:solidFill>
+                <a:effectLst>
+                  <a:outerShdw blurRad="38100" dist="38100" dir="2700000" algn="tl">
+                    <a:srgbClr val="000000">
+                      <a:alpha val="43137"/>
+                    </a:srgbClr>
+                  </a:outerShdw>
+                </a:effectLst>
+              </a:rPr>
+              <a:t>dos</a:t>
+            </a:r>
+            <a:r>
+              <a:rPr lang="it-IT" sz="5400" b="1" i="1" dirty="0">
+                <a:solidFill>
+                  <a:srgbClr val="FFFFFF"/>
+                </a:solidFill>
+                <a:effectLst>
+                  <a:outerShdw blurRad="38100" dist="38100" dir="2700000" algn="tl">
+                    <a:srgbClr val="000000">
+                      <a:alpha val="43137"/>
+                    </a:srgbClr>
+                  </a:outerShdw>
+                </a:effectLst>
+              </a:rPr>
+              <a:t> </a:t>
+            </a:r>
+            <a:r>
+              <a:rPr lang="it-IT" sz="5400" b="1" i="1" dirty="0" err="1">
+                <a:solidFill>
+                  <a:srgbClr val="FFFFFF"/>
+                </a:solidFill>
+                <a:effectLst>
+                  <a:outerShdw blurRad="38100" dist="38100" dir="2700000" algn="tl">
+                    <a:srgbClr val="000000">
+                      <a:alpha val="43137"/>
+                    </a:srgbClr>
+                  </a:outerShdw>
+                </a:effectLst>
+              </a:rPr>
+              <a:t>dados</a:t>
+            </a:r>
+            <a:endParaRPr lang="pt-BR" sz="5400" b="1" i="1" dirty="0">
               <a:solidFill>
                 <a:srgbClr val="FFFFFF"/>
               </a:solidFill>
+              <a:effectLst>
+                <a:outerShdw blurRad="38100" dist="38100" dir="2700000" algn="tl">
+                  <a:srgbClr val="000000">
+                    <a:alpha val="43137"/>
+                  </a:srgbClr>
+                </a:outerShdw>
+              </a:effectLst>
             </a:endParaRPr>
           </a:p>
         </p:txBody>
@@ -8494,11 +11808,16 @@
           </p:cNvGraphicFramePr>
           <p:nvPr>
             <p:ph idx="1"/>
+            <p:extLst>
+              <p:ext uri="{D42A27DB-BD31-4B8C-83A1-F6EECF244321}">
+                <p14:modId xmlns:p14="http://schemas.microsoft.com/office/powerpoint/2010/main" val="1386994340"/>
+              </p:ext>
+            </p:extLst>
           </p:nvPr>
         </p:nvGraphicFramePr>
         <p:xfrm>
-          <a:off x="4589929" y="1063624"/>
-          <a:ext cx="7225554" cy="4853081"/>
+          <a:off x="4037826" y="586855"/>
+          <a:ext cx="8151125" cy="5880619"/>
         </p:xfrm>
         <a:graphic>
           <a:graphicData uri="http://schemas.openxmlformats.org/drawingml/2006/diagram">
@@ -8506,6 +11825,59 @@
           </a:graphicData>
         </a:graphic>
       </p:graphicFrame>
+      <p:sp>
+        <p:nvSpPr>
+          <p:cNvPr id="3" name="TextBox 2">
+            <a:extLst>
+              <a:ext uri="{FF2B5EF4-FFF2-40B4-BE49-F238E27FC236}">
+                <a16:creationId xmlns:a16="http://schemas.microsoft.com/office/drawing/2014/main" id="{EADE9405-2D00-45C9-B679-0E9F39B9C419}"/>
+              </a:ext>
+            </a:extLst>
+          </p:cNvPr>
+          <p:cNvSpPr txBox="1"/>
+          <p:nvPr/>
+        </p:nvSpPr>
+        <p:spPr>
+          <a:xfrm>
+            <a:off x="7153275" y="3157250"/>
+            <a:ext cx="2238375" cy="578882"/>
+          </a:xfrm>
+          <a:prstGeom prst="roundRect">
+            <a:avLst/>
+          </a:prstGeom>
+          <a:noFill/>
+          <a:ln>
+            <a:solidFill>
+              <a:schemeClr val="tx1"/>
+            </a:solidFill>
+          </a:ln>
+          <a:effectLst>
+            <a:outerShdw blurRad="50800" dist="38100" dir="2700000" algn="tl" rotWithShape="0">
+              <a:prstClr val="black">
+                <a:alpha val="40000"/>
+              </a:prstClr>
+            </a:outerShdw>
+          </a:effectLst>
+        </p:spPr>
+        <p:txBody>
+          <a:bodyPr wrap="square" rtlCol="0">
+            <a:spAutoFit/>
+          </a:bodyPr>
+          <a:lstStyle/>
+          <a:p>
+            <a:pPr algn="ctr"/>
+            <a:r>
+              <a:rPr lang="pt-BR" sz="1400" b="1" dirty="0">
+                <a:effectLst/>
+                <a:latin typeface="Arial" panose="020B0604020202020204" pitchFamily="34" charset="0"/>
+                <a:ea typeface="Arial" panose="020B0604020202020204" pitchFamily="34" charset="0"/>
+              </a:rPr>
+              <a:t>Previsão da Expectativa de Vida</a:t>
+            </a:r>
+            <a:endParaRPr lang="pt-BR" sz="1400" dirty="0"/>
+          </a:p>
+        </p:txBody>
+      </p:sp>
     </p:spTree>
     <p:extLst>
       <p:ext uri="{BB962C8B-B14F-4D97-AF65-F5344CB8AC3E}">
@@ -8519,7 +11891,7 @@
 </p:sld>
 </file>
 
-<file path=ppt/slides/slide4.xml><?xml version="1.0" encoding="utf-8"?>
+<file path=ppt/slides/slide6.xml><?xml version="1.0" encoding="utf-8"?>
 <p:sld xmlns:a="http://schemas.openxmlformats.org/drawingml/2006/main" xmlns:r="http://schemas.openxmlformats.org/officeDocument/2006/relationships" xmlns:p="http://schemas.openxmlformats.org/presentationml/2006/main">
   <p:cSld>
     <p:bg>
@@ -8638,8 +12010,8 @@
         </p:nvSpPr>
         <p:spPr>
           <a:xfrm>
-            <a:off x="1136397" y="502021"/>
-            <a:ext cx="9688296" cy="1642969"/>
+            <a:off x="1059651" y="389130"/>
+            <a:ext cx="9688296" cy="698128"/>
           </a:xfrm>
         </p:spPr>
         <p:txBody>
@@ -8648,39 +12020,45 @@
           </a:bodyPr>
           <a:lstStyle/>
           <a:p>
-            <a:endParaRPr lang="pt-BR" sz="4000"/>
-          </a:p>
-        </p:txBody>
-      </p:sp>
-      <p:sp>
-        <p:nvSpPr>
-          <p:cNvPr id="3" name="Content Placeholder 2">
-            <a:extLst>
-              <a:ext uri="{FF2B5EF4-FFF2-40B4-BE49-F238E27FC236}">
-                <a16:creationId xmlns:a16="http://schemas.microsoft.com/office/drawing/2014/main" id="{9CA43DD9-9FDE-4531-9B93-5E422A10DA41}"/>
-              </a:ext>
-            </a:extLst>
-          </p:cNvPr>
-          <p:cNvSpPr>
-            <a:spLocks noGrp="1"/>
-          </p:cNvSpPr>
-          <p:nvPr>
-            <p:ph idx="1"/>
-          </p:nvPr>
-        </p:nvSpPr>
-        <p:spPr>
-          <a:xfrm>
-            <a:off x="1136397" y="2418409"/>
-            <a:ext cx="9688296" cy="3454358"/>
-          </a:xfrm>
-        </p:spPr>
-        <p:txBody>
-          <a:bodyPr anchor="t">
-            <a:normAutofit/>
-          </a:bodyPr>
-          <a:lstStyle/>
-          <a:p>
-            <a:endParaRPr lang="pt-BR" sz="2000"/>
+            <a:pPr marL="285750" indent="-285750">
+              <a:lnSpc>
+                <a:spcPct val="100000"/>
+              </a:lnSpc>
+              <a:buFont typeface="Wingdings" panose="05000000000000000000" pitchFamily="2" charset="2"/>
+              <a:buChar char="q"/>
+            </a:pPr>
+            <a:r>
+              <a:rPr lang="pt-BR" sz="1800" b="1" dirty="0">
+                <a:effectLst/>
+                <a:latin typeface="Calibri" panose="020F0502020204030204" pitchFamily="34" charset="0"/>
+                <a:ea typeface="Calibri" panose="020F0502020204030204" pitchFamily="34" charset="0"/>
+              </a:rPr>
+              <a:t>Fontes</a:t>
+            </a:r>
+            <a:r>
+              <a:rPr lang="pt-BR" sz="1800" dirty="0">
+                <a:effectLst/>
+                <a:latin typeface="Calibri" panose="020F0502020204030204" pitchFamily="34" charset="0"/>
+                <a:ea typeface="Calibri" panose="020F0502020204030204" pitchFamily="34" charset="0"/>
+              </a:rPr>
+              <a:t>: órgão mundial da saúde e das nações unidas, dados do IBGE, organização Our World in</a:t>
+            </a:r>
+            <a:br>
+              <a:rPr lang="pt-BR" sz="1800" dirty="0">
+                <a:effectLst/>
+                <a:latin typeface="Calibri" panose="020F0502020204030204" pitchFamily="34" charset="0"/>
+                <a:ea typeface="Calibri" panose="020F0502020204030204" pitchFamily="34" charset="0"/>
+              </a:rPr>
+            </a:br>
+            <a:r>
+              <a:rPr lang="pt-BR" sz="1800" dirty="0">
+                <a:effectLst/>
+                <a:latin typeface="Calibri" panose="020F0502020204030204" pitchFamily="34" charset="0"/>
+                <a:ea typeface="Calibri" panose="020F0502020204030204" pitchFamily="34" charset="0"/>
+              </a:rPr>
+              <a:t>Data e API de geolocalização.</a:t>
+            </a:r>
+            <a:endParaRPr lang="pt-BR" sz="4000" b="1" dirty="0"/>
           </a:p>
         </p:txBody>
       </p:sp>
@@ -8830,6 +12208,219 @@
           </a:p>
         </p:txBody>
       </p:sp>
+      <p:sp>
+        <p:nvSpPr>
+          <p:cNvPr id="9" name="TextBox 8">
+            <a:extLst>
+              <a:ext uri="{FF2B5EF4-FFF2-40B4-BE49-F238E27FC236}">
+                <a16:creationId xmlns:a16="http://schemas.microsoft.com/office/drawing/2014/main" id="{E13F9B7B-B3C5-46A4-974F-7A44E9EA3901}"/>
+              </a:ext>
+            </a:extLst>
+          </p:cNvPr>
+          <p:cNvSpPr txBox="1"/>
+          <p:nvPr/>
+        </p:nvSpPr>
+        <p:spPr>
+          <a:xfrm>
+            <a:off x="1059651" y="1110574"/>
+            <a:ext cx="9408324" cy="369332"/>
+          </a:xfrm>
+          <a:prstGeom prst="rect">
+            <a:avLst/>
+          </a:prstGeom>
+          <a:noFill/>
+        </p:spPr>
+        <p:txBody>
+          <a:bodyPr wrap="square">
+            <a:spAutoFit/>
+          </a:bodyPr>
+          <a:lstStyle/>
+          <a:p>
+            <a:pPr marL="285750" indent="-285750">
+              <a:buFont typeface="Wingdings" panose="05000000000000000000" pitchFamily="2" charset="2"/>
+              <a:buChar char="q"/>
+            </a:pPr>
+            <a:r>
+              <a:rPr lang="pt-BR" sz="1800" b="1" dirty="0">
+                <a:effectLst/>
+                <a:latin typeface="Calibri" panose="020F0502020204030204" pitchFamily="34" charset="0"/>
+                <a:ea typeface="Calibri" panose="020F0502020204030204" pitchFamily="34" charset="0"/>
+              </a:rPr>
+              <a:t>Grandes áreas</a:t>
+            </a:r>
+            <a:r>
+              <a:rPr lang="pt-BR" sz="1800" dirty="0">
+                <a:effectLst/>
+                <a:latin typeface="Calibri" panose="020F0502020204030204" pitchFamily="34" charset="0"/>
+                <a:ea typeface="Calibri" panose="020F0502020204030204" pitchFamily="34" charset="0"/>
+              </a:rPr>
+              <a:t>: economia,  ambientais,  demográficos, mortalidade,  imunização, à saúde </a:t>
+            </a:r>
+            <a:endParaRPr lang="pt-BR" dirty="0"/>
+          </a:p>
+        </p:txBody>
+      </p:sp>
+      <p:sp>
+        <p:nvSpPr>
+          <p:cNvPr id="5" name="TextBox 4">
+            <a:extLst>
+              <a:ext uri="{FF2B5EF4-FFF2-40B4-BE49-F238E27FC236}">
+                <a16:creationId xmlns:a16="http://schemas.microsoft.com/office/drawing/2014/main" id="{010BF8CE-7EE1-43AB-A774-78746C6417D3}"/>
+              </a:ext>
+            </a:extLst>
+          </p:cNvPr>
+          <p:cNvSpPr txBox="1"/>
+          <p:nvPr/>
+        </p:nvSpPr>
+        <p:spPr>
+          <a:xfrm>
+            <a:off x="1059651" y="1533048"/>
+            <a:ext cx="2469137" cy="369332"/>
+          </a:xfrm>
+          <a:prstGeom prst="rect">
+            <a:avLst/>
+          </a:prstGeom>
+          <a:noFill/>
+        </p:spPr>
+        <p:txBody>
+          <a:bodyPr wrap="none" rtlCol="0">
+            <a:spAutoFit/>
+          </a:bodyPr>
+          <a:lstStyle/>
+          <a:p>
+            <a:pPr marL="285750" indent="-285750">
+              <a:buFont typeface="Wingdings" panose="05000000000000000000" pitchFamily="2" charset="2"/>
+              <a:buChar char="q"/>
+            </a:pPr>
+            <a:r>
+              <a:rPr lang="pt-BR" sz="1800" b="1" dirty="0">
+                <a:latin typeface="Calibri" panose="020F0502020204030204" pitchFamily="34" charset="0"/>
+                <a:ea typeface="Calibri" panose="020F0502020204030204" pitchFamily="34" charset="0"/>
+              </a:rPr>
+              <a:t>Periodo</a:t>
+            </a:r>
+            <a:r>
+              <a:rPr lang="pt-BR" sz="1800" dirty="0">
+                <a:latin typeface="Calibri" panose="020F0502020204030204" pitchFamily="34" charset="0"/>
+                <a:ea typeface="Calibri" panose="020F0502020204030204" pitchFamily="34" charset="0"/>
+              </a:rPr>
+              <a:t>: </a:t>
+            </a:r>
+            <a:r>
+              <a:rPr lang="pt-BR" sz="1800" dirty="0">
+                <a:effectLst/>
+                <a:latin typeface="Calibri" panose="020F0502020204030204" pitchFamily="34" charset="0"/>
+                <a:ea typeface="Calibri" panose="020F0502020204030204" pitchFamily="34" charset="0"/>
+              </a:rPr>
+              <a:t>2010 à 2015</a:t>
+            </a:r>
+            <a:endParaRPr lang="pt-BR" dirty="0"/>
+          </a:p>
+        </p:txBody>
+      </p:sp>
+      <p:grpSp>
+        <p:nvGrpSpPr>
+          <p:cNvPr id="13" name="Group 12">
+            <a:extLst>
+              <a:ext uri="{FF2B5EF4-FFF2-40B4-BE49-F238E27FC236}">
+                <a16:creationId xmlns:a16="http://schemas.microsoft.com/office/drawing/2014/main" id="{1547A706-1E52-4D7F-9C2E-B7CA571F07CB}"/>
+              </a:ext>
+            </a:extLst>
+          </p:cNvPr>
+          <p:cNvGrpSpPr/>
+          <p:nvPr/>
+        </p:nvGrpSpPr>
+        <p:grpSpPr>
+          <a:xfrm>
+            <a:off x="3733800" y="1533048"/>
+            <a:ext cx="7855399" cy="4785542"/>
+            <a:chOff x="3733800" y="1533048"/>
+            <a:chExt cx="7855399" cy="4785542"/>
+          </a:xfrm>
+        </p:grpSpPr>
+        <p:pic>
+          <p:nvPicPr>
+            <p:cNvPr id="8" name="Picture 7" descr="Diagram&#10;&#10;Description automatically generated">
+              <a:extLst>
+                <a:ext uri="{FF2B5EF4-FFF2-40B4-BE49-F238E27FC236}">
+                  <a16:creationId xmlns:a16="http://schemas.microsoft.com/office/drawing/2014/main" id="{A21B0F24-4854-432A-97A7-AC10863661B8}"/>
+                </a:ext>
+              </a:extLst>
+            </p:cNvPr>
+            <p:cNvPicPr>
+              <a:picLocks noChangeAspect="1"/>
+            </p:cNvPicPr>
+            <p:nvPr/>
+          </p:nvPicPr>
+          <p:blipFill rotWithShape="1">
+            <a:blip r:embed="rId2">
+              <a:extLst>
+                <a:ext uri="{28A0092B-C50C-407E-A947-70E740481C1C}">
+                  <a14:useLocalDpi xmlns:a14="http://schemas.microsoft.com/office/drawing/2010/main" val="0"/>
+                </a:ext>
+              </a:extLst>
+            </a:blip>
+            <a:srcRect b="13659"/>
+            <a:stretch/>
+          </p:blipFill>
+          <p:spPr>
+            <a:xfrm>
+              <a:off x="3743324" y="1562115"/>
+              <a:ext cx="7845875" cy="4756475"/>
+            </a:xfrm>
+            <a:prstGeom prst="rect">
+              <a:avLst/>
+            </a:prstGeom>
+          </p:spPr>
+        </p:pic>
+        <p:sp>
+          <p:nvSpPr>
+            <p:cNvPr id="12" name="Rectangle 11">
+              <a:extLst>
+                <a:ext uri="{FF2B5EF4-FFF2-40B4-BE49-F238E27FC236}">
+                  <a16:creationId xmlns:a16="http://schemas.microsoft.com/office/drawing/2014/main" id="{0089FF62-97FC-4FE4-A7F7-EF2E82F62431}"/>
+                </a:ext>
+              </a:extLst>
+            </p:cNvPr>
+            <p:cNvSpPr/>
+            <p:nvPr/>
+          </p:nvSpPr>
+          <p:spPr>
+            <a:xfrm>
+              <a:off x="3733800" y="1533048"/>
+              <a:ext cx="1085850" cy="456774"/>
+            </a:xfrm>
+            <a:prstGeom prst="rect">
+              <a:avLst/>
+            </a:prstGeom>
+            <a:ln>
+              <a:noFill/>
+            </a:ln>
+          </p:spPr>
+          <p:style>
+            <a:lnRef idx="2">
+              <a:schemeClr val="accent6"/>
+            </a:lnRef>
+            <a:fillRef idx="1">
+              <a:schemeClr val="lt1"/>
+            </a:fillRef>
+            <a:effectRef idx="0">
+              <a:schemeClr val="accent6"/>
+            </a:effectRef>
+            <a:fontRef idx="minor">
+              <a:schemeClr val="dk1"/>
+            </a:fontRef>
+          </p:style>
+          <p:txBody>
+            <a:bodyPr rtlCol="0" anchor="ctr"/>
+            <a:lstStyle/>
+            <a:p>
+              <a:pPr algn="ctr"/>
+              <a:endParaRPr lang="pt-BR"/>
+            </a:p>
+          </p:txBody>
+        </p:sp>
+      </p:grpSp>
     </p:spTree>
     <p:extLst>
       <p:ext uri="{BB962C8B-B14F-4D97-AF65-F5344CB8AC3E}">
@@ -8843,7 +12434,7 @@
 </p:sld>
 </file>
 
-<file path=ppt/slides/slide5.xml><?xml version="1.0" encoding="utf-8"?>
+<file path=ppt/slides/slide7.xml><?xml version="1.0" encoding="utf-8"?>
 <p:sld xmlns:a="http://schemas.openxmlformats.org/drawingml/2006/main" xmlns:r="http://schemas.openxmlformats.org/officeDocument/2006/relationships" xmlns:p="http://schemas.openxmlformats.org/presentationml/2006/main">
   <p:cSld>
     <p:bg>
@@ -9167,7 +12758,7 @@
 </p:sld>
 </file>
 
-<file path=ppt/slides/slide6.xml><?xml version="1.0" encoding="utf-8"?>
+<file path=ppt/slides/slide8.xml><?xml version="1.0" encoding="utf-8"?>
 <p:sld xmlns:a="http://schemas.openxmlformats.org/drawingml/2006/main" xmlns:r="http://schemas.openxmlformats.org/officeDocument/2006/relationships" xmlns:p="http://schemas.openxmlformats.org/presentationml/2006/main">
   <p:cSld>
     <p:bg>
@@ -9491,7 +13082,7 @@
 </p:sld>
 </file>
 
-<file path=ppt/slides/slide7.xml><?xml version="1.0" encoding="utf-8"?>
+<file path=ppt/slides/slide9.xml><?xml version="1.0" encoding="utf-8"?>
 <p:sld xmlns:a="http://schemas.openxmlformats.org/drawingml/2006/main" xmlns:r="http://schemas.openxmlformats.org/officeDocument/2006/relationships" xmlns:p="http://schemas.openxmlformats.org/presentationml/2006/main">
   <p:cSld>
     <p:bg>
@@ -9806,654 +13397,6 @@
     <p:extLst>
       <p:ext uri="{BB962C8B-B14F-4D97-AF65-F5344CB8AC3E}">
         <p14:creationId xmlns:p14="http://schemas.microsoft.com/office/powerpoint/2010/main" val="2041925664"/>
-      </p:ext>
-    </p:extLst>
-  </p:cSld>
-  <p:clrMapOvr>
-    <a:masterClrMapping/>
-  </p:clrMapOvr>
-</p:sld>
-</file>
-
-<file path=ppt/slides/slide8.xml><?xml version="1.0" encoding="utf-8"?>
-<p:sld xmlns:a="http://schemas.openxmlformats.org/drawingml/2006/main" xmlns:r="http://schemas.openxmlformats.org/officeDocument/2006/relationships" xmlns:p="http://schemas.openxmlformats.org/presentationml/2006/main">
-  <p:cSld>
-    <p:bg>
-      <p:bgPr>
-        <a:solidFill>
-          <a:schemeClr val="bg1"/>
-        </a:solidFill>
-        <a:effectLst/>
-      </p:bgPr>
-    </p:bg>
-    <p:spTree>
-      <p:nvGrpSpPr>
-        <p:cNvPr id="1" name=""/>
-        <p:cNvGrpSpPr/>
-        <p:nvPr/>
-      </p:nvGrpSpPr>
-      <p:grpSpPr>
-        <a:xfrm>
-          <a:off x="0" y="0"/>
-          <a:ext cx="0" cy="0"/>
-          <a:chOff x="0" y="0"/>
-          <a:chExt cx="0" cy="0"/>
-        </a:xfrm>
-      </p:grpSpPr>
-      <p:sp useBgFill="1">
-        <p:nvSpPr>
-          <p:cNvPr id="33" name="Rectangle 32">
-            <a:extLst>
-              <a:ext uri="{FF2B5EF4-FFF2-40B4-BE49-F238E27FC236}">
-                <a16:creationId xmlns:a16="http://schemas.microsoft.com/office/drawing/2014/main" id="{979E27D9-03C7-44E2-9FF8-15D0C8506AF7}"/>
-              </a:ext>
-              <a:ext uri="{C183D7F6-B498-43B3-948B-1728B52AA6E4}">
-                <adec:decorative xmlns:adec="http://schemas.microsoft.com/office/drawing/2017/decorative" val="1"/>
-              </a:ext>
-            </a:extLst>
-          </p:cNvPr>
-          <p:cNvSpPr>
-            <a:spLocks noGrp="1" noRot="1" noChangeAspect="1" noMove="1" noResize="1" noEditPoints="1" noAdjustHandles="1" noChangeArrowheads="1" noChangeShapeType="1" noTextEdit="1"/>
-          </p:cNvSpPr>
-          <p:nvPr>
-            <p:extLst>
-              <p:ext uri="{386F3935-93C4-4BCD-93E2-E3B085C9AB24}">
-                <p16:designElem xmlns:p16="http://schemas.microsoft.com/office/powerpoint/2015/main" val="1"/>
-              </p:ext>
-            </p:extLst>
-          </p:nvPr>
-        </p:nvSpPr>
-        <p:spPr>
-          <a:xfrm>
-            <a:off x="0" y="0"/>
-            <a:ext cx="12192000" cy="6858000"/>
-          </a:xfrm>
-          <a:prstGeom prst="rect">
-            <a:avLst/>
-          </a:prstGeom>
-          <a:ln w="12700" cap="flat" cmpd="sng" algn="ctr">
-            <a:noFill/>
-            <a:prstDash val="solid"/>
-            <a:miter lim="800000"/>
-          </a:ln>
-          <a:effectLst/>
-          <a:extLst>
-            <a:ext uri="{91240B29-F687-4F45-9708-019B960494DF}">
-              <a14:hiddenLine xmlns:a14="http://schemas.microsoft.com/office/drawing/2010/main" w="12700" cap="flat" cmpd="sng" algn="ctr">
-                <a:solidFill>
-                  <a:schemeClr val="accent1">
-                    <a:shade val="50000"/>
-                  </a:schemeClr>
-                </a:solidFill>
-                <a:prstDash val="solid"/>
-                <a:miter lim="800000"/>
-              </a14:hiddenLine>
-            </a:ext>
-          </a:extLst>
-        </p:spPr>
-        <p:style>
-          <a:lnRef idx="2">
-            <a:schemeClr val="accent1">
-              <a:shade val="50000"/>
-            </a:schemeClr>
-          </a:lnRef>
-          <a:fillRef idx="1">
-            <a:schemeClr val="accent1"/>
-          </a:fillRef>
-          <a:effectRef idx="0">
-            <a:schemeClr val="accent1"/>
-          </a:effectRef>
-          <a:fontRef idx="minor">
-            <a:schemeClr val="lt1"/>
-          </a:fontRef>
-        </p:style>
-        <p:txBody>
-          <a:bodyPr rtlCol="0" anchor="ctr"/>
-          <a:lstStyle/>
-          <a:p>
-            <a:pPr algn="ctr"/>
-            <a:endParaRPr lang="en-US"/>
-          </a:p>
-        </p:txBody>
-      </p:sp>
-      <p:sp>
-        <p:nvSpPr>
-          <p:cNvPr id="2" name="Title 1">
-            <a:extLst>
-              <a:ext uri="{FF2B5EF4-FFF2-40B4-BE49-F238E27FC236}">
-                <a16:creationId xmlns:a16="http://schemas.microsoft.com/office/drawing/2014/main" id="{66025AB0-B8E8-4B50-BA5F-97C60F08910B}"/>
-              </a:ext>
-            </a:extLst>
-          </p:cNvPr>
-          <p:cNvSpPr>
-            <a:spLocks noGrp="1"/>
-          </p:cNvSpPr>
-          <p:nvPr>
-            <p:ph type="title"/>
-          </p:nvPr>
-        </p:nvSpPr>
-        <p:spPr>
-          <a:xfrm>
-            <a:off x="1136397" y="502021"/>
-            <a:ext cx="9688296" cy="1642969"/>
-          </a:xfrm>
-        </p:spPr>
-        <p:txBody>
-          <a:bodyPr anchor="b">
-            <a:normAutofit/>
-          </a:bodyPr>
-          <a:lstStyle/>
-          <a:p>
-            <a:endParaRPr lang="pt-BR" sz="4000"/>
-          </a:p>
-        </p:txBody>
-      </p:sp>
-      <p:sp>
-        <p:nvSpPr>
-          <p:cNvPr id="3" name="Content Placeholder 2">
-            <a:extLst>
-              <a:ext uri="{FF2B5EF4-FFF2-40B4-BE49-F238E27FC236}">
-                <a16:creationId xmlns:a16="http://schemas.microsoft.com/office/drawing/2014/main" id="{9CA43DD9-9FDE-4531-9B93-5E422A10DA41}"/>
-              </a:ext>
-            </a:extLst>
-          </p:cNvPr>
-          <p:cNvSpPr>
-            <a:spLocks noGrp="1"/>
-          </p:cNvSpPr>
-          <p:nvPr>
-            <p:ph idx="1"/>
-          </p:nvPr>
-        </p:nvSpPr>
-        <p:spPr>
-          <a:xfrm>
-            <a:off x="1136397" y="2418409"/>
-            <a:ext cx="9688296" cy="3454358"/>
-          </a:xfrm>
-        </p:spPr>
-        <p:txBody>
-          <a:bodyPr anchor="t">
-            <a:normAutofit/>
-          </a:bodyPr>
-          <a:lstStyle/>
-          <a:p>
-            <a:endParaRPr lang="pt-BR" sz="2000"/>
-          </a:p>
-        </p:txBody>
-      </p:sp>
-      <p:sp>
-        <p:nvSpPr>
-          <p:cNvPr id="35" name="Rectangle 34">
-            <a:extLst>
-              <a:ext uri="{FF2B5EF4-FFF2-40B4-BE49-F238E27FC236}">
-                <a16:creationId xmlns:a16="http://schemas.microsoft.com/office/drawing/2014/main" id="{EEBF1590-3B36-48EE-A89D-3B6F3CB256AB}"/>
-              </a:ext>
-              <a:ext uri="{C183D7F6-B498-43B3-948B-1728B52AA6E4}">
-                <adec:decorative xmlns:adec="http://schemas.microsoft.com/office/drawing/2017/decorative" val="1"/>
-              </a:ext>
-            </a:extLst>
-          </p:cNvPr>
-          <p:cNvSpPr>
-            <a:spLocks noGrp="1" noRot="1" noChangeAspect="1" noMove="1" noResize="1" noEditPoints="1" noAdjustHandles="1" noChangeArrowheads="1" noChangeShapeType="1" noTextEdit="1"/>
-          </p:cNvSpPr>
-          <p:nvPr>
-            <p:extLst>
-              <p:ext uri="{386F3935-93C4-4BCD-93E2-E3B085C9AB24}">
-                <p16:designElem xmlns:p16="http://schemas.microsoft.com/office/powerpoint/2015/main" val="1"/>
-              </p:ext>
-            </p:extLst>
-          </p:nvPr>
-        </p:nvSpPr>
-        <p:spPr>
-          <a:xfrm rot="10800000" flipH="1">
-            <a:off x="0" y="6400799"/>
-            <a:ext cx="12192000" cy="456773"/>
-          </a:xfrm>
-          <a:prstGeom prst="rect">
-            <a:avLst/>
-          </a:prstGeom>
-          <a:gradFill>
-            <a:gsLst>
-              <a:gs pos="0">
-                <a:schemeClr val="accent1"/>
-              </a:gs>
-              <a:gs pos="78000">
-                <a:srgbClr val="000000"/>
-              </a:gs>
-            </a:gsLst>
-            <a:lin ang="2400000" scaled="0"/>
-          </a:gradFill>
-          <a:ln>
-            <a:noFill/>
-          </a:ln>
-        </p:spPr>
-        <p:style>
-          <a:lnRef idx="2">
-            <a:schemeClr val="accent1">
-              <a:shade val="50000"/>
-            </a:schemeClr>
-          </a:lnRef>
-          <a:fillRef idx="1">
-            <a:schemeClr val="accent1"/>
-          </a:fillRef>
-          <a:effectRef idx="0">
-            <a:schemeClr val="accent1"/>
-          </a:effectRef>
-          <a:fontRef idx="minor">
-            <a:schemeClr val="lt1"/>
-          </a:fontRef>
-        </p:style>
-        <p:txBody>
-          <a:bodyPr rtlCol="0" anchor="ctr"/>
-          <a:lstStyle/>
-          <a:p>
-            <a:pPr algn="ctr"/>
-            <a:endParaRPr lang="en-US"/>
-          </a:p>
-        </p:txBody>
-      </p:sp>
-      <p:sp>
-        <p:nvSpPr>
-          <p:cNvPr id="37" name="Rectangle 36">
-            <a:extLst>
-              <a:ext uri="{FF2B5EF4-FFF2-40B4-BE49-F238E27FC236}">
-                <a16:creationId xmlns:a16="http://schemas.microsoft.com/office/drawing/2014/main" id="{AC8F6C8C-AB5A-4548-942D-E3FD40ACBC49}"/>
-              </a:ext>
-              <a:ext uri="{C183D7F6-B498-43B3-948B-1728B52AA6E4}">
-                <adec:decorative xmlns:adec="http://schemas.microsoft.com/office/drawing/2017/decorative" val="1"/>
-              </a:ext>
-            </a:extLst>
-          </p:cNvPr>
-          <p:cNvSpPr>
-            <a:spLocks noGrp="1" noRot="1" noChangeAspect="1" noMove="1" noResize="1" noEditPoints="1" noAdjustHandles="1" noChangeArrowheads="1" noChangeShapeType="1" noTextEdit="1"/>
-          </p:cNvSpPr>
-          <p:nvPr>
-            <p:extLst>
-              <p:ext uri="{386F3935-93C4-4BCD-93E2-E3B085C9AB24}">
-                <p16:designElem xmlns:p16="http://schemas.microsoft.com/office/powerpoint/2015/main" val="1"/>
-              </p:ext>
-            </p:extLst>
-          </p:nvPr>
-        </p:nvSpPr>
-        <p:spPr>
-          <a:xfrm flipH="1">
-            <a:off x="4038600" y="6400799"/>
-            <a:ext cx="8153398" cy="456772"/>
-          </a:xfrm>
-          <a:prstGeom prst="rect">
-            <a:avLst/>
-          </a:prstGeom>
-          <a:gradFill>
-            <a:gsLst>
-              <a:gs pos="0">
-                <a:srgbClr val="000000">
-                  <a:alpha val="63000"/>
-                </a:srgbClr>
-              </a:gs>
-              <a:gs pos="100000">
-                <a:schemeClr val="accent1">
-                  <a:lumMod val="75000"/>
-                </a:schemeClr>
-              </a:gs>
-            </a:gsLst>
-            <a:lin ang="13800000" scaled="0"/>
-          </a:gradFill>
-          <a:ln>
-            <a:noFill/>
-          </a:ln>
-        </p:spPr>
-        <p:style>
-          <a:lnRef idx="2">
-            <a:schemeClr val="accent1">
-              <a:shade val="50000"/>
-            </a:schemeClr>
-          </a:lnRef>
-          <a:fillRef idx="1">
-            <a:schemeClr val="accent1"/>
-          </a:fillRef>
-          <a:effectRef idx="0">
-            <a:schemeClr val="accent1"/>
-          </a:effectRef>
-          <a:fontRef idx="minor">
-            <a:schemeClr val="lt1"/>
-          </a:fontRef>
-        </p:style>
-        <p:txBody>
-          <a:bodyPr rtlCol="0" anchor="ctr"/>
-          <a:lstStyle/>
-          <a:p>
-            <a:pPr algn="ctr"/>
-            <a:endParaRPr lang="en-US"/>
-          </a:p>
-        </p:txBody>
-      </p:sp>
-    </p:spTree>
-    <p:extLst>
-      <p:ext uri="{BB962C8B-B14F-4D97-AF65-F5344CB8AC3E}">
-        <p14:creationId xmlns:p14="http://schemas.microsoft.com/office/powerpoint/2010/main" val="339031753"/>
-      </p:ext>
-    </p:extLst>
-  </p:cSld>
-  <p:clrMapOvr>
-    <a:masterClrMapping/>
-  </p:clrMapOvr>
-</p:sld>
-</file>
-
-<file path=ppt/slides/slide9.xml><?xml version="1.0" encoding="utf-8"?>
-<p:sld xmlns:a="http://schemas.openxmlformats.org/drawingml/2006/main" xmlns:r="http://schemas.openxmlformats.org/officeDocument/2006/relationships" xmlns:p="http://schemas.openxmlformats.org/presentationml/2006/main">
-  <p:cSld>
-    <p:bg>
-      <p:bgPr>
-        <a:solidFill>
-          <a:schemeClr val="bg1"/>
-        </a:solidFill>
-        <a:effectLst/>
-      </p:bgPr>
-    </p:bg>
-    <p:spTree>
-      <p:nvGrpSpPr>
-        <p:cNvPr id="1" name=""/>
-        <p:cNvGrpSpPr/>
-        <p:nvPr/>
-      </p:nvGrpSpPr>
-      <p:grpSpPr>
-        <a:xfrm>
-          <a:off x="0" y="0"/>
-          <a:ext cx="0" cy="0"/>
-          <a:chOff x="0" y="0"/>
-          <a:chExt cx="0" cy="0"/>
-        </a:xfrm>
-      </p:grpSpPr>
-      <p:sp useBgFill="1">
-        <p:nvSpPr>
-          <p:cNvPr id="33" name="Rectangle 32">
-            <a:extLst>
-              <a:ext uri="{FF2B5EF4-FFF2-40B4-BE49-F238E27FC236}">
-                <a16:creationId xmlns:a16="http://schemas.microsoft.com/office/drawing/2014/main" id="{979E27D9-03C7-44E2-9FF8-15D0C8506AF7}"/>
-              </a:ext>
-              <a:ext uri="{C183D7F6-B498-43B3-948B-1728B52AA6E4}">
-                <adec:decorative xmlns:adec="http://schemas.microsoft.com/office/drawing/2017/decorative" val="1"/>
-              </a:ext>
-            </a:extLst>
-          </p:cNvPr>
-          <p:cNvSpPr>
-            <a:spLocks noGrp="1" noRot="1" noChangeAspect="1" noMove="1" noResize="1" noEditPoints="1" noAdjustHandles="1" noChangeArrowheads="1" noChangeShapeType="1" noTextEdit="1"/>
-          </p:cNvSpPr>
-          <p:nvPr>
-            <p:extLst>
-              <p:ext uri="{386F3935-93C4-4BCD-93E2-E3B085C9AB24}">
-                <p16:designElem xmlns:p16="http://schemas.microsoft.com/office/powerpoint/2015/main" val="1"/>
-              </p:ext>
-            </p:extLst>
-          </p:nvPr>
-        </p:nvSpPr>
-        <p:spPr>
-          <a:xfrm>
-            <a:off x="0" y="0"/>
-            <a:ext cx="12192000" cy="6858000"/>
-          </a:xfrm>
-          <a:prstGeom prst="rect">
-            <a:avLst/>
-          </a:prstGeom>
-          <a:ln w="12700" cap="flat" cmpd="sng" algn="ctr">
-            <a:noFill/>
-            <a:prstDash val="solid"/>
-            <a:miter lim="800000"/>
-          </a:ln>
-          <a:effectLst/>
-          <a:extLst>
-            <a:ext uri="{91240B29-F687-4F45-9708-019B960494DF}">
-              <a14:hiddenLine xmlns:a14="http://schemas.microsoft.com/office/drawing/2010/main" w="12700" cap="flat" cmpd="sng" algn="ctr">
-                <a:solidFill>
-                  <a:schemeClr val="accent1">
-                    <a:shade val="50000"/>
-                  </a:schemeClr>
-                </a:solidFill>
-                <a:prstDash val="solid"/>
-                <a:miter lim="800000"/>
-              </a14:hiddenLine>
-            </a:ext>
-          </a:extLst>
-        </p:spPr>
-        <p:style>
-          <a:lnRef idx="2">
-            <a:schemeClr val="accent1">
-              <a:shade val="50000"/>
-            </a:schemeClr>
-          </a:lnRef>
-          <a:fillRef idx="1">
-            <a:schemeClr val="accent1"/>
-          </a:fillRef>
-          <a:effectRef idx="0">
-            <a:schemeClr val="accent1"/>
-          </a:effectRef>
-          <a:fontRef idx="minor">
-            <a:schemeClr val="lt1"/>
-          </a:fontRef>
-        </p:style>
-        <p:txBody>
-          <a:bodyPr rtlCol="0" anchor="ctr"/>
-          <a:lstStyle/>
-          <a:p>
-            <a:pPr algn="ctr"/>
-            <a:endParaRPr lang="en-US"/>
-          </a:p>
-        </p:txBody>
-      </p:sp>
-      <p:sp>
-        <p:nvSpPr>
-          <p:cNvPr id="2" name="Title 1">
-            <a:extLst>
-              <a:ext uri="{FF2B5EF4-FFF2-40B4-BE49-F238E27FC236}">
-                <a16:creationId xmlns:a16="http://schemas.microsoft.com/office/drawing/2014/main" id="{66025AB0-B8E8-4B50-BA5F-97C60F08910B}"/>
-              </a:ext>
-            </a:extLst>
-          </p:cNvPr>
-          <p:cNvSpPr>
-            <a:spLocks noGrp="1"/>
-          </p:cNvSpPr>
-          <p:nvPr>
-            <p:ph type="title"/>
-          </p:nvPr>
-        </p:nvSpPr>
-        <p:spPr>
-          <a:xfrm>
-            <a:off x="1136397" y="502021"/>
-            <a:ext cx="9688296" cy="1642969"/>
-          </a:xfrm>
-        </p:spPr>
-        <p:txBody>
-          <a:bodyPr anchor="b">
-            <a:normAutofit/>
-          </a:bodyPr>
-          <a:lstStyle/>
-          <a:p>
-            <a:endParaRPr lang="pt-BR" sz="4000"/>
-          </a:p>
-        </p:txBody>
-      </p:sp>
-      <p:sp>
-        <p:nvSpPr>
-          <p:cNvPr id="3" name="Content Placeholder 2">
-            <a:extLst>
-              <a:ext uri="{FF2B5EF4-FFF2-40B4-BE49-F238E27FC236}">
-                <a16:creationId xmlns:a16="http://schemas.microsoft.com/office/drawing/2014/main" id="{9CA43DD9-9FDE-4531-9B93-5E422A10DA41}"/>
-              </a:ext>
-            </a:extLst>
-          </p:cNvPr>
-          <p:cNvSpPr>
-            <a:spLocks noGrp="1"/>
-          </p:cNvSpPr>
-          <p:nvPr>
-            <p:ph idx="1"/>
-          </p:nvPr>
-        </p:nvSpPr>
-        <p:spPr>
-          <a:xfrm>
-            <a:off x="1136397" y="2418409"/>
-            <a:ext cx="9688296" cy="3454358"/>
-          </a:xfrm>
-        </p:spPr>
-        <p:txBody>
-          <a:bodyPr anchor="t">
-            <a:normAutofit/>
-          </a:bodyPr>
-          <a:lstStyle/>
-          <a:p>
-            <a:endParaRPr lang="pt-BR" sz="2000"/>
-          </a:p>
-        </p:txBody>
-      </p:sp>
-      <p:sp>
-        <p:nvSpPr>
-          <p:cNvPr id="35" name="Rectangle 34">
-            <a:extLst>
-              <a:ext uri="{FF2B5EF4-FFF2-40B4-BE49-F238E27FC236}">
-                <a16:creationId xmlns:a16="http://schemas.microsoft.com/office/drawing/2014/main" id="{EEBF1590-3B36-48EE-A89D-3B6F3CB256AB}"/>
-              </a:ext>
-              <a:ext uri="{C183D7F6-B498-43B3-948B-1728B52AA6E4}">
-                <adec:decorative xmlns:adec="http://schemas.microsoft.com/office/drawing/2017/decorative" val="1"/>
-              </a:ext>
-            </a:extLst>
-          </p:cNvPr>
-          <p:cNvSpPr>
-            <a:spLocks noGrp="1" noRot="1" noChangeAspect="1" noMove="1" noResize="1" noEditPoints="1" noAdjustHandles="1" noChangeArrowheads="1" noChangeShapeType="1" noTextEdit="1"/>
-          </p:cNvSpPr>
-          <p:nvPr>
-            <p:extLst>
-              <p:ext uri="{386F3935-93C4-4BCD-93E2-E3B085C9AB24}">
-                <p16:designElem xmlns:p16="http://schemas.microsoft.com/office/powerpoint/2015/main" val="1"/>
-              </p:ext>
-            </p:extLst>
-          </p:nvPr>
-        </p:nvSpPr>
-        <p:spPr>
-          <a:xfrm rot="10800000" flipH="1">
-            <a:off x="0" y="6400799"/>
-            <a:ext cx="12192000" cy="456773"/>
-          </a:xfrm>
-          <a:prstGeom prst="rect">
-            <a:avLst/>
-          </a:prstGeom>
-          <a:gradFill>
-            <a:gsLst>
-              <a:gs pos="0">
-                <a:schemeClr val="accent1"/>
-              </a:gs>
-              <a:gs pos="78000">
-                <a:srgbClr val="000000"/>
-              </a:gs>
-            </a:gsLst>
-            <a:lin ang="2400000" scaled="0"/>
-          </a:gradFill>
-          <a:ln>
-            <a:noFill/>
-          </a:ln>
-        </p:spPr>
-        <p:style>
-          <a:lnRef idx="2">
-            <a:schemeClr val="accent1">
-              <a:shade val="50000"/>
-            </a:schemeClr>
-          </a:lnRef>
-          <a:fillRef idx="1">
-            <a:schemeClr val="accent1"/>
-          </a:fillRef>
-          <a:effectRef idx="0">
-            <a:schemeClr val="accent1"/>
-          </a:effectRef>
-          <a:fontRef idx="minor">
-            <a:schemeClr val="lt1"/>
-          </a:fontRef>
-        </p:style>
-        <p:txBody>
-          <a:bodyPr rtlCol="0" anchor="ctr"/>
-          <a:lstStyle/>
-          <a:p>
-            <a:pPr algn="ctr"/>
-            <a:endParaRPr lang="en-US"/>
-          </a:p>
-        </p:txBody>
-      </p:sp>
-      <p:sp>
-        <p:nvSpPr>
-          <p:cNvPr id="37" name="Rectangle 36">
-            <a:extLst>
-              <a:ext uri="{FF2B5EF4-FFF2-40B4-BE49-F238E27FC236}">
-                <a16:creationId xmlns:a16="http://schemas.microsoft.com/office/drawing/2014/main" id="{AC8F6C8C-AB5A-4548-942D-E3FD40ACBC49}"/>
-              </a:ext>
-              <a:ext uri="{C183D7F6-B498-43B3-948B-1728B52AA6E4}">
-                <adec:decorative xmlns:adec="http://schemas.microsoft.com/office/drawing/2017/decorative" val="1"/>
-              </a:ext>
-            </a:extLst>
-          </p:cNvPr>
-          <p:cNvSpPr>
-            <a:spLocks noGrp="1" noRot="1" noChangeAspect="1" noMove="1" noResize="1" noEditPoints="1" noAdjustHandles="1" noChangeArrowheads="1" noChangeShapeType="1" noTextEdit="1"/>
-          </p:cNvSpPr>
-          <p:nvPr>
-            <p:extLst>
-              <p:ext uri="{386F3935-93C4-4BCD-93E2-E3B085C9AB24}">
-                <p16:designElem xmlns:p16="http://schemas.microsoft.com/office/powerpoint/2015/main" val="1"/>
-              </p:ext>
-            </p:extLst>
-          </p:nvPr>
-        </p:nvSpPr>
-        <p:spPr>
-          <a:xfrm flipH="1">
-            <a:off x="4038600" y="6400799"/>
-            <a:ext cx="8153398" cy="456772"/>
-          </a:xfrm>
-          <a:prstGeom prst="rect">
-            <a:avLst/>
-          </a:prstGeom>
-          <a:gradFill>
-            <a:gsLst>
-              <a:gs pos="0">
-                <a:srgbClr val="000000">
-                  <a:alpha val="63000"/>
-                </a:srgbClr>
-              </a:gs>
-              <a:gs pos="100000">
-                <a:schemeClr val="accent1">
-                  <a:lumMod val="75000"/>
-                </a:schemeClr>
-              </a:gs>
-            </a:gsLst>
-            <a:lin ang="13800000" scaled="0"/>
-          </a:gradFill>
-          <a:ln>
-            <a:noFill/>
-          </a:ln>
-        </p:spPr>
-        <p:style>
-          <a:lnRef idx="2">
-            <a:schemeClr val="accent1">
-              <a:shade val="50000"/>
-            </a:schemeClr>
-          </a:lnRef>
-          <a:fillRef idx="1">
-            <a:schemeClr val="accent1"/>
-          </a:fillRef>
-          <a:effectRef idx="0">
-            <a:schemeClr val="accent1"/>
-          </a:effectRef>
-          <a:fontRef idx="minor">
-            <a:schemeClr val="lt1"/>
-          </a:fontRef>
-        </p:style>
-        <p:txBody>
-          <a:bodyPr rtlCol="0" anchor="ctr"/>
-          <a:lstStyle/>
-          <a:p>
-            <a:pPr algn="ctr"/>
-            <a:endParaRPr lang="en-US"/>
-          </a:p>
-        </p:txBody>
-      </p:sp>
-    </p:spTree>
-    <p:extLst>
-      <p:ext uri="{BB962C8B-B14F-4D97-AF65-F5344CB8AC3E}">
-        <p14:creationId xmlns:p14="http://schemas.microsoft.com/office/powerpoint/2010/main" val="3179180910"/>
       </p:ext>
     </p:extLst>
   </p:cSld>

--- a/pdf/life_expectancy.pptx
+++ b/pdf/life_expectancy.pptx
@@ -29368,7 +29368,7 @@
           <a:p>
             <a:fld id="{5B35A973-9FCC-4853-9BB3-DB1A14CF7159}" type="datetimeFigureOut">
               <a:rPr lang="pt-BR" smtClean="0"/>
-              <a:t>21/01/2022</a:t>
+              <a:t>25/01/2022</a:t>
             </a:fld>
             <a:endParaRPr lang="pt-BR"/>
           </a:p>
@@ -29538,7 +29538,7 @@
           <a:p>
             <a:fld id="{5B35A973-9FCC-4853-9BB3-DB1A14CF7159}" type="datetimeFigureOut">
               <a:rPr lang="pt-BR" smtClean="0"/>
-              <a:t>21/01/2022</a:t>
+              <a:t>25/01/2022</a:t>
             </a:fld>
             <a:endParaRPr lang="pt-BR"/>
           </a:p>
@@ -29718,7 +29718,7 @@
           <a:p>
             <a:fld id="{5B35A973-9FCC-4853-9BB3-DB1A14CF7159}" type="datetimeFigureOut">
               <a:rPr lang="pt-BR" smtClean="0"/>
-              <a:t>21/01/2022</a:t>
+              <a:t>25/01/2022</a:t>
             </a:fld>
             <a:endParaRPr lang="pt-BR"/>
           </a:p>
@@ -29888,7 +29888,7 @@
           <a:p>
             <a:fld id="{5B35A973-9FCC-4853-9BB3-DB1A14CF7159}" type="datetimeFigureOut">
               <a:rPr lang="pt-BR" smtClean="0"/>
-              <a:t>21/01/2022</a:t>
+              <a:t>25/01/2022</a:t>
             </a:fld>
             <a:endParaRPr lang="pt-BR"/>
           </a:p>
@@ -30134,7 +30134,7 @@
           <a:p>
             <a:fld id="{5B35A973-9FCC-4853-9BB3-DB1A14CF7159}" type="datetimeFigureOut">
               <a:rPr lang="pt-BR" smtClean="0"/>
-              <a:t>21/01/2022</a:t>
+              <a:t>25/01/2022</a:t>
             </a:fld>
             <a:endParaRPr lang="pt-BR"/>
           </a:p>
@@ -30366,7 +30366,7 @@
           <a:p>
             <a:fld id="{5B35A973-9FCC-4853-9BB3-DB1A14CF7159}" type="datetimeFigureOut">
               <a:rPr lang="pt-BR" smtClean="0"/>
-              <a:t>21/01/2022</a:t>
+              <a:t>25/01/2022</a:t>
             </a:fld>
             <a:endParaRPr lang="pt-BR"/>
           </a:p>
@@ -30733,7 +30733,7 @@
           <a:p>
             <a:fld id="{5B35A973-9FCC-4853-9BB3-DB1A14CF7159}" type="datetimeFigureOut">
               <a:rPr lang="pt-BR" smtClean="0"/>
-              <a:t>21/01/2022</a:t>
+              <a:t>25/01/2022</a:t>
             </a:fld>
             <a:endParaRPr lang="pt-BR"/>
           </a:p>
@@ -30851,7 +30851,7 @@
           <a:p>
             <a:fld id="{5B35A973-9FCC-4853-9BB3-DB1A14CF7159}" type="datetimeFigureOut">
               <a:rPr lang="pt-BR" smtClean="0"/>
-              <a:t>21/01/2022</a:t>
+              <a:t>25/01/2022</a:t>
             </a:fld>
             <a:endParaRPr lang="pt-BR"/>
           </a:p>
@@ -30946,7 +30946,7 @@
           <a:p>
             <a:fld id="{5B35A973-9FCC-4853-9BB3-DB1A14CF7159}" type="datetimeFigureOut">
               <a:rPr lang="pt-BR" smtClean="0"/>
-              <a:t>21/01/2022</a:t>
+              <a:t>25/01/2022</a:t>
             </a:fld>
             <a:endParaRPr lang="pt-BR"/>
           </a:p>
@@ -31223,7 +31223,7 @@
           <a:p>
             <a:fld id="{5B35A973-9FCC-4853-9BB3-DB1A14CF7159}" type="datetimeFigureOut">
               <a:rPr lang="pt-BR" smtClean="0"/>
-              <a:t>21/01/2022</a:t>
+              <a:t>25/01/2022</a:t>
             </a:fld>
             <a:endParaRPr lang="pt-BR"/>
           </a:p>
@@ -31480,7 +31480,7 @@
           <a:p>
             <a:fld id="{5B35A973-9FCC-4853-9BB3-DB1A14CF7159}" type="datetimeFigureOut">
               <a:rPr lang="pt-BR" smtClean="0"/>
-              <a:t>21/01/2022</a:t>
+              <a:t>25/01/2022</a:t>
             </a:fld>
             <a:endParaRPr lang="pt-BR"/>
           </a:p>
@@ -31693,7 +31693,7 @@
           <a:p>
             <a:fld id="{5B35A973-9FCC-4853-9BB3-DB1A14CF7159}" type="datetimeFigureOut">
               <a:rPr lang="pt-BR" smtClean="0"/>
-              <a:t>21/01/2022</a:t>
+              <a:t>25/01/2022</a:t>
             </a:fld>
             <a:endParaRPr lang="pt-BR"/>
           </a:p>
@@ -32858,7 +32858,7 @@
         <p:spPr>
           <a:xfrm>
             <a:off x="5189789" y="2651385"/>
-            <a:ext cx="5573486" cy="1294072"/>
+            <a:ext cx="5573486" cy="1709571"/>
           </a:xfrm>
           <a:prstGeom prst="rect">
             <a:avLst/>
@@ -32885,13 +32885,14 @@
                 <a:latin typeface="Arial" panose="020B0604020202020204" pitchFamily="34" charset="0"/>
                 <a:ea typeface="Arial" panose="020B0604020202020204" pitchFamily="34" charset="0"/>
               </a:rPr>
-              <a:t>PREVISÃO DA EXPECTATIVA DE VIDA DA POPULAÇÃO UTILIZANDO ALGORITMOS DE MACHINE LEARNING</a:t>
+              <a:t>PREVISÃO DA EXPECTATIVA DE VIDA DA POPULAÇÃO UTILIZANDO ALGORITMOS DE MACHINE LEARNING A PARTIR DE </a:t>
             </a:r>
-            <a:endParaRPr lang="pt-BR" sz="1600" dirty="0">
-              <a:effectLst/>
-              <a:latin typeface="Calibri" panose="020F0502020204030204" pitchFamily="34" charset="0"/>
-              <a:ea typeface="Calibri" panose="020F0502020204030204" pitchFamily="34" charset="0"/>
-            </a:endParaRPr>
+            <a:r>
+              <a:rPr lang="pt-BR" b="1" dirty="0">
+                <a:latin typeface="Arial" panose="020B0604020202020204" pitchFamily="34" charset="0"/>
+              </a:rPr>
+              <a:t>INFORMAÇÕES SOCIOECONÔMICAS</a:t>
+            </a:r>
           </a:p>
         </p:txBody>
       </p:sp>
@@ -33988,7 +33989,7 @@
           <a:graphicData uri="http://schemas.openxmlformats.org/presentationml/2006/ole">
             <mc:AlternateContent xmlns:mc="http://schemas.openxmlformats.org/markup-compatibility/2006">
               <mc:Choice xmlns:v="urn:schemas-microsoft-com:vml" Requires="v">
-                <p:oleObj spid="_x0000_s1029" name="Worksheet" r:id="rId6" imgW="5473544" imgH="5397454" progId="Excel.Sheet.12">
+                <p:oleObj spid="_x0000_s1031" name="Worksheet" r:id="rId6" imgW="5473544" imgH="5397454" progId="Excel.Sheet.12">
                   <p:embed/>
                 </p:oleObj>
               </mc:Choice>

--- a/pdf/life_expectancy.pptx
+++ b/pdf/life_expectancy.pptx
@@ -33989,7 +33989,7 @@
           <a:graphicData uri="http://schemas.openxmlformats.org/presentationml/2006/ole">
             <mc:AlternateContent xmlns:mc="http://schemas.openxmlformats.org/markup-compatibility/2006">
               <mc:Choice xmlns:v="urn:schemas-microsoft-com:vml" Requires="v">
-                <p:oleObj spid="_x0000_s1031" name="Worksheet" r:id="rId6" imgW="5473544" imgH="5397454" progId="Excel.Sheet.12">
+                <p:oleObj spid="_x0000_s1032" name="Worksheet" r:id="rId6" imgW="5473544" imgH="5397454" progId="Excel.Sheet.12">
                   <p:embed/>
                 </p:oleObj>
               </mc:Choice>
